--- a/project2/Project 2 Can you hear a reservoir.pptx
+++ b/project2/Project 2 Can you hear a reservoir.pptx
@@ -5,7 +5,7 @@
     <p:sldMasterId id="2147483735" r:id="rId1"/>
   </p:sldMasterIdLst>
   <p:notesMasterIdLst>
-    <p:notesMasterId r:id="rId16"/>
+    <p:notesMasterId r:id="rId17"/>
   </p:notesMasterIdLst>
   <p:sldIdLst>
     <p:sldId id="256" r:id="rId2"/>
@@ -15,13 +15,14 @@
     <p:sldId id="265" r:id="rId6"/>
     <p:sldId id="266" r:id="rId7"/>
     <p:sldId id="267" r:id="rId8"/>
-    <p:sldId id="268" r:id="rId9"/>
-    <p:sldId id="269" r:id="rId10"/>
-    <p:sldId id="270" r:id="rId11"/>
-    <p:sldId id="271" r:id="rId12"/>
-    <p:sldId id="272" r:id="rId13"/>
-    <p:sldId id="273" r:id="rId14"/>
-    <p:sldId id="274" r:id="rId15"/>
+    <p:sldId id="275" r:id="rId9"/>
+    <p:sldId id="268" r:id="rId10"/>
+    <p:sldId id="269" r:id="rId11"/>
+    <p:sldId id="270" r:id="rId12"/>
+    <p:sldId id="271" r:id="rId13"/>
+    <p:sldId id="272" r:id="rId14"/>
+    <p:sldId id="273" r:id="rId15"/>
+    <p:sldId id="274" r:id="rId16"/>
   </p:sldIdLst>
   <p:sldSz cx="12192000" cy="6858000"/>
   <p:notesSz cx="6858000" cy="9144000"/>
@@ -131,7 +132,7 @@
 <file path=ppt/revisionInfo.xml><?xml version="1.0" encoding="utf-8"?>
 <p1510:revInfo xmlns:a="http://schemas.openxmlformats.org/drawingml/2006/main" xmlns:r="http://schemas.openxmlformats.org/officeDocument/2006/relationships" xmlns:p1510="http://schemas.microsoft.com/office/powerpoint/2015/10/main">
   <p1510:revLst>
-    <p1510:client id="{3349F822-B092-4108-A4EC-15D061206D20}" v="526" dt="2025-10-21T19:29:10.192"/>
+    <p1510:client id="{3349F822-B092-4108-A4EC-15D061206D20}" v="701" dt="2025-10-23T09:51:13.195"/>
   </p1510:revLst>
 </p1510:revInfo>
 </file>
@@ -141,7 +142,7 @@
   <pc:docChgLst>
     <pc:chgData name="Torgrim Odde" userId="263d2d9e-d662-4ecd-84e3-6377197a8522" providerId="ADAL" clId="{F19F3179-E777-480F-BD2C-D9A8F24E3506}"/>
     <pc:docChg chg="undo custSel addSld delSld modSld">
-      <pc:chgData name="Torgrim Odde" userId="263d2d9e-d662-4ecd-84e3-6377197a8522" providerId="ADAL" clId="{F19F3179-E777-480F-BD2C-D9A8F24E3506}" dt="2025-10-21T19:29:24.452" v="13231" actId="27614"/>
+      <pc:chgData name="Torgrim Odde" userId="263d2d9e-d662-4ecd-84e3-6377197a8522" providerId="ADAL" clId="{F19F3179-E777-480F-BD2C-D9A8F24E3506}" dt="2025-10-23T10:10:18.097" v="18062" actId="20577"/>
       <pc:docMkLst>
         <pc:docMk/>
       </pc:docMkLst>
@@ -161,13 +162,13 @@
         </pc:spChg>
       </pc:sldChg>
       <pc:sldChg chg="modSp mod modNotesTx">
-        <pc:chgData name="Torgrim Odde" userId="263d2d9e-d662-4ecd-84e3-6377197a8522" providerId="ADAL" clId="{F19F3179-E777-480F-BD2C-D9A8F24E3506}" dt="2025-10-21T18:03:43.586" v="5533" actId="20577"/>
+        <pc:chgData name="Torgrim Odde" userId="263d2d9e-d662-4ecd-84e3-6377197a8522" providerId="ADAL" clId="{F19F3179-E777-480F-BD2C-D9A8F24E3506}" dt="2025-10-23T10:10:18.097" v="18062" actId="20577"/>
         <pc:sldMkLst>
           <pc:docMk/>
           <pc:sldMk cId="2028096766" sldId="257"/>
         </pc:sldMkLst>
         <pc:spChg chg="mod">
-          <ac:chgData name="Torgrim Odde" userId="263d2d9e-d662-4ecd-84e3-6377197a8522" providerId="ADAL" clId="{F19F3179-E777-480F-BD2C-D9A8F24E3506}" dt="2025-10-21T18:03:43.586" v="5533" actId="20577"/>
+          <ac:chgData name="Torgrim Odde" userId="263d2d9e-d662-4ecd-84e3-6377197a8522" providerId="ADAL" clId="{F19F3179-E777-480F-BD2C-D9A8F24E3506}" dt="2025-10-23T10:10:18.097" v="18062" actId="20577"/>
           <ac:spMkLst>
             <pc:docMk/>
             <pc:sldMk cId="2028096766" sldId="257"/>
@@ -176,7 +177,7 @@
         </pc:spChg>
       </pc:sldChg>
       <pc:sldChg chg="addSp delSp modSp mod modNotesTx">
-        <pc:chgData name="Torgrim Odde" userId="263d2d9e-d662-4ecd-84e3-6377197a8522" providerId="ADAL" clId="{F19F3179-E777-480F-BD2C-D9A8F24E3506}" dt="2025-10-21T19:12:27.572" v="13172" actId="1076"/>
+        <pc:chgData name="Torgrim Odde" userId="263d2d9e-d662-4ecd-84e3-6377197a8522" providerId="ADAL" clId="{F19F3179-E777-480F-BD2C-D9A8F24E3506}" dt="2025-10-23T09:17:15.431" v="13996" actId="15"/>
         <pc:sldMkLst>
           <pc:docMk/>
           <pc:sldMk cId="2772619720" sldId="258"/>
@@ -190,7 +191,7 @@
           </ac:spMkLst>
         </pc:spChg>
         <pc:spChg chg="mod">
-          <ac:chgData name="Torgrim Odde" userId="263d2d9e-d662-4ecd-84e3-6377197a8522" providerId="ADAL" clId="{F19F3179-E777-480F-BD2C-D9A8F24E3506}" dt="2025-10-21T17:33:54.310" v="2472" actId="14100"/>
+          <ac:chgData name="Torgrim Odde" userId="263d2d9e-d662-4ecd-84e3-6377197a8522" providerId="ADAL" clId="{F19F3179-E777-480F-BD2C-D9A8F24E3506}" dt="2025-10-23T09:17:05.300" v="13992" actId="20577"/>
           <ac:spMkLst>
             <pc:docMk/>
             <pc:sldMk cId="2772619720" sldId="258"/>
@@ -213,30 +214,6 @@
             <ac:spMk id="9" creationId="{1E239480-4F14-0718-693C-B87EED430D0D}"/>
           </ac:spMkLst>
         </pc:spChg>
-        <pc:spChg chg="add del">
-          <ac:chgData name="Torgrim Odde" userId="263d2d9e-d662-4ecd-84e3-6377197a8522" providerId="ADAL" clId="{F19F3179-E777-480F-BD2C-D9A8F24E3506}" dt="2025-10-21T19:12:07.413" v="13169" actId="22"/>
-          <ac:spMkLst>
-            <pc:docMk/>
-            <pc:sldMk cId="2772619720" sldId="258"/>
-            <ac:spMk id="11" creationId="{5ACE51F1-409A-DFDE-0F6A-EC82B77397FB}"/>
-          </ac:spMkLst>
-        </pc:spChg>
-        <pc:picChg chg="add del mod">
-          <ac:chgData name="Torgrim Odde" userId="263d2d9e-d662-4ecd-84e3-6377197a8522" providerId="ADAL" clId="{F19F3179-E777-480F-BD2C-D9A8F24E3506}" dt="2025-10-21T19:12:08.719" v="13170" actId="478"/>
-          <ac:picMkLst>
-            <pc:docMk/>
-            <pc:sldMk cId="2772619720" sldId="258"/>
-            <ac:picMk id="6" creationId="{0F5EAFEA-8F4A-7E8E-6FF4-5FBF90D51D97}"/>
-          </ac:picMkLst>
-        </pc:picChg>
-        <pc:picChg chg="add del mod">
-          <ac:chgData name="Torgrim Odde" userId="263d2d9e-d662-4ecd-84e3-6377197a8522" providerId="ADAL" clId="{F19F3179-E777-480F-BD2C-D9A8F24E3506}" dt="2025-10-21T17:33:38.822" v="2469" actId="21"/>
-          <ac:picMkLst>
-            <pc:docMk/>
-            <pc:sldMk cId="2772619720" sldId="258"/>
-            <ac:picMk id="7" creationId="{82BC1DC9-DB75-5382-4E4C-DD97D2D274F8}"/>
-          </ac:picMkLst>
-        </pc:picChg>
         <pc:picChg chg="add mod">
           <ac:chgData name="Torgrim Odde" userId="263d2d9e-d662-4ecd-84e3-6377197a8522" providerId="ADAL" clId="{F19F3179-E777-480F-BD2C-D9A8F24E3506}" dt="2025-10-21T19:12:27.572" v="13172" actId="1076"/>
           <ac:picMkLst>
@@ -252,14 +229,6 @@
           <pc:docMk/>
           <pc:sldMk cId="618507976" sldId="259"/>
         </pc:sldMkLst>
-        <pc:picChg chg="add del mod">
-          <ac:chgData name="Torgrim Odde" userId="263d2d9e-d662-4ecd-84e3-6377197a8522" providerId="ADAL" clId="{F19F3179-E777-480F-BD2C-D9A8F24E3506}" dt="2025-10-21T19:06:31.729" v="13134" actId="21"/>
-          <ac:picMkLst>
-            <pc:docMk/>
-            <pc:sldMk cId="618507976" sldId="259"/>
-            <ac:picMk id="6" creationId="{8D46CF7C-3528-D1AF-18A5-1BE1C76A7723}"/>
-          </ac:picMkLst>
-        </pc:picChg>
       </pc:sldChg>
       <pc:sldChg chg="addSp delSp modSp del mod setBg">
         <pc:chgData name="Torgrim Odde" userId="263d2d9e-d662-4ecd-84e3-6377197a8522" providerId="ADAL" clId="{F19F3179-E777-480F-BD2C-D9A8F24E3506}" dt="2025-10-21T19:08:33.118" v="13149" actId="47"/>
@@ -267,30 +236,6 @@
           <pc:docMk/>
           <pc:sldMk cId="4132360222" sldId="260"/>
         </pc:sldMkLst>
-        <pc:picChg chg="add del mod">
-          <ac:chgData name="Torgrim Odde" userId="263d2d9e-d662-4ecd-84e3-6377197a8522" providerId="ADAL" clId="{F19F3179-E777-480F-BD2C-D9A8F24E3506}" dt="2025-10-21T19:07:26.201" v="13137" actId="21"/>
-          <ac:picMkLst>
-            <pc:docMk/>
-            <pc:sldMk cId="4132360222" sldId="260"/>
-            <ac:picMk id="6" creationId="{8C7964E6-E3FB-B9FD-1535-335AD857254E}"/>
-          </ac:picMkLst>
-        </pc:picChg>
-        <pc:picChg chg="add del mod">
-          <ac:chgData name="Torgrim Odde" userId="263d2d9e-d662-4ecd-84e3-6377197a8522" providerId="ADAL" clId="{F19F3179-E777-480F-BD2C-D9A8F24E3506}" dt="2025-10-21T19:07:26.201" v="13137" actId="21"/>
-          <ac:picMkLst>
-            <pc:docMk/>
-            <pc:sldMk cId="4132360222" sldId="260"/>
-            <ac:picMk id="8" creationId="{754D77C1-A40E-5216-89F5-6AB4ED99235E}"/>
-          </ac:picMkLst>
-        </pc:picChg>
-        <pc:picChg chg="add del mod ord">
-          <ac:chgData name="Torgrim Odde" userId="263d2d9e-d662-4ecd-84e3-6377197a8522" providerId="ADAL" clId="{F19F3179-E777-480F-BD2C-D9A8F24E3506}" dt="2025-10-21T19:07:26.201" v="13137" actId="21"/>
-          <ac:picMkLst>
-            <pc:docMk/>
-            <pc:sldMk cId="4132360222" sldId="260"/>
-            <ac:picMk id="10" creationId="{A5F0DAE6-E7D1-4278-E567-5967206ECD61}"/>
-          </ac:picMkLst>
-        </pc:picChg>
       </pc:sldChg>
       <pc:sldChg chg="addSp delSp modSp del mod setBg">
         <pc:chgData name="Torgrim Odde" userId="263d2d9e-d662-4ecd-84e3-6377197a8522" providerId="ADAL" clId="{F19F3179-E777-480F-BD2C-D9A8F24E3506}" dt="2025-10-21T19:08:31.751" v="13148" actId="47"/>
@@ -298,14 +243,6 @@
           <pc:docMk/>
           <pc:sldMk cId="3521641769" sldId="261"/>
         </pc:sldMkLst>
-        <pc:picChg chg="add del mod">
-          <ac:chgData name="Torgrim Odde" userId="263d2d9e-d662-4ecd-84e3-6377197a8522" providerId="ADAL" clId="{F19F3179-E777-480F-BD2C-D9A8F24E3506}" dt="2025-10-21T19:07:42.137" v="13140" actId="21"/>
-          <ac:picMkLst>
-            <pc:docMk/>
-            <pc:sldMk cId="3521641769" sldId="261"/>
-            <ac:picMk id="6" creationId="{AFCAA087-FEED-785C-4707-7E324CFC6396}"/>
-          </ac:picMkLst>
-        </pc:picChg>
       </pc:sldChg>
       <pc:sldChg chg="addSp delSp modSp del mod setBg">
         <pc:chgData name="Torgrim Odde" userId="263d2d9e-d662-4ecd-84e3-6377197a8522" providerId="ADAL" clId="{F19F3179-E777-480F-BD2C-D9A8F24E3506}" dt="2025-10-21T19:08:30.252" v="13147" actId="47"/>
@@ -313,22 +250,6 @@
           <pc:docMk/>
           <pc:sldMk cId="1819605714" sldId="262"/>
         </pc:sldMkLst>
-        <pc:picChg chg="add del mod">
-          <ac:chgData name="Torgrim Odde" userId="263d2d9e-d662-4ecd-84e3-6377197a8522" providerId="ADAL" clId="{F19F3179-E777-480F-BD2C-D9A8F24E3506}" dt="2025-10-21T19:07:58.982" v="13143" actId="21"/>
-          <ac:picMkLst>
-            <pc:docMk/>
-            <pc:sldMk cId="1819605714" sldId="262"/>
-            <ac:picMk id="6" creationId="{3A6E0F8B-DCF1-29DE-0E67-E035781885EE}"/>
-          </ac:picMkLst>
-        </pc:picChg>
-        <pc:picChg chg="add del mod">
-          <ac:chgData name="Torgrim Odde" userId="263d2d9e-d662-4ecd-84e3-6377197a8522" providerId="ADAL" clId="{F19F3179-E777-480F-BD2C-D9A8F24E3506}" dt="2025-10-21T19:07:58.982" v="13143" actId="21"/>
-          <ac:picMkLst>
-            <pc:docMk/>
-            <pc:sldMk cId="1819605714" sldId="262"/>
-            <ac:picMk id="8" creationId="{29A5AF6C-A065-4E82-07B9-D70384603142}"/>
-          </ac:picMkLst>
-        </pc:picChg>
       </pc:sldChg>
       <pc:sldChg chg="modSp del mod">
         <pc:chgData name="Torgrim Odde" userId="263d2d9e-d662-4ecd-84e3-6377197a8522" providerId="ADAL" clId="{F19F3179-E777-480F-BD2C-D9A8F24E3506}" dt="2025-10-21T19:08:27.965" v="13146" actId="47"/>
@@ -338,13 +259,13 @@
         </pc:sldMkLst>
       </pc:sldChg>
       <pc:sldChg chg="addSp modSp new mod modNotesTx">
-        <pc:chgData name="Torgrim Odde" userId="263d2d9e-d662-4ecd-84e3-6377197a8522" providerId="ADAL" clId="{F19F3179-E777-480F-BD2C-D9A8F24E3506}" dt="2025-10-21T18:24:51.342" v="6364" actId="113"/>
+        <pc:chgData name="Torgrim Odde" userId="263d2d9e-d662-4ecd-84e3-6377197a8522" providerId="ADAL" clId="{F19F3179-E777-480F-BD2C-D9A8F24E3506}" dt="2025-10-23T09:16:48.537" v="13980" actId="20577"/>
         <pc:sldMkLst>
           <pc:docMk/>
           <pc:sldMk cId="973795824" sldId="264"/>
         </pc:sldMkLst>
         <pc:spChg chg="mod">
-          <ac:chgData name="Torgrim Odde" userId="263d2d9e-d662-4ecd-84e3-6377197a8522" providerId="ADAL" clId="{F19F3179-E777-480F-BD2C-D9A8F24E3506}" dt="2025-10-21T17:55:15.786" v="4915" actId="20577"/>
+          <ac:chgData name="Torgrim Odde" userId="263d2d9e-d662-4ecd-84e3-6377197a8522" providerId="ADAL" clId="{F19F3179-E777-480F-BD2C-D9A8F24E3506}" dt="2025-10-23T09:10:36.662" v="13431" actId="20577"/>
           <ac:spMkLst>
             <pc:docMk/>
             <pc:sldMk cId="973795824" sldId="264"/>
@@ -352,7 +273,7 @@
           </ac:spMkLst>
         </pc:spChg>
         <pc:spChg chg="mod">
-          <ac:chgData name="Torgrim Odde" userId="263d2d9e-d662-4ecd-84e3-6377197a8522" providerId="ADAL" clId="{F19F3179-E777-480F-BD2C-D9A8F24E3506}" dt="2025-10-21T17:56:03.852" v="5021" actId="20577"/>
+          <ac:chgData name="Torgrim Odde" userId="263d2d9e-d662-4ecd-84e3-6377197a8522" providerId="ADAL" clId="{F19F3179-E777-480F-BD2C-D9A8F24E3506}" dt="2025-10-23T09:12:05.506" v="13591" actId="20577"/>
           <ac:spMkLst>
             <pc:docMk/>
             <pc:sldMk cId="973795824" sldId="264"/>
@@ -367,15 +288,23 @@
             <ac:picMk id="7" creationId="{82BC1DC9-DB75-5382-4E4C-DD97D2D274F8}"/>
           </ac:picMkLst>
         </pc:picChg>
+        <pc:picChg chg="add">
+          <ac:chgData name="Torgrim Odde" userId="263d2d9e-d662-4ecd-84e3-6377197a8522" providerId="ADAL" clId="{F19F3179-E777-480F-BD2C-D9A8F24E3506}" dt="2025-10-23T09:11:52.816" v="13561"/>
+          <ac:picMkLst>
+            <pc:docMk/>
+            <pc:sldMk cId="973795824" sldId="264"/>
+            <ac:picMk id="5122" creationId="{86C7EE0C-0B72-7F3B-7A56-614392F46CDA}"/>
+          </ac:picMkLst>
+        </pc:picChg>
       </pc:sldChg>
       <pc:sldChg chg="addSp delSp modSp new mod setBg modNotesTx">
-        <pc:chgData name="Torgrim Odde" userId="263d2d9e-d662-4ecd-84e3-6377197a8522" providerId="ADAL" clId="{F19F3179-E777-480F-BD2C-D9A8F24E3506}" dt="2025-10-21T19:19:47.865" v="13179" actId="26606"/>
+        <pc:chgData name="Torgrim Odde" userId="263d2d9e-d662-4ecd-84e3-6377197a8522" providerId="ADAL" clId="{F19F3179-E777-480F-BD2C-D9A8F24E3506}" dt="2025-10-23T09:42:05.744" v="16532" actId="1076"/>
         <pc:sldMkLst>
           <pc:docMk/>
           <pc:sldMk cId="2212067273" sldId="265"/>
         </pc:sldMkLst>
         <pc:spChg chg="mod">
-          <ac:chgData name="Torgrim Odde" userId="263d2d9e-d662-4ecd-84e3-6377197a8522" providerId="ADAL" clId="{F19F3179-E777-480F-BD2C-D9A8F24E3506}" dt="2025-10-21T19:19:13.124" v="13176" actId="26606"/>
+          <ac:chgData name="Torgrim Odde" userId="263d2d9e-d662-4ecd-84e3-6377197a8522" providerId="ADAL" clId="{F19F3179-E777-480F-BD2C-D9A8F24E3506}" dt="2025-10-23T09:06:43.074" v="13342" actId="26606"/>
           <ac:spMkLst>
             <pc:docMk/>
             <pc:sldMk cId="2212067273" sldId="265"/>
@@ -383,7 +312,7 @@
           </ac:spMkLst>
         </pc:spChg>
         <pc:spChg chg="mod">
-          <ac:chgData name="Torgrim Odde" userId="263d2d9e-d662-4ecd-84e3-6377197a8522" providerId="ADAL" clId="{F19F3179-E777-480F-BD2C-D9A8F24E3506}" dt="2025-10-21T19:19:13.124" v="13176" actId="26606"/>
+          <ac:chgData name="Torgrim Odde" userId="263d2d9e-d662-4ecd-84e3-6377197a8522" providerId="ADAL" clId="{F19F3179-E777-480F-BD2C-D9A8F24E3506}" dt="2025-10-23T09:42:05.744" v="16532" actId="1076"/>
           <ac:spMkLst>
             <pc:docMk/>
             <pc:sldMk cId="2212067273" sldId="265"/>
@@ -391,7 +320,7 @@
           </ac:spMkLst>
         </pc:spChg>
         <pc:spChg chg="mod ord">
-          <ac:chgData name="Torgrim Odde" userId="263d2d9e-d662-4ecd-84e3-6377197a8522" providerId="ADAL" clId="{F19F3179-E777-480F-BD2C-D9A8F24E3506}" dt="2025-10-21T19:19:47.865" v="13179" actId="26606"/>
+          <ac:chgData name="Torgrim Odde" userId="263d2d9e-d662-4ecd-84e3-6377197a8522" providerId="ADAL" clId="{F19F3179-E777-480F-BD2C-D9A8F24E3506}" dt="2025-10-23T09:06:46.350" v="13343" actId="26606"/>
           <ac:spMkLst>
             <pc:docMk/>
             <pc:sldMk cId="2212067273" sldId="265"/>
@@ -399,64 +328,72 @@
           </ac:spMkLst>
         </pc:spChg>
         <pc:spChg chg="add del">
-          <ac:chgData name="Torgrim Odde" userId="263d2d9e-d662-4ecd-84e3-6377197a8522" providerId="ADAL" clId="{F19F3179-E777-480F-BD2C-D9A8F24E3506}" dt="2025-10-21T19:19:47.865" v="13179" actId="26606"/>
-          <ac:spMkLst>
-            <pc:docMk/>
-            <pc:sldMk cId="2212067273" sldId="265"/>
-            <ac:spMk id="1031" creationId="{A3B168A7-66FE-4359-9866-CBB841A729E6}"/>
-          </ac:spMkLst>
-        </pc:spChg>
-        <pc:spChg chg="add">
-          <ac:chgData name="Torgrim Odde" userId="263d2d9e-d662-4ecd-84e3-6377197a8522" providerId="ADAL" clId="{F19F3179-E777-480F-BD2C-D9A8F24E3506}" dt="2025-10-21T19:19:47.865" v="13179" actId="26606"/>
+          <ac:chgData name="Torgrim Odde" userId="263d2d9e-d662-4ecd-84e3-6377197a8522" providerId="ADAL" clId="{F19F3179-E777-480F-BD2C-D9A8F24E3506}" dt="2025-10-23T09:06:46.350" v="13343" actId="26606"/>
           <ac:spMkLst>
             <pc:docMk/>
             <pc:sldMk cId="2212067273" sldId="265"/>
             <ac:spMk id="1038" creationId="{A3B168A7-66FE-4359-9866-CBB841A729E6}"/>
           </ac:spMkLst>
         </pc:spChg>
-        <pc:picChg chg="add del">
-          <ac:chgData name="Torgrim Odde" userId="263d2d9e-d662-4ecd-84e3-6377197a8522" providerId="ADAL" clId="{F19F3179-E777-480F-BD2C-D9A8F24E3506}" dt="2025-10-21T19:17:26.981" v="13174" actId="22"/>
-          <ac:picMkLst>
+        <pc:spChg chg="add">
+          <ac:chgData name="Torgrim Odde" userId="263d2d9e-d662-4ecd-84e3-6377197a8522" providerId="ADAL" clId="{F19F3179-E777-480F-BD2C-D9A8F24E3506}" dt="2025-10-23T09:06:46.350" v="13343" actId="26606"/>
+          <ac:spMkLst>
             <pc:docMk/>
             <pc:sldMk cId="2212067273" sldId="265"/>
-            <ac:picMk id="6" creationId="{055D53A8-54C6-24CC-30D1-49DC076053FA}"/>
-          </ac:picMkLst>
-        </pc:picChg>
-        <pc:picChg chg="add mod">
-          <ac:chgData name="Torgrim Odde" userId="263d2d9e-d662-4ecd-84e3-6377197a8522" providerId="ADAL" clId="{F19F3179-E777-480F-BD2C-D9A8F24E3506}" dt="2025-10-21T19:19:44.072" v="13178"/>
+            <ac:spMk id="2052" creationId="{A3B168A7-66FE-4359-9866-CBB841A729E6}"/>
+          </ac:spMkLst>
+        </pc:spChg>
+        <pc:spChg chg="add del">
+          <ac:chgData name="Torgrim Odde" userId="263d2d9e-d662-4ecd-84e3-6377197a8522" providerId="ADAL" clId="{F19F3179-E777-480F-BD2C-D9A8F24E3506}" dt="2025-10-23T09:06:43.074" v="13342" actId="26606"/>
+          <ac:spMkLst>
+            <pc:docMk/>
+            <pc:sldMk cId="2212067273" sldId="265"/>
+            <ac:spMk id="2055" creationId="{40DC026F-444B-46C9-BCBE-329183BF5FE0}"/>
+          </ac:spMkLst>
+        </pc:spChg>
+        <pc:picChg chg="add del mod">
+          <ac:chgData name="Torgrim Odde" userId="263d2d9e-d662-4ecd-84e3-6377197a8522" providerId="ADAL" clId="{F19F3179-E777-480F-BD2C-D9A8F24E3506}" dt="2025-10-23T09:06:32.017" v="13337" actId="478"/>
           <ac:picMkLst>
             <pc:docMk/>
             <pc:sldMk cId="2212067273" sldId="265"/>
             <ac:picMk id="7" creationId="{31D1BAA5-E4F1-9A2E-E9DF-0918E4C5D621}"/>
           </ac:picMkLst>
         </pc:picChg>
-        <pc:picChg chg="add del mod">
-          <ac:chgData name="Torgrim Odde" userId="263d2d9e-d662-4ecd-84e3-6377197a8522" providerId="ADAL" clId="{F19F3179-E777-480F-BD2C-D9A8F24E3506}" dt="2025-10-21T19:19:43.731" v="13177" actId="478"/>
+        <pc:picChg chg="add mod">
+          <ac:chgData name="Torgrim Odde" userId="263d2d9e-d662-4ecd-84e3-6377197a8522" providerId="ADAL" clId="{F19F3179-E777-480F-BD2C-D9A8F24E3506}" dt="2025-10-23T09:06:51.240" v="13344" actId="14100"/>
           <ac:picMkLst>
             <pc:docMk/>
             <pc:sldMk cId="2212067273" sldId="265"/>
-            <ac:picMk id="1026" creationId="{572BCF5B-2021-BA4F-9B57-BD6111EFB825}"/>
+            <ac:picMk id="2050" creationId="{50475574-C39F-3655-1F7C-5C1C1551946E}"/>
           </ac:picMkLst>
         </pc:picChg>
         <pc:cxnChg chg="add del">
-          <ac:chgData name="Torgrim Odde" userId="263d2d9e-d662-4ecd-84e3-6377197a8522" providerId="ADAL" clId="{F19F3179-E777-480F-BD2C-D9A8F24E3506}" dt="2025-10-21T19:19:47.865" v="13179" actId="26606"/>
-          <ac:cxnSpMkLst>
-            <pc:docMk/>
-            <pc:sldMk cId="2212067273" sldId="265"/>
-            <ac:cxnSpMk id="1033" creationId="{F0748755-DDBC-46D0-91EC-1212A8EE2B40}"/>
-          </ac:cxnSpMkLst>
-        </pc:cxnChg>
-        <pc:cxnChg chg="add">
-          <ac:chgData name="Torgrim Odde" userId="263d2d9e-d662-4ecd-84e3-6377197a8522" providerId="ADAL" clId="{F19F3179-E777-480F-BD2C-D9A8F24E3506}" dt="2025-10-21T19:19:47.865" v="13179" actId="26606"/>
+          <ac:chgData name="Torgrim Odde" userId="263d2d9e-d662-4ecd-84e3-6377197a8522" providerId="ADAL" clId="{F19F3179-E777-480F-BD2C-D9A8F24E3506}" dt="2025-10-23T09:06:46.350" v="13343" actId="26606"/>
           <ac:cxnSpMkLst>
             <pc:docMk/>
             <pc:sldMk cId="2212067273" sldId="265"/>
             <ac:cxnSpMk id="1040" creationId="{F0748755-DDBC-46D0-91EC-1212A8EE2B40}"/>
           </ac:cxnSpMkLst>
         </pc:cxnChg>
+        <pc:cxnChg chg="add">
+          <ac:chgData name="Torgrim Odde" userId="263d2d9e-d662-4ecd-84e3-6377197a8522" providerId="ADAL" clId="{F19F3179-E777-480F-BD2C-D9A8F24E3506}" dt="2025-10-23T09:06:46.350" v="13343" actId="26606"/>
+          <ac:cxnSpMkLst>
+            <pc:docMk/>
+            <pc:sldMk cId="2212067273" sldId="265"/>
+            <ac:cxnSpMk id="2053" creationId="{F0748755-DDBC-46D0-91EC-1212A8EE2B40}"/>
+          </ac:cxnSpMkLst>
+        </pc:cxnChg>
+        <pc:cxnChg chg="add del">
+          <ac:chgData name="Torgrim Odde" userId="263d2d9e-d662-4ecd-84e3-6377197a8522" providerId="ADAL" clId="{F19F3179-E777-480F-BD2C-D9A8F24E3506}" dt="2025-10-23T09:06:43.074" v="13342" actId="26606"/>
+          <ac:cxnSpMkLst>
+            <pc:docMk/>
+            <pc:sldMk cId="2212067273" sldId="265"/>
+            <ac:cxnSpMk id="2057" creationId="{F0748755-DDBC-46D0-91EC-1212A8EE2B40}"/>
+          </ac:cxnSpMkLst>
+        </pc:cxnChg>
       </pc:sldChg>
       <pc:sldChg chg="addSp modSp new mod setBg modNotesTx">
-        <pc:chgData name="Torgrim Odde" userId="263d2d9e-d662-4ecd-84e3-6377197a8522" providerId="ADAL" clId="{F19F3179-E777-480F-BD2C-D9A8F24E3506}" dt="2025-10-21T19:10:29.206" v="13156" actId="20577"/>
+        <pc:chgData name="Torgrim Odde" userId="263d2d9e-d662-4ecd-84e3-6377197a8522" providerId="ADAL" clId="{F19F3179-E777-480F-BD2C-D9A8F24E3506}" dt="2025-10-23T09:22:18.881" v="14230" actId="20577"/>
         <pc:sldMkLst>
           <pc:docMk/>
           <pc:sldMk cId="1311685998" sldId="266"/>
@@ -470,7 +407,7 @@
           </ac:spMkLst>
         </pc:spChg>
         <pc:spChg chg="mod">
-          <ac:chgData name="Torgrim Odde" userId="263d2d9e-d662-4ecd-84e3-6377197a8522" providerId="ADAL" clId="{F19F3179-E777-480F-BD2C-D9A8F24E3506}" dt="2025-10-21T19:07:11.845" v="13136" actId="26606"/>
+          <ac:chgData name="Torgrim Odde" userId="263d2d9e-d662-4ecd-84e3-6377197a8522" providerId="ADAL" clId="{F19F3179-E777-480F-BD2C-D9A8F24E3506}" dt="2025-10-23T09:22:18.881" v="14230" actId="20577"/>
           <ac:spMkLst>
             <pc:docMk/>
             <pc:sldMk cId="1311685998" sldId="266"/>
@@ -511,13 +448,13 @@
         </pc:cxnChg>
       </pc:sldChg>
       <pc:sldChg chg="addSp delSp modSp new mod setBg modNotesTx">
-        <pc:chgData name="Torgrim Odde" userId="263d2d9e-d662-4ecd-84e3-6377197a8522" providerId="ADAL" clId="{F19F3179-E777-480F-BD2C-D9A8F24E3506}" dt="2025-10-21T19:20:06.715" v="13181" actId="26606"/>
+        <pc:chgData name="Torgrim Odde" userId="263d2d9e-d662-4ecd-84e3-6377197a8522" providerId="ADAL" clId="{F19F3179-E777-480F-BD2C-D9A8F24E3506}" dt="2025-10-23T09:42:15.306" v="16533" actId="12"/>
         <pc:sldMkLst>
           <pc:docMk/>
           <pc:sldMk cId="3600804934" sldId="267"/>
         </pc:sldMkLst>
         <pc:spChg chg="mod">
-          <ac:chgData name="Torgrim Odde" userId="263d2d9e-d662-4ecd-84e3-6377197a8522" providerId="ADAL" clId="{F19F3179-E777-480F-BD2C-D9A8F24E3506}" dt="2025-10-21T19:20:06.715" v="13181" actId="26606"/>
+          <ac:chgData name="Torgrim Odde" userId="263d2d9e-d662-4ecd-84e3-6377197a8522" providerId="ADAL" clId="{F19F3179-E777-480F-BD2C-D9A8F24E3506}" dt="2025-10-23T09:08:35.219" v="13393" actId="26606"/>
           <ac:spMkLst>
             <pc:docMk/>
             <pc:sldMk cId="3600804934" sldId="267"/>
@@ -525,7 +462,7 @@
           </ac:spMkLst>
         </pc:spChg>
         <pc:spChg chg="mod">
-          <ac:chgData name="Torgrim Odde" userId="263d2d9e-d662-4ecd-84e3-6377197a8522" providerId="ADAL" clId="{F19F3179-E777-480F-BD2C-D9A8F24E3506}" dt="2025-10-21T19:20:06.715" v="13181" actId="26606"/>
+          <ac:chgData name="Torgrim Odde" userId="263d2d9e-d662-4ecd-84e3-6377197a8522" providerId="ADAL" clId="{F19F3179-E777-480F-BD2C-D9A8F24E3506}" dt="2025-10-23T09:42:15.306" v="16533" actId="12"/>
           <ac:spMkLst>
             <pc:docMk/>
             <pc:sldMk cId="3600804934" sldId="267"/>
@@ -533,7 +470,7 @@
           </ac:spMkLst>
         </pc:spChg>
         <pc:spChg chg="mod ord">
-          <ac:chgData name="Torgrim Odde" userId="263d2d9e-d662-4ecd-84e3-6377197a8522" providerId="ADAL" clId="{F19F3179-E777-480F-BD2C-D9A8F24E3506}" dt="2025-10-21T19:20:06.715" v="13181" actId="26606"/>
+          <ac:chgData name="Torgrim Odde" userId="263d2d9e-d662-4ecd-84e3-6377197a8522" providerId="ADAL" clId="{F19F3179-E777-480F-BD2C-D9A8F24E3506}" dt="2025-10-23T09:08:35.219" v="13393" actId="26606"/>
           <ac:spMkLst>
             <pc:docMk/>
             <pc:sldMk cId="3600804934" sldId="267"/>
@@ -541,32 +478,112 @@
           </ac:spMkLst>
         </pc:spChg>
         <pc:spChg chg="add del">
-          <ac:chgData name="Torgrim Odde" userId="263d2d9e-d662-4ecd-84e3-6377197a8522" providerId="ADAL" clId="{F19F3179-E777-480F-BD2C-D9A8F24E3506}" dt="2025-10-21T19:20:06.715" v="13181" actId="26606"/>
+          <ac:chgData name="Torgrim Odde" userId="263d2d9e-d662-4ecd-84e3-6377197a8522" providerId="ADAL" clId="{F19F3179-E777-480F-BD2C-D9A8F24E3506}" dt="2025-10-23T09:07:41.963" v="13384" actId="26606"/>
           <ac:spMkLst>
             <pc:docMk/>
             <pc:sldMk cId="3600804934" sldId="267"/>
-            <ac:spMk id="10" creationId="{030AC80F-8E82-48C9-A5FA-56D476389C2E}"/>
+            <ac:spMk id="1031" creationId="{A3B168A7-66FE-4359-9866-CBB841A729E6}"/>
           </ac:spMkLst>
         </pc:spChg>
-        <pc:picChg chg="add mod">
-          <ac:chgData name="Torgrim Odde" userId="263d2d9e-d662-4ecd-84e3-6377197a8522" providerId="ADAL" clId="{F19F3179-E777-480F-BD2C-D9A8F24E3506}" dt="2025-10-21T19:20:06.715" v="13181" actId="26606"/>
+        <pc:spChg chg="add del">
+          <ac:chgData name="Torgrim Odde" userId="263d2d9e-d662-4ecd-84e3-6377197a8522" providerId="ADAL" clId="{F19F3179-E777-480F-BD2C-D9A8F24E3506}" dt="2025-10-23T09:08:14.455" v="13387" actId="26606"/>
+          <ac:spMkLst>
+            <pc:docMk/>
+            <pc:sldMk cId="3600804934" sldId="267"/>
+            <ac:spMk id="3079" creationId="{A3B168A7-66FE-4359-9866-CBB841A729E6}"/>
+          </ac:spMkLst>
+        </pc:spChg>
+        <pc:spChg chg="add del">
+          <ac:chgData name="Torgrim Odde" userId="263d2d9e-d662-4ecd-84e3-6377197a8522" providerId="ADAL" clId="{F19F3179-E777-480F-BD2C-D9A8F24E3506}" dt="2025-10-23T09:08:35.219" v="13393" actId="26606"/>
+          <ac:spMkLst>
+            <pc:docMk/>
+            <pc:sldMk cId="3600804934" sldId="267"/>
+            <ac:spMk id="3086" creationId="{A3B168A7-66FE-4359-9866-CBB841A729E6}"/>
+          </ac:spMkLst>
+        </pc:spChg>
+        <pc:spChg chg="add del">
+          <ac:chgData name="Torgrim Odde" userId="263d2d9e-d662-4ecd-84e3-6377197a8522" providerId="ADAL" clId="{F19F3179-E777-480F-BD2C-D9A8F24E3506}" dt="2025-10-23T09:08:35.219" v="13393" actId="26606"/>
+          <ac:spMkLst>
+            <pc:docMk/>
+            <pc:sldMk cId="3600804934" sldId="267"/>
+            <ac:spMk id="3093" creationId="{A3B168A7-66FE-4359-9866-CBB841A729E6}"/>
+          </ac:spMkLst>
+        </pc:spChg>
+        <pc:picChg chg="add del mod">
+          <ac:chgData name="Torgrim Odde" userId="263d2d9e-d662-4ecd-84e3-6377197a8522" providerId="ADAL" clId="{F19F3179-E777-480F-BD2C-D9A8F24E3506}" dt="2025-10-23T09:05:47.370" v="13332" actId="478"/>
           <ac:picMkLst>
             <pc:docMk/>
             <pc:sldMk cId="3600804934" sldId="267"/>
             <ac:picMk id="5" creationId="{C6CDF30B-F562-E802-A174-FFE16772CA26}"/>
           </ac:picMkLst>
         </pc:picChg>
+        <pc:picChg chg="add del mod">
+          <ac:chgData name="Torgrim Odde" userId="263d2d9e-d662-4ecd-84e3-6377197a8522" providerId="ADAL" clId="{F19F3179-E777-480F-BD2C-D9A8F24E3506}" dt="2025-10-23T09:07:10.731" v="13345" actId="21"/>
+          <ac:picMkLst>
+            <pc:docMk/>
+            <pc:sldMk cId="3600804934" sldId="267"/>
+            <ac:picMk id="1026" creationId="{5389500D-9BCF-6277-DC8D-C3FEC64BCB13}"/>
+          </ac:picMkLst>
+        </pc:picChg>
+        <pc:picChg chg="add del mod">
+          <ac:chgData name="Torgrim Odde" userId="263d2d9e-d662-4ecd-84e3-6377197a8522" providerId="ADAL" clId="{F19F3179-E777-480F-BD2C-D9A8F24E3506}" dt="2025-10-23T09:07:59.903" v="13385" actId="478"/>
+          <ac:picMkLst>
+            <pc:docMk/>
+            <pc:sldMk cId="3600804934" sldId="267"/>
+            <ac:picMk id="3074" creationId="{0FAD1F1F-0D11-EF04-E7F2-689CB577B71A}"/>
+          </ac:picMkLst>
+        </pc:picChg>
+        <pc:picChg chg="add mod">
+          <ac:chgData name="Torgrim Odde" userId="263d2d9e-d662-4ecd-84e3-6377197a8522" providerId="ADAL" clId="{F19F3179-E777-480F-BD2C-D9A8F24E3506}" dt="2025-10-23T09:08:40.161" v="13394" actId="14100"/>
+          <ac:picMkLst>
+            <pc:docMk/>
+            <pc:sldMk cId="3600804934" sldId="267"/>
+            <ac:picMk id="3076" creationId="{93EE8E10-0C51-5ADF-CC90-1B973B0D5379}"/>
+          </ac:picMkLst>
+        </pc:picChg>
+        <pc:picChg chg="add mod">
+          <ac:chgData name="Torgrim Odde" userId="263d2d9e-d662-4ecd-84e3-6377197a8522" providerId="ADAL" clId="{F19F3179-E777-480F-BD2C-D9A8F24E3506}" dt="2025-10-23T09:08:43.876" v="13395" actId="1076"/>
+          <ac:picMkLst>
+            <pc:docMk/>
+            <pc:sldMk cId="3600804934" sldId="267"/>
+            <ac:picMk id="3078" creationId="{11BB4904-D049-B246-60AE-033BB6DEB6CF}"/>
+          </ac:picMkLst>
+        </pc:picChg>
         <pc:cxnChg chg="add del">
-          <ac:chgData name="Torgrim Odde" userId="263d2d9e-d662-4ecd-84e3-6377197a8522" providerId="ADAL" clId="{F19F3179-E777-480F-BD2C-D9A8F24E3506}" dt="2025-10-21T19:20:06.715" v="13181" actId="26606"/>
+          <ac:chgData name="Torgrim Odde" userId="263d2d9e-d662-4ecd-84e3-6377197a8522" providerId="ADAL" clId="{F19F3179-E777-480F-BD2C-D9A8F24E3506}" dt="2025-10-23T09:07:41.963" v="13384" actId="26606"/>
           <ac:cxnSpMkLst>
             <pc:docMk/>
             <pc:sldMk cId="3600804934" sldId="267"/>
-            <ac:cxnSpMk id="12" creationId="{F0748755-DDBC-46D0-91EC-1212A8EE2B40}"/>
+            <ac:cxnSpMk id="1033" creationId="{F0748755-DDBC-46D0-91EC-1212A8EE2B40}"/>
+          </ac:cxnSpMkLst>
+        </pc:cxnChg>
+        <pc:cxnChg chg="add del">
+          <ac:chgData name="Torgrim Odde" userId="263d2d9e-d662-4ecd-84e3-6377197a8522" providerId="ADAL" clId="{F19F3179-E777-480F-BD2C-D9A8F24E3506}" dt="2025-10-23T09:08:14.455" v="13387" actId="26606"/>
+          <ac:cxnSpMkLst>
+            <pc:docMk/>
+            <pc:sldMk cId="3600804934" sldId="267"/>
+            <ac:cxnSpMk id="3081" creationId="{F0748755-DDBC-46D0-91EC-1212A8EE2B40}"/>
+          </ac:cxnSpMkLst>
+        </pc:cxnChg>
+        <pc:cxnChg chg="add del">
+          <ac:chgData name="Torgrim Odde" userId="263d2d9e-d662-4ecd-84e3-6377197a8522" providerId="ADAL" clId="{F19F3179-E777-480F-BD2C-D9A8F24E3506}" dt="2025-10-23T09:08:35.219" v="13393" actId="26606"/>
+          <ac:cxnSpMkLst>
+            <pc:docMk/>
+            <pc:sldMk cId="3600804934" sldId="267"/>
+            <ac:cxnSpMk id="3088" creationId="{F0748755-DDBC-46D0-91EC-1212A8EE2B40}"/>
+          </ac:cxnSpMkLst>
+        </pc:cxnChg>
+        <pc:cxnChg chg="add del">
+          <ac:chgData name="Torgrim Odde" userId="263d2d9e-d662-4ecd-84e3-6377197a8522" providerId="ADAL" clId="{F19F3179-E777-480F-BD2C-D9A8F24E3506}" dt="2025-10-23T09:08:35.219" v="13393" actId="26606"/>
+          <ac:cxnSpMkLst>
+            <pc:docMk/>
+            <pc:sldMk cId="3600804934" sldId="267"/>
+            <ac:cxnSpMk id="3095" creationId="{E55FB8EA-5471-4074-88CA-98AA3AD98101}"/>
           </ac:cxnSpMkLst>
         </pc:cxnChg>
       </pc:sldChg>
       <pc:sldChg chg="addSp modSp new mod setBg modNotesTx">
-        <pc:chgData name="Torgrim Odde" userId="263d2d9e-d662-4ecd-84e3-6377197a8522" providerId="ADAL" clId="{F19F3179-E777-480F-BD2C-D9A8F24E3506}" dt="2025-10-21T19:10:37.688" v="13160" actId="20577"/>
+        <pc:chgData name="Torgrim Odde" userId="263d2d9e-d662-4ecd-84e3-6377197a8522" providerId="ADAL" clId="{F19F3179-E777-480F-BD2C-D9A8F24E3506}" dt="2025-10-23T10:03:50.664" v="18018" actId="20577"/>
         <pc:sldMkLst>
           <pc:docMk/>
           <pc:sldMk cId="1558475132" sldId="268"/>
@@ -580,7 +597,7 @@
           </ac:spMkLst>
         </pc:spChg>
         <pc:spChg chg="mod">
-          <ac:chgData name="Torgrim Odde" userId="263d2d9e-d662-4ecd-84e3-6377197a8522" providerId="ADAL" clId="{F19F3179-E777-480F-BD2C-D9A8F24E3506}" dt="2025-10-21T19:07:53.098" v="13142" actId="26606"/>
+          <ac:chgData name="Torgrim Odde" userId="263d2d9e-d662-4ecd-84e3-6377197a8522" providerId="ADAL" clId="{F19F3179-E777-480F-BD2C-D9A8F24E3506}" dt="2025-10-23T09:24:30.435" v="14306" actId="20577"/>
           <ac:spMkLst>
             <pc:docMk/>
             <pc:sldMk cId="1558475132" sldId="268"/>
@@ -621,7 +638,7 @@
         </pc:cxnChg>
       </pc:sldChg>
       <pc:sldChg chg="addSp delSp modSp new mod setBg modNotesTx">
-        <pc:chgData name="Torgrim Odde" userId="263d2d9e-d662-4ecd-84e3-6377197a8522" providerId="ADAL" clId="{F19F3179-E777-480F-BD2C-D9A8F24E3506}" dt="2025-10-21T19:29:24.452" v="13231" actId="27614"/>
+        <pc:chgData name="Torgrim Odde" userId="263d2d9e-d662-4ecd-84e3-6377197a8522" providerId="ADAL" clId="{F19F3179-E777-480F-BD2C-D9A8F24E3506}" dt="2025-10-23T10:04:56.209" v="18028" actId="20577"/>
         <pc:sldMkLst>
           <pc:docMk/>
           <pc:sldMk cId="3022873501" sldId="269"/>
@@ -635,7 +652,7 @@
           </ac:spMkLst>
         </pc:spChg>
         <pc:spChg chg="mod ord">
-          <ac:chgData name="Torgrim Odde" userId="263d2d9e-d662-4ecd-84e3-6377197a8522" providerId="ADAL" clId="{F19F3179-E777-480F-BD2C-D9A8F24E3506}" dt="2025-10-21T19:29:15.962" v="13229" actId="26606"/>
+          <ac:chgData name="Torgrim Odde" userId="263d2d9e-d662-4ecd-84e3-6377197a8522" providerId="ADAL" clId="{F19F3179-E777-480F-BD2C-D9A8F24E3506}" dt="2025-10-23T09:42:27.180" v="16535" actId="12"/>
           <ac:spMkLst>
             <pc:docMk/>
             <pc:sldMk cId="3022873501" sldId="269"/>
@@ -650,22 +667,6 @@
             <ac:spMk id="4" creationId="{3D5F19FA-BE47-83C7-236E-05401B7423AB}"/>
           </ac:spMkLst>
         </pc:spChg>
-        <pc:spChg chg="add del">
-          <ac:chgData name="Torgrim Odde" userId="263d2d9e-d662-4ecd-84e3-6377197a8522" providerId="ADAL" clId="{F19F3179-E777-480F-BD2C-D9A8F24E3506}" dt="2025-10-21T19:22:43.576" v="13196" actId="26606"/>
-          <ac:spMkLst>
-            <pc:docMk/>
-            <pc:sldMk cId="3022873501" sldId="269"/>
-            <ac:spMk id="15" creationId="{561B1731-39D9-4145-8343-C209E1F09BC7}"/>
-          </ac:spMkLst>
-        </pc:spChg>
-        <pc:spChg chg="add del">
-          <ac:chgData name="Torgrim Odde" userId="263d2d9e-d662-4ecd-84e3-6377197a8522" providerId="ADAL" clId="{F19F3179-E777-480F-BD2C-D9A8F24E3506}" dt="2025-10-21T19:29:15.962" v="13229" actId="26606"/>
-          <ac:spMkLst>
-            <pc:docMk/>
-            <pc:sldMk cId="3022873501" sldId="269"/>
-            <ac:spMk id="3079" creationId="{DB5C2445-A2BD-4CBE-922B-C487E1DF659D}"/>
-          </ac:spMkLst>
-        </pc:spChg>
         <pc:spChg chg="add">
           <ac:chgData name="Torgrim Odde" userId="263d2d9e-d662-4ecd-84e3-6377197a8522" providerId="ADAL" clId="{F19F3179-E777-480F-BD2C-D9A8F24E3506}" dt="2025-10-21T19:29:15.962" v="13229" actId="26606"/>
           <ac:spMkLst>
@@ -674,78 +675,22 @@
             <ac:spMk id="3083" creationId="{A3B168A7-66FE-4359-9866-CBB841A729E6}"/>
           </ac:spMkLst>
         </pc:spChg>
-        <pc:spChg chg="add del">
-          <ac:chgData name="Torgrim Odde" userId="263d2d9e-d662-4ecd-84e3-6377197a8522" providerId="ADAL" clId="{F19F3179-E777-480F-BD2C-D9A8F24E3506}" dt="2025-10-21T19:28:55.420" v="13223" actId="26606"/>
-          <ac:spMkLst>
-            <pc:docMk/>
-            <pc:sldMk cId="3022873501" sldId="269"/>
-            <ac:spMk id="3086" creationId="{6C433D98-67CA-4678-8F07-275230C07791}"/>
-          </ac:spMkLst>
-        </pc:spChg>
         <pc:picChg chg="add mod">
-          <ac:chgData name="Torgrim Odde" userId="263d2d9e-d662-4ecd-84e3-6377197a8522" providerId="ADAL" clId="{F19F3179-E777-480F-BD2C-D9A8F24E3506}" dt="2025-10-21T19:29:23.986" v="13230" actId="27614"/>
+          <ac:chgData name="Torgrim Odde" userId="263d2d9e-d662-4ecd-84e3-6377197a8522" providerId="ADAL" clId="{F19F3179-E777-480F-BD2C-D9A8F24E3506}" dt="2025-10-23T09:09:13.877" v="13399" actId="1076"/>
           <ac:picMkLst>
             <pc:docMk/>
             <pc:sldMk cId="3022873501" sldId="269"/>
             <ac:picMk id="5" creationId="{09F7510B-29AB-DDC6-6A8D-59B79099DEC4}"/>
           </ac:picMkLst>
         </pc:picChg>
-        <pc:picChg chg="add del mod">
-          <ac:chgData name="Torgrim Odde" userId="263d2d9e-d662-4ecd-84e3-6377197a8522" providerId="ADAL" clId="{F19F3179-E777-480F-BD2C-D9A8F24E3506}" dt="2025-10-21T19:27:53.434" v="13212" actId="478"/>
-          <ac:picMkLst>
-            <pc:docMk/>
-            <pc:sldMk cId="3022873501" sldId="269"/>
-            <ac:picMk id="6" creationId="{8C7964E6-E3FB-B9FD-1535-335AD857254E}"/>
-          </ac:picMkLst>
-        </pc:picChg>
-        <pc:picChg chg="add del mod">
-          <ac:chgData name="Torgrim Odde" userId="263d2d9e-d662-4ecd-84e3-6377197a8522" providerId="ADAL" clId="{F19F3179-E777-480F-BD2C-D9A8F24E3506}" dt="2025-10-21T19:27:55.896" v="13214" actId="478"/>
-          <ac:picMkLst>
-            <pc:docMk/>
-            <pc:sldMk cId="3022873501" sldId="269"/>
-            <ac:picMk id="8" creationId="{754D77C1-A40E-5216-89F5-6AB4ED99235E}"/>
-          </ac:picMkLst>
-        </pc:picChg>
-        <pc:picChg chg="add del mod ord">
-          <ac:chgData name="Torgrim Odde" userId="263d2d9e-d662-4ecd-84e3-6377197a8522" providerId="ADAL" clId="{F19F3179-E777-480F-BD2C-D9A8F24E3506}" dt="2025-10-21T19:27:54.708" v="13213" actId="478"/>
-          <ac:picMkLst>
-            <pc:docMk/>
-            <pc:sldMk cId="3022873501" sldId="269"/>
-            <ac:picMk id="10" creationId="{A5F0DAE6-E7D1-4278-E567-5967206ECD61}"/>
-          </ac:picMkLst>
-        </pc:picChg>
         <pc:picChg chg="add mod ord">
-          <ac:chgData name="Torgrim Odde" userId="263d2d9e-d662-4ecd-84e3-6377197a8522" providerId="ADAL" clId="{F19F3179-E777-480F-BD2C-D9A8F24E3506}" dt="2025-10-21T19:29:24.452" v="13231" actId="27614"/>
+          <ac:chgData name="Torgrim Odde" userId="263d2d9e-d662-4ecd-84e3-6377197a8522" providerId="ADAL" clId="{F19F3179-E777-480F-BD2C-D9A8F24E3506}" dt="2025-10-23T09:09:16.728" v="13400" actId="14100"/>
           <ac:picMkLst>
             <pc:docMk/>
             <pc:sldMk cId="3022873501" sldId="269"/>
             <ac:picMk id="3074" creationId="{B227A7A2-18E7-57A8-8434-314F48D5A0D7}"/>
           </ac:picMkLst>
         </pc:picChg>
-        <pc:picChg chg="add del mod ord">
-          <ac:chgData name="Torgrim Odde" userId="263d2d9e-d662-4ecd-84e3-6377197a8522" providerId="ADAL" clId="{F19F3179-E777-480F-BD2C-D9A8F24E3506}" dt="2025-10-21T19:29:09.322" v="13227" actId="21"/>
-          <ac:picMkLst>
-            <pc:docMk/>
-            <pc:sldMk cId="3022873501" sldId="269"/>
-            <ac:picMk id="3076" creationId="{09F7510B-29AB-DDC6-6A8D-59B79099DEC4}"/>
-          </ac:picMkLst>
-        </pc:picChg>
-        <pc:cxnChg chg="add del">
-          <ac:chgData name="Torgrim Odde" userId="263d2d9e-d662-4ecd-84e3-6377197a8522" providerId="ADAL" clId="{F19F3179-E777-480F-BD2C-D9A8F24E3506}" dt="2025-10-21T19:22:43.576" v="13196" actId="26606"/>
-          <ac:cxnSpMkLst>
-            <pc:docMk/>
-            <pc:sldMk cId="3022873501" sldId="269"/>
-            <ac:cxnSpMk id="17" creationId="{F0748755-DDBC-46D0-91EC-1212A8EE2B40}"/>
-          </ac:cxnSpMkLst>
-        </pc:cxnChg>
-        <pc:cxnChg chg="add del">
-          <ac:chgData name="Torgrim Odde" userId="263d2d9e-d662-4ecd-84e3-6377197a8522" providerId="ADAL" clId="{F19F3179-E777-480F-BD2C-D9A8F24E3506}" dt="2025-10-21T19:29:15.962" v="13229" actId="26606"/>
-          <ac:cxnSpMkLst>
-            <pc:docMk/>
-            <pc:sldMk cId="3022873501" sldId="269"/>
-            <ac:cxnSpMk id="3081" creationId="{F0748755-DDBC-46D0-91EC-1212A8EE2B40}"/>
-          </ac:cxnSpMkLst>
-        </pc:cxnChg>
         <pc:cxnChg chg="add">
           <ac:chgData name="Torgrim Odde" userId="263d2d9e-d662-4ecd-84e3-6377197a8522" providerId="ADAL" clId="{F19F3179-E777-480F-BD2C-D9A8F24E3506}" dt="2025-10-21T19:29:15.962" v="13229" actId="26606"/>
           <ac:cxnSpMkLst>
@@ -754,17 +699,9 @@
             <ac:cxnSpMk id="3084" creationId="{E55FB8EA-5471-4074-88CA-98AA3AD98101}"/>
           </ac:cxnSpMkLst>
         </pc:cxnChg>
-        <pc:cxnChg chg="add del">
-          <ac:chgData name="Torgrim Odde" userId="263d2d9e-d662-4ecd-84e3-6377197a8522" providerId="ADAL" clId="{F19F3179-E777-480F-BD2C-D9A8F24E3506}" dt="2025-10-21T19:28:55.420" v="13223" actId="26606"/>
-          <ac:cxnSpMkLst>
-            <pc:docMk/>
-            <pc:sldMk cId="3022873501" sldId="269"/>
-            <ac:cxnSpMk id="3088" creationId="{E29BA74B-ECB4-4E0C-ADC9-17655FFE15C5}"/>
-          </ac:cxnSpMkLst>
-        </pc:cxnChg>
       </pc:sldChg>
       <pc:sldChg chg="addSp delSp modSp new mod setBg modNotesTx">
-        <pc:chgData name="Torgrim Odde" userId="263d2d9e-d662-4ecd-84e3-6377197a8522" providerId="ADAL" clId="{F19F3179-E777-480F-BD2C-D9A8F24E3506}" dt="2025-10-21T19:21:03.743" v="13191" actId="26606"/>
+        <pc:chgData name="Torgrim Odde" userId="263d2d9e-d662-4ecd-84e3-6377197a8522" providerId="ADAL" clId="{F19F3179-E777-480F-BD2C-D9A8F24E3506}" dt="2025-10-23T09:42:34.154" v="16536" actId="12"/>
         <pc:sldMkLst>
           <pc:docMk/>
           <pc:sldMk cId="2326131002" sldId="270"/>
@@ -778,7 +715,7 @@
           </ac:spMkLst>
         </pc:spChg>
         <pc:spChg chg="mod">
-          <ac:chgData name="Torgrim Odde" userId="263d2d9e-d662-4ecd-84e3-6377197a8522" providerId="ADAL" clId="{F19F3179-E777-480F-BD2C-D9A8F24E3506}" dt="2025-10-21T19:21:03.743" v="13191" actId="26606"/>
+          <ac:chgData name="Torgrim Odde" userId="263d2d9e-d662-4ecd-84e3-6377197a8522" providerId="ADAL" clId="{F19F3179-E777-480F-BD2C-D9A8F24E3506}" dt="2025-10-23T09:42:34.154" v="16536" actId="12"/>
           <ac:spMkLst>
             <pc:docMk/>
             <pc:sldMk cId="2326131002" sldId="270"/>
@@ -793,14 +730,6 @@
             <ac:spMk id="4" creationId="{4F787A50-22FD-92B0-D736-943543F8B44B}"/>
           </ac:spMkLst>
         </pc:spChg>
-        <pc:spChg chg="add del">
-          <ac:chgData name="Torgrim Odde" userId="263d2d9e-d662-4ecd-84e3-6377197a8522" providerId="ADAL" clId="{F19F3179-E777-480F-BD2C-D9A8F24E3506}" dt="2025-10-21T19:21:03.743" v="13191" actId="26606"/>
-          <ac:spMkLst>
-            <pc:docMk/>
-            <pc:sldMk cId="2326131002" sldId="270"/>
-            <ac:spMk id="13" creationId="{A3B168A7-66FE-4359-9866-CBB841A729E6}"/>
-          </ac:spMkLst>
-        </pc:spChg>
         <pc:spChg chg="add">
           <ac:chgData name="Torgrim Odde" userId="263d2d9e-d662-4ecd-84e3-6377197a8522" providerId="ADAL" clId="{F19F3179-E777-480F-BD2C-D9A8F24E3506}" dt="2025-10-21T19:21:03.743" v="13191" actId="26606"/>
           <ac:spMkLst>
@@ -810,29 +739,13 @@
           </ac:spMkLst>
         </pc:spChg>
         <pc:picChg chg="add mod">
-          <ac:chgData name="Torgrim Odde" userId="263d2d9e-d662-4ecd-84e3-6377197a8522" providerId="ADAL" clId="{F19F3179-E777-480F-BD2C-D9A8F24E3506}" dt="2025-10-21T19:21:03.743" v="13191" actId="26606"/>
+          <ac:chgData name="Torgrim Odde" userId="263d2d9e-d662-4ecd-84e3-6377197a8522" providerId="ADAL" clId="{F19F3179-E777-480F-BD2C-D9A8F24E3506}" dt="2025-10-23T09:09:22.082" v="13401" actId="14100"/>
           <ac:picMkLst>
             <pc:docMk/>
             <pc:sldMk cId="2326131002" sldId="270"/>
             <ac:picMk id="6" creationId="{3A6E0F8B-DCF1-29DE-0E67-E035781885EE}"/>
           </ac:picMkLst>
         </pc:picChg>
-        <pc:picChg chg="add del mod">
-          <ac:chgData name="Torgrim Odde" userId="263d2d9e-d662-4ecd-84e3-6377197a8522" providerId="ADAL" clId="{F19F3179-E777-480F-BD2C-D9A8F24E3506}" dt="2025-10-21T19:20:45.564" v="13182" actId="21"/>
-          <ac:picMkLst>
-            <pc:docMk/>
-            <pc:sldMk cId="2326131002" sldId="270"/>
-            <ac:picMk id="8" creationId="{29A5AF6C-A065-4E82-07B9-D70384603142}"/>
-          </ac:picMkLst>
-        </pc:picChg>
-        <pc:cxnChg chg="add del">
-          <ac:chgData name="Torgrim Odde" userId="263d2d9e-d662-4ecd-84e3-6377197a8522" providerId="ADAL" clId="{F19F3179-E777-480F-BD2C-D9A8F24E3506}" dt="2025-10-21T19:21:03.743" v="13191" actId="26606"/>
-          <ac:cxnSpMkLst>
-            <pc:docMk/>
-            <pc:sldMk cId="2326131002" sldId="270"/>
-            <ac:cxnSpMk id="15" creationId="{E55FB8EA-5471-4074-88CA-98AA3AD98101}"/>
-          </ac:cxnSpMkLst>
-        </pc:cxnChg>
         <pc:cxnChg chg="add">
           <ac:chgData name="Torgrim Odde" userId="263d2d9e-d662-4ecd-84e3-6377197a8522" providerId="ADAL" clId="{F19F3179-E777-480F-BD2C-D9A8F24E3506}" dt="2025-10-21T19:21:03.743" v="13191" actId="26606"/>
           <ac:cxnSpMkLst>
@@ -843,7 +756,7 @@
         </pc:cxnChg>
       </pc:sldChg>
       <pc:sldChg chg="addSp delSp modSp new mod setBg modNotesTx">
-        <pc:chgData name="Torgrim Odde" userId="263d2d9e-d662-4ecd-84e3-6377197a8522" providerId="ADAL" clId="{F19F3179-E777-480F-BD2C-D9A8F24E3506}" dt="2025-10-21T19:20:59.147" v="13190" actId="26606"/>
+        <pc:chgData name="Torgrim Odde" userId="263d2d9e-d662-4ecd-84e3-6377197a8522" providerId="ADAL" clId="{F19F3179-E777-480F-BD2C-D9A8F24E3506}" dt="2025-10-23T09:42:42.164" v="16537" actId="12"/>
         <pc:sldMkLst>
           <pc:docMk/>
           <pc:sldMk cId="2003498448" sldId="271"/>
@@ -857,7 +770,7 @@
           </ac:spMkLst>
         </pc:spChg>
         <pc:spChg chg="mod">
-          <ac:chgData name="Torgrim Odde" userId="263d2d9e-d662-4ecd-84e3-6377197a8522" providerId="ADAL" clId="{F19F3179-E777-480F-BD2C-D9A8F24E3506}" dt="2025-10-21T19:20:59.147" v="13190" actId="26606"/>
+          <ac:chgData name="Torgrim Odde" userId="263d2d9e-d662-4ecd-84e3-6377197a8522" providerId="ADAL" clId="{F19F3179-E777-480F-BD2C-D9A8F24E3506}" dt="2025-10-23T09:42:42.164" v="16537" actId="12"/>
           <ac:spMkLst>
             <pc:docMk/>
             <pc:sldMk cId="2003498448" sldId="271"/>
@@ -872,30 +785,6 @@
             <ac:spMk id="4" creationId="{D9D04EAA-8DD9-DFEE-45B7-866C1F669B6C}"/>
           </ac:spMkLst>
         </pc:spChg>
-        <pc:spChg chg="add del">
-          <ac:chgData name="Torgrim Odde" userId="263d2d9e-d662-4ecd-84e3-6377197a8522" providerId="ADAL" clId="{F19F3179-E777-480F-BD2C-D9A8F24E3506}" dt="2025-10-21T19:20:54.683" v="13185" actId="26606"/>
-          <ac:spMkLst>
-            <pc:docMk/>
-            <pc:sldMk cId="2003498448" sldId="271"/>
-            <ac:spMk id="13" creationId="{030AC80F-8E82-48C9-A5FA-56D476389C2E}"/>
-          </ac:spMkLst>
-        </pc:spChg>
-        <pc:spChg chg="add del">
-          <ac:chgData name="Torgrim Odde" userId="263d2d9e-d662-4ecd-84e3-6377197a8522" providerId="ADAL" clId="{F19F3179-E777-480F-BD2C-D9A8F24E3506}" dt="2025-10-21T19:20:57.837" v="13187" actId="26606"/>
-          <ac:spMkLst>
-            <pc:docMk/>
-            <pc:sldMk cId="2003498448" sldId="271"/>
-            <ac:spMk id="17" creationId="{A3B168A7-66FE-4359-9866-CBB841A729E6}"/>
-          </ac:spMkLst>
-        </pc:spChg>
-        <pc:spChg chg="add del">
-          <ac:chgData name="Torgrim Odde" userId="263d2d9e-d662-4ecd-84e3-6377197a8522" providerId="ADAL" clId="{F19F3179-E777-480F-BD2C-D9A8F24E3506}" dt="2025-10-21T19:20:59.131" v="13189" actId="26606"/>
-          <ac:spMkLst>
-            <pc:docMk/>
-            <pc:sldMk cId="2003498448" sldId="271"/>
-            <ac:spMk id="20" creationId="{030AC80F-8E82-48C9-A5FA-56D476389C2E}"/>
-          </ac:spMkLst>
-        </pc:spChg>
         <pc:spChg chg="add">
           <ac:chgData name="Torgrim Odde" userId="263d2d9e-d662-4ecd-84e3-6377197a8522" providerId="ADAL" clId="{F19F3179-E777-480F-BD2C-D9A8F24E3506}" dt="2025-10-21T19:20:59.147" v="13190" actId="26606"/>
           <ac:spMkLst>
@@ -905,37 +794,13 @@
           </ac:spMkLst>
         </pc:spChg>
         <pc:picChg chg="add mod">
-          <ac:chgData name="Torgrim Odde" userId="263d2d9e-d662-4ecd-84e3-6377197a8522" providerId="ADAL" clId="{F19F3179-E777-480F-BD2C-D9A8F24E3506}" dt="2025-10-21T19:20:59.147" v="13190" actId="26606"/>
+          <ac:chgData name="Torgrim Odde" userId="263d2d9e-d662-4ecd-84e3-6377197a8522" providerId="ADAL" clId="{F19F3179-E777-480F-BD2C-D9A8F24E3506}" dt="2025-10-23T09:09:29.507" v="13403" actId="1076"/>
           <ac:picMkLst>
             <pc:docMk/>
             <pc:sldMk cId="2003498448" sldId="271"/>
             <ac:picMk id="8" creationId="{29A5AF6C-A065-4E82-07B9-D70384603142}"/>
           </ac:picMkLst>
         </pc:picChg>
-        <pc:cxnChg chg="add del">
-          <ac:chgData name="Torgrim Odde" userId="263d2d9e-d662-4ecd-84e3-6377197a8522" providerId="ADAL" clId="{F19F3179-E777-480F-BD2C-D9A8F24E3506}" dt="2025-10-21T19:20:54.683" v="13185" actId="26606"/>
-          <ac:cxnSpMkLst>
-            <pc:docMk/>
-            <pc:sldMk cId="2003498448" sldId="271"/>
-            <ac:cxnSpMk id="15" creationId="{F0748755-DDBC-46D0-91EC-1212A8EE2B40}"/>
-          </ac:cxnSpMkLst>
-        </pc:cxnChg>
-        <pc:cxnChg chg="add del">
-          <ac:chgData name="Torgrim Odde" userId="263d2d9e-d662-4ecd-84e3-6377197a8522" providerId="ADAL" clId="{F19F3179-E777-480F-BD2C-D9A8F24E3506}" dt="2025-10-21T19:20:57.837" v="13187" actId="26606"/>
-          <ac:cxnSpMkLst>
-            <pc:docMk/>
-            <pc:sldMk cId="2003498448" sldId="271"/>
-            <ac:cxnSpMk id="18" creationId="{F0748755-DDBC-46D0-91EC-1212A8EE2B40}"/>
-          </ac:cxnSpMkLst>
-        </pc:cxnChg>
-        <pc:cxnChg chg="add del">
-          <ac:chgData name="Torgrim Odde" userId="263d2d9e-d662-4ecd-84e3-6377197a8522" providerId="ADAL" clId="{F19F3179-E777-480F-BD2C-D9A8F24E3506}" dt="2025-10-21T19:20:59.131" v="13189" actId="26606"/>
-          <ac:cxnSpMkLst>
-            <pc:docMk/>
-            <pc:sldMk cId="2003498448" sldId="271"/>
-            <ac:cxnSpMk id="21" creationId="{F0748755-DDBC-46D0-91EC-1212A8EE2B40}"/>
-          </ac:cxnSpMkLst>
-        </pc:cxnChg>
         <pc:cxnChg chg="add">
           <ac:chgData name="Torgrim Odde" userId="263d2d9e-d662-4ecd-84e3-6377197a8522" providerId="ADAL" clId="{F19F3179-E777-480F-BD2C-D9A8F24E3506}" dt="2025-10-21T19:20:59.147" v="13190" actId="26606"/>
           <ac:cxnSpMkLst>
@@ -946,7 +811,7 @@
         </pc:cxnChg>
       </pc:sldChg>
       <pc:sldChg chg="addSp modSp new mod modNotesTx">
-        <pc:chgData name="Torgrim Odde" userId="263d2d9e-d662-4ecd-84e3-6377197a8522" providerId="ADAL" clId="{F19F3179-E777-480F-BD2C-D9A8F24E3506}" dt="2025-10-21T19:26:29.757" v="13208" actId="1076"/>
+        <pc:chgData name="Torgrim Odde" userId="263d2d9e-d662-4ecd-84e3-6377197a8522" providerId="ADAL" clId="{F19F3179-E777-480F-BD2C-D9A8F24E3506}" dt="2025-10-23T09:42:51.658" v="16538" actId="12"/>
         <pc:sldMkLst>
           <pc:docMk/>
           <pc:sldMk cId="3229146995" sldId="272"/>
@@ -960,7 +825,7 @@
           </ac:spMkLst>
         </pc:spChg>
         <pc:spChg chg="mod">
-          <ac:chgData name="Torgrim Odde" userId="263d2d9e-d662-4ecd-84e3-6377197a8522" providerId="ADAL" clId="{F19F3179-E777-480F-BD2C-D9A8F24E3506}" dt="2025-10-21T17:50:23.942" v="4305" actId="20577"/>
+          <ac:chgData name="Torgrim Odde" userId="263d2d9e-d662-4ecd-84e3-6377197a8522" providerId="ADAL" clId="{F19F3179-E777-480F-BD2C-D9A8F24E3506}" dt="2025-10-23T09:42:51.658" v="16538" actId="12"/>
           <ac:spMkLst>
             <pc:docMk/>
             <pc:sldMk cId="3229146995" sldId="272"/>
@@ -977,7 +842,7 @@
         </pc:picChg>
       </pc:sldChg>
       <pc:sldChg chg="modSp new mod modNotesTx">
-        <pc:chgData name="Torgrim Odde" userId="263d2d9e-d662-4ecd-84e3-6377197a8522" providerId="ADAL" clId="{F19F3179-E777-480F-BD2C-D9A8F24E3506}" dt="2025-10-21T18:00:00.487" v="5120" actId="5793"/>
+        <pc:chgData name="Torgrim Odde" userId="263d2d9e-d662-4ecd-84e3-6377197a8522" providerId="ADAL" clId="{F19F3179-E777-480F-BD2C-D9A8F24E3506}" dt="2025-10-23T09:45:17.304" v="16741" actId="20577"/>
         <pc:sldMkLst>
           <pc:docMk/>
           <pc:sldMk cId="679323410" sldId="273"/>
@@ -991,7 +856,7 @@
           </ac:spMkLst>
         </pc:spChg>
         <pc:spChg chg="mod">
-          <ac:chgData name="Torgrim Odde" userId="263d2d9e-d662-4ecd-84e3-6377197a8522" providerId="ADAL" clId="{F19F3179-E777-480F-BD2C-D9A8F24E3506}" dt="2025-10-21T17:51:35.277" v="4535" actId="20577"/>
+          <ac:chgData name="Torgrim Odde" userId="263d2d9e-d662-4ecd-84e3-6377197a8522" providerId="ADAL" clId="{F19F3179-E777-480F-BD2C-D9A8F24E3506}" dt="2025-10-23T09:43:00.418" v="16539" actId="12"/>
           <ac:spMkLst>
             <pc:docMk/>
             <pc:sldMk cId="679323410" sldId="273"/>
@@ -1000,7 +865,7 @@
         </pc:spChg>
       </pc:sldChg>
       <pc:sldChg chg="addSp delSp modSp new mod setBg modNotesTx">
-        <pc:chgData name="Torgrim Odde" userId="263d2d9e-d662-4ecd-84e3-6377197a8522" providerId="ADAL" clId="{F19F3179-E777-480F-BD2C-D9A8F24E3506}" dt="2025-10-21T19:26:54.613" v="13211" actId="1076"/>
+        <pc:chgData name="Torgrim Odde" userId="263d2d9e-d662-4ecd-84e3-6377197a8522" providerId="ADAL" clId="{F19F3179-E777-480F-BD2C-D9A8F24E3506}" dt="2025-10-23T10:08:50.039" v="18061" actId="20577"/>
         <pc:sldMkLst>
           <pc:docMk/>
           <pc:sldMk cId="113568037" sldId="274"/>
@@ -1014,7 +879,7 @@
           </ac:spMkLst>
         </pc:spChg>
         <pc:spChg chg="mod">
-          <ac:chgData name="Torgrim Odde" userId="263d2d9e-d662-4ecd-84e3-6377197a8522" providerId="ADAL" clId="{F19F3179-E777-480F-BD2C-D9A8F24E3506}" dt="2025-10-21T19:26:54.613" v="13211" actId="1076"/>
+          <ac:chgData name="Torgrim Odde" userId="263d2d9e-d662-4ecd-84e3-6377197a8522" providerId="ADAL" clId="{F19F3179-E777-480F-BD2C-D9A8F24E3506}" dt="2025-10-23T09:36:23.951" v="16044" actId="5793"/>
           <ac:spMkLst>
             <pc:docMk/>
             <pc:sldMk cId="113568037" sldId="274"/>
@@ -1037,38 +902,6 @@
             <ac:spMk id="13" creationId="{030AC80F-8E82-48C9-A5FA-56D476389C2E}"/>
           </ac:spMkLst>
         </pc:spChg>
-        <pc:spChg chg="add del">
-          <ac:chgData name="Torgrim Odde" userId="263d2d9e-d662-4ecd-84e3-6377197a8522" providerId="ADAL" clId="{F19F3179-E777-480F-BD2C-D9A8F24E3506}" dt="2025-10-21T19:22:16.651" v="13194" actId="26606"/>
-          <ac:spMkLst>
-            <pc:docMk/>
-            <pc:sldMk cId="113568037" sldId="274"/>
-            <ac:spMk id="2055" creationId="{40DC026F-444B-46C9-BCBE-329183BF5FE0}"/>
-          </ac:spMkLst>
-        </pc:spChg>
-        <pc:picChg chg="add del mod">
-          <ac:chgData name="Torgrim Odde" userId="263d2d9e-d662-4ecd-84e3-6377197a8522" providerId="ADAL" clId="{F19F3179-E777-480F-BD2C-D9A8F24E3506}" dt="2025-10-21T19:24:33.079" v="13199" actId="478"/>
-          <ac:picMkLst>
-            <pc:docMk/>
-            <pc:sldMk cId="113568037" sldId="274"/>
-            <ac:picMk id="6" creationId="{5C96D8AF-8B37-B0DD-9803-D189E70DEF71}"/>
-          </ac:picMkLst>
-        </pc:picChg>
-        <pc:picChg chg="add del mod">
-          <ac:chgData name="Torgrim Odde" userId="263d2d9e-d662-4ecd-84e3-6377197a8522" providerId="ADAL" clId="{F19F3179-E777-480F-BD2C-D9A8F24E3506}" dt="2025-10-21T19:26:23.231" v="13206" actId="21"/>
-          <ac:picMkLst>
-            <pc:docMk/>
-            <pc:sldMk cId="113568037" sldId="274"/>
-            <ac:picMk id="8" creationId="{61C0DF18-791B-E6E8-630F-96032B5D432C}"/>
-          </ac:picMkLst>
-        </pc:picChg>
-        <pc:picChg chg="add mod">
-          <ac:chgData name="Torgrim Odde" userId="263d2d9e-d662-4ecd-84e3-6377197a8522" providerId="ADAL" clId="{F19F3179-E777-480F-BD2C-D9A8F24E3506}" dt="2025-10-21T19:22:16.651" v="13194" actId="26606"/>
-          <ac:picMkLst>
-            <pc:docMk/>
-            <pc:sldMk cId="113568037" sldId="274"/>
-            <ac:picMk id="2050" creationId="{B3F1A900-D6E9-1369-B57A-85C56B56FE26}"/>
-          </ac:picMkLst>
-        </pc:picChg>
         <pc:cxnChg chg="add">
           <ac:chgData name="Torgrim Odde" userId="263d2d9e-d662-4ecd-84e3-6377197a8522" providerId="ADAL" clId="{F19F3179-E777-480F-BD2C-D9A8F24E3506}" dt="2025-10-21T19:25:00.553" v="13204" actId="26606"/>
           <ac:cxnSpMkLst>
@@ -1077,14 +910,68 @@
             <ac:cxnSpMk id="15" creationId="{F0748755-DDBC-46D0-91EC-1212A8EE2B40}"/>
           </ac:cxnSpMkLst>
         </pc:cxnChg>
-        <pc:cxnChg chg="add del">
-          <ac:chgData name="Torgrim Odde" userId="263d2d9e-d662-4ecd-84e3-6377197a8522" providerId="ADAL" clId="{F19F3179-E777-480F-BD2C-D9A8F24E3506}" dt="2025-10-21T19:22:16.651" v="13194" actId="26606"/>
-          <ac:cxnSpMkLst>
+      </pc:sldChg>
+      <pc:sldChg chg="addSp delSp modSp new mod">
+        <pc:chgData name="Torgrim Odde" userId="263d2d9e-d662-4ecd-84e3-6377197a8522" providerId="ADAL" clId="{F19F3179-E777-480F-BD2C-D9A8F24E3506}" dt="2025-10-23T09:08:59.354" v="13397" actId="1076"/>
+        <pc:sldMkLst>
+          <pc:docMk/>
+          <pc:sldMk cId="217160031" sldId="275"/>
+        </pc:sldMkLst>
+        <pc:spChg chg="mod">
+          <ac:chgData name="Torgrim Odde" userId="263d2d9e-d662-4ecd-84e3-6377197a8522" providerId="ADAL" clId="{F19F3179-E777-480F-BD2C-D9A8F24E3506}" dt="2025-10-23T09:07:27.410" v="13381" actId="20577"/>
+          <ac:spMkLst>
             <pc:docMk/>
-            <pc:sldMk cId="113568037" sldId="274"/>
-            <ac:cxnSpMk id="2057" creationId="{F0748755-DDBC-46D0-91EC-1212A8EE2B40}"/>
-          </ac:cxnSpMkLst>
-        </pc:cxnChg>
+            <pc:sldMk cId="217160031" sldId="275"/>
+            <ac:spMk id="2" creationId="{4E45BE1F-157A-31CD-E5D8-2E3F9B805FF0}"/>
+          </ac:spMkLst>
+        </pc:spChg>
+        <pc:spChg chg="del">
+          <ac:chgData name="Torgrim Odde" userId="263d2d9e-d662-4ecd-84e3-6377197a8522" providerId="ADAL" clId="{F19F3179-E777-480F-BD2C-D9A8F24E3506}" dt="2025-10-23T09:07:13.426" v="13347"/>
+          <ac:spMkLst>
+            <pc:docMk/>
+            <pc:sldMk cId="217160031" sldId="275"/>
+            <ac:spMk id="3" creationId="{19425D1B-76C9-4254-A443-60E45E89C426}"/>
+          </ac:spMkLst>
+        </pc:spChg>
+        <pc:picChg chg="add mod">
+          <ac:chgData name="Torgrim Odde" userId="263d2d9e-d662-4ecd-84e3-6377197a8522" providerId="ADAL" clId="{F19F3179-E777-480F-BD2C-D9A8F24E3506}" dt="2025-10-23T09:08:59.354" v="13397" actId="1076"/>
+          <ac:picMkLst>
+            <pc:docMk/>
+            <pc:sldMk cId="217160031" sldId="275"/>
+            <ac:picMk id="1026" creationId="{5389500D-9BCF-6277-DC8D-C3FEC64BCB13}"/>
+          </ac:picMkLst>
+        </pc:picChg>
+      </pc:sldChg>
+      <pc:sldChg chg="addSp delSp modSp new del mod">
+        <pc:chgData name="Torgrim Odde" userId="263d2d9e-d662-4ecd-84e3-6377197a8522" providerId="ADAL" clId="{F19F3179-E777-480F-BD2C-D9A8F24E3506}" dt="2025-10-23T09:05:52.652" v="13334" actId="47"/>
+        <pc:sldMkLst>
+          <pc:docMk/>
+          <pc:sldMk cId="3082534832" sldId="275"/>
+        </pc:sldMkLst>
+        <pc:spChg chg="del mod">
+          <ac:chgData name="Torgrim Odde" userId="263d2d9e-d662-4ecd-84e3-6377197a8522" providerId="ADAL" clId="{F19F3179-E777-480F-BD2C-D9A8F24E3506}" dt="2025-10-23T09:05:19.735" v="13330"/>
+          <ac:spMkLst>
+            <pc:docMk/>
+            <pc:sldMk cId="3082534832" sldId="275"/>
+            <ac:spMk id="3" creationId="{57C6BF38-3E4B-22B8-FB7C-27B645EFEA4A}"/>
+          </ac:spMkLst>
+        </pc:spChg>
+        <pc:spChg chg="add mod">
+          <ac:chgData name="Torgrim Odde" userId="263d2d9e-d662-4ecd-84e3-6377197a8522" providerId="ADAL" clId="{F19F3179-E777-480F-BD2C-D9A8F24E3506}" dt="2025-10-23T09:05:44.362" v="13331" actId="21"/>
+          <ac:spMkLst>
+            <pc:docMk/>
+            <pc:sldMk cId="3082534832" sldId="275"/>
+            <ac:spMk id="5" creationId="{CD67CD2A-8F66-CC2C-B63B-6F357E29D321}"/>
+          </ac:spMkLst>
+        </pc:spChg>
+        <pc:picChg chg="add del mod">
+          <ac:chgData name="Torgrim Odde" userId="263d2d9e-d662-4ecd-84e3-6377197a8522" providerId="ADAL" clId="{F19F3179-E777-480F-BD2C-D9A8F24E3506}" dt="2025-10-23T09:05:44.362" v="13331" actId="21"/>
+          <ac:picMkLst>
+            <pc:docMk/>
+            <pc:sldMk cId="3082534832" sldId="275"/>
+            <ac:picMk id="1026" creationId="{5389500D-9BCF-6277-DC8D-C3FEC64BCB13}"/>
+          </ac:picMkLst>
+        </pc:picChg>
       </pc:sldChg>
     </pc:docChg>
   </pc:docChgLst>
@@ -1173,7 +1060,7 @@
           <a:p>
             <a:fld id="{FF7ED373-BAD1-4F47-AB59-36CCC457D4C9}" type="datetimeFigureOut">
               <a:rPr lang="en-US" smtClean="0"/>
-              <a:t>10/21/2025</a:t>
+              <a:t>10/23/2025</a:t>
             </a:fld>
             <a:endParaRPr lang="en-US"/>
           </a:p>
@@ -1485,10 +1372,7 @@
           <a:bodyPr/>
           <a:lstStyle/>
           <a:p>
-            <a:r>
-              <a:rPr lang="en-US" dirty="0"/>
-              <a:t>Malvin will cover </a:t>
-            </a:r>
+            <a:endParaRPr lang="en-US" dirty="0"/>
           </a:p>
         </p:txBody>
       </p:sp>
@@ -1509,7 +1393,7 @@
           <a:p>
             <a:fld id="{F7A439AA-4617-4627-B5F6-FFD7862B74B0}" type="slidenum">
               <a:rPr lang="en-US" smtClean="0"/>
-              <a:t>2</a:t>
+              <a:t>1</a:t>
             </a:fld>
             <a:endParaRPr lang="en-US"/>
           </a:p>
@@ -1518,7 +1402,7 @@
     </p:spTree>
     <p:extLst>
       <p:ext uri="{BB962C8B-B14F-4D97-AF65-F5344CB8AC3E}">
-        <p14:creationId xmlns:p14="http://schemas.microsoft.com/office/powerpoint/2010/main" val="4078324711"/>
+        <p14:creationId xmlns:p14="http://schemas.microsoft.com/office/powerpoint/2010/main" val="3737226531"/>
       </p:ext>
     </p:extLst>
   </p:cSld>
@@ -1577,7 +1461,7 @@
               <a:buChar char="•"/>
             </a:pPr>
             <a:r>
-              <a:rPr lang="en-US" dirty="0"/>
+              <a:rPr lang="en-US" b="1" dirty="0"/>
               <a:t>Exercise objective:</a:t>
             </a:r>
           </a:p>
@@ -1588,7 +1472,7 @@
             </a:pPr>
             <a:r>
               <a:rPr lang="en-US" dirty="0"/>
-              <a:t>Fit parameters k, pi and re to data</a:t>
+              <a:t>Load well test pressure data</a:t>
             </a:r>
           </a:p>
           <a:p>
@@ -1598,7 +1482,7 @@
             </a:pPr>
             <a:r>
               <a:rPr lang="en-US" dirty="0"/>
-              <a:t>Compare data, numerical solution, and Theis solution on log-time plot</a:t>
+              <a:t>Convert units to SI</a:t>
             </a:r>
           </a:p>
           <a:p>
@@ -1606,6 +1490,39 @@
               <a:buFont typeface="Arial" panose="020B0604020202020204" pitchFamily="34" charset="0"/>
               <a:buChar char="•"/>
             </a:pPr>
+            <a:r>
+              <a:rPr lang="en-US" dirty="0"/>
+              <a:t>Scatter plot of well pressure vs time</a:t>
+            </a:r>
+          </a:p>
+          <a:p>
+            <a:pPr marL="628650" marR="0" lvl="1" indent="-171450" algn="l" defTabSz="914400" rtl="0" eaLnBrk="1" fontAlgn="auto" latinLnBrk="0" hangingPunct="1">
+              <a:lnSpc>
+                <a:spcPct val="100000"/>
+              </a:lnSpc>
+              <a:spcBef>
+                <a:spcPts val="0"/>
+              </a:spcBef>
+              <a:spcAft>
+                <a:spcPts val="0"/>
+              </a:spcAft>
+              <a:buClrTx/>
+              <a:buSzTx/>
+              <a:buFont typeface="Arial" panose="020B0604020202020204" pitchFamily="34" charset="0"/>
+              <a:buChar char="•"/>
+              <a:tabLst/>
+              <a:defRPr/>
+            </a:pPr>
+            <a:r>
+              <a:rPr lang="en-US" dirty="0"/>
+              <a:t>Derive formula for pw in terms of p0 (well block)</a:t>
+            </a:r>
+          </a:p>
+          <a:p>
+            <a:pPr marL="0" lvl="0" indent="0">
+              <a:buFont typeface="Arial" panose="020B0604020202020204" pitchFamily="34" charset="0"/>
+              <a:buNone/>
+            </a:pPr>
             <a:endParaRPr lang="en-US" dirty="0"/>
           </a:p>
           <a:p>
@@ -1614,8 +1531,12 @@
               <a:buChar char="•"/>
             </a:pPr>
             <a:r>
-              <a:rPr lang="en-US" dirty="0"/>
-              <a:t>Theory:</a:t>
+              <a:rPr lang="en-US" b="1" dirty="0"/>
+              <a:t>Theory</a:t>
+            </a:r>
+            <a:r>
+              <a:rPr lang="en-US" dirty="0"/>
+              <a:t>:</a:t>
             </a:r>
           </a:p>
           <a:p>
@@ -1625,17 +1546,17 @@
             </a:pPr>
             <a:r>
               <a:rPr lang="en-US" dirty="0"/>
-              <a:t>Parameter effects:</a:t>
-            </a:r>
-          </a:p>
-          <a:p>
-            <a:pPr marL="1085850" lvl="2" indent="-171450">
-              <a:buFont typeface="Arial" panose="020B0604020202020204" pitchFamily="34" charset="0"/>
-              <a:buChar char="•"/>
-            </a:pPr>
-            <a:r>
-              <a:rPr lang="en-US" dirty="0"/>
-              <a:t>K; slope of </a:t>
+              <a:t>Observed data shows early drawdown</a:t>
+            </a:r>
+          </a:p>
+          <a:p>
+            <a:pPr marL="628650" lvl="1" indent="-171450">
+              <a:buFont typeface="Arial" panose="020B0604020202020204" pitchFamily="34" charset="0"/>
+              <a:buChar char="•"/>
+            </a:pPr>
+            <a:r>
+              <a:rPr lang="en-US" dirty="0"/>
+              <a:t>Intermediate linear </a:t>
             </a:r>
             <a:r>
               <a:rPr lang="en-US" dirty="0" err="1"/>
@@ -1643,7 +1564,136 @@
             </a:r>
             <a:r>
               <a:rPr lang="en-US" dirty="0"/>
-              <a:t> line</a:t>
+              <a:t> region</a:t>
+            </a:r>
+          </a:p>
+          <a:p>
+            <a:pPr marL="628650" lvl="1" indent="-171450">
+              <a:buFont typeface="Arial" panose="020B0604020202020204" pitchFamily="34" charset="0"/>
+              <a:buChar char="•"/>
+            </a:pPr>
+            <a:r>
+              <a:rPr lang="en-US" dirty="0"/>
+              <a:t>Late time stabilization (boundary-dominated flow)</a:t>
+            </a:r>
+          </a:p>
+          <a:p>
+            <a:pPr marL="628650" lvl="1" indent="-171450">
+              <a:buFont typeface="Arial" panose="020B0604020202020204" pitchFamily="34" charset="0"/>
+              <a:buChar char="•"/>
+            </a:pPr>
+            <a:r>
+              <a:rPr lang="en-US" dirty="0"/>
+              <a:t>Neumann BC at well gives </a:t>
+            </a:r>
+            <a:r>
+              <a:rPr lang="en-US" dirty="0" err="1"/>
+              <a:t>dp</a:t>
+            </a:r>
+            <a:r>
+              <a:rPr lang="en-US" dirty="0"/>
+              <a:t>/</a:t>
+            </a:r>
+            <a:r>
+              <a:rPr lang="en-US" dirty="0" err="1"/>
+              <a:t>dy</a:t>
+            </a:r>
+            <a:r>
+              <a:rPr lang="en-US" dirty="0"/>
+              <a:t> = </a:t>
+            </a:r>
+            <a:r>
+              <a:rPr lang="el-GR" dirty="0"/>
+              <a:t>α</a:t>
+            </a:r>
+            <a:endParaRPr lang="en-US" dirty="0"/>
+          </a:p>
+          <a:p>
+            <a:pPr marL="628650" lvl="1" indent="-171450">
+              <a:buFont typeface="Arial" panose="020B0604020202020204" pitchFamily="34" charset="0"/>
+              <a:buChar char="•"/>
+            </a:pPr>
+            <a:r>
+              <a:rPr lang="en-US" dirty="0"/>
+              <a:t>Taylor over half-cell gives pw ~p0 – </a:t>
+            </a:r>
+            <a:r>
+              <a:rPr lang="el-GR" dirty="0"/>
+              <a:t>Δ</a:t>
+            </a:r>
+            <a:r>
+              <a:rPr lang="en-US" dirty="0"/>
+              <a:t>y/2 * </a:t>
+            </a:r>
+            <a:r>
+              <a:rPr lang="el-GR" dirty="0"/>
+              <a:t>α</a:t>
+            </a:r>
+            <a:endParaRPr lang="en-US" dirty="0"/>
+          </a:p>
+          <a:p>
+            <a:pPr marL="628650" lvl="1" indent="-171450">
+              <a:buFont typeface="Arial" panose="020B0604020202020204" pitchFamily="34" charset="0"/>
+              <a:buChar char="•"/>
+            </a:pPr>
+            <a:endParaRPr lang="en-US" dirty="0"/>
+          </a:p>
+          <a:p>
+            <a:pPr marL="171450" lvl="0" indent="-171450">
+              <a:buFont typeface="Arial" panose="020B0604020202020204" pitchFamily="34" charset="0"/>
+              <a:buChar char="•"/>
+            </a:pPr>
+            <a:r>
+              <a:rPr lang="en-US" b="1" dirty="0"/>
+              <a:t>Implementation:</a:t>
+            </a:r>
+          </a:p>
+          <a:p>
+            <a:pPr marL="628650" lvl="1" indent="-171450">
+              <a:buFont typeface="Arial" panose="020B0604020202020204" pitchFamily="34" charset="0"/>
+              <a:buChar char="•"/>
+            </a:pPr>
+            <a:r>
+              <a:rPr lang="en-US" dirty="0"/>
+              <a:t>‘pandas’ for reading ‘well_bhp.dat’</a:t>
+            </a:r>
+          </a:p>
+          <a:p>
+            <a:pPr marL="628650" lvl="1" indent="-171450">
+              <a:buFont typeface="Arial" panose="020B0604020202020204" pitchFamily="34" charset="0"/>
+              <a:buChar char="•"/>
+            </a:pPr>
+            <a:r>
+              <a:rPr lang="en-US" dirty="0"/>
+              <a:t>Unit conversion psi -&gt; SI</a:t>
+            </a:r>
+          </a:p>
+          <a:p>
+            <a:pPr marL="628650" lvl="1" indent="-171450">
+              <a:buFont typeface="Arial" panose="020B0604020202020204" pitchFamily="34" charset="0"/>
+              <a:buChar char="•"/>
+            </a:pPr>
+            <a:r>
+              <a:rPr lang="en-US" dirty="0"/>
+              <a:t>Scatter plot for inspection</a:t>
+            </a:r>
+          </a:p>
+          <a:p>
+            <a:pPr marL="628650" lvl="1" indent="-171450">
+              <a:buFont typeface="Arial" panose="020B0604020202020204" pitchFamily="34" charset="0"/>
+              <a:buChar char="•"/>
+            </a:pPr>
+            <a:r>
+              <a:rPr lang="en-US" dirty="0"/>
+              <a:t>‘</a:t>
+            </a:r>
+            <a:r>
+              <a:rPr lang="en-US" dirty="0" err="1"/>
+              <a:t>well_pressure_from_block</a:t>
+            </a:r>
+            <a:r>
+              <a:rPr lang="en-US" dirty="0"/>
+              <a:t>()’ computes for each timestep</a:t>
             </a:r>
           </a:p>
           <a:p>
@@ -1653,17 +1703,28 @@
             </a:pPr>
             <a:r>
               <a:rPr lang="en-US" dirty="0"/>
-              <a:t>Pi; vertical offset</a:t>
-            </a:r>
-          </a:p>
-          <a:p>
-            <a:pPr marL="1085850" lvl="2" indent="-171450">
-              <a:buFont typeface="Arial" panose="020B0604020202020204" pitchFamily="34" charset="0"/>
-              <a:buChar char="•"/>
-            </a:pPr>
-            <a:r>
-              <a:rPr lang="en-US" dirty="0"/>
-              <a:t>Re; late-time stabilization onset</a:t>
+              <a:t>Used for matching with well test data</a:t>
+            </a:r>
+          </a:p>
+          <a:p>
+            <a:pPr marL="171450" lvl="0" indent="-171450">
+              <a:buFont typeface="Arial" panose="020B0604020202020204" pitchFamily="34" charset="0"/>
+              <a:buChar char="•"/>
+            </a:pPr>
+            <a:endParaRPr lang="en-US" dirty="0"/>
+          </a:p>
+          <a:p>
+            <a:pPr marL="171450" lvl="0" indent="-171450">
+              <a:buFont typeface="Arial" panose="020B0604020202020204" pitchFamily="34" charset="0"/>
+              <a:buChar char="•"/>
+            </a:pPr>
+            <a:r>
+              <a:rPr lang="en-US" b="1" dirty="0"/>
+              <a:t>Results</a:t>
+            </a:r>
+            <a:r>
+              <a:rPr lang="en-US" dirty="0"/>
+              <a:t>:</a:t>
             </a:r>
           </a:p>
           <a:p>
@@ -1673,24 +1734,7 @@
             </a:pPr>
             <a:r>
               <a:rPr lang="en-US" dirty="0"/>
-              <a:t>Line-source keeps declining; numerical plateaus at boundary</a:t>
-            </a:r>
-          </a:p>
-          <a:p>
-            <a:pPr marL="171450" lvl="0" indent="-171450">
-              <a:buFont typeface="Arial" panose="020B0604020202020204" pitchFamily="34" charset="0"/>
-              <a:buChar char="•"/>
-            </a:pPr>
-            <a:endParaRPr lang="en-US" dirty="0"/>
-          </a:p>
-          <a:p>
-            <a:pPr marL="171450" lvl="0" indent="-171450">
-              <a:buFont typeface="Arial" panose="020B0604020202020204" pitchFamily="34" charset="0"/>
-              <a:buChar char="•"/>
-            </a:pPr>
-            <a:r>
-              <a:rPr lang="en-US" dirty="0"/>
-              <a:t>Implementation</a:t>
+              <a:t>Data aligns with expected pressure decline curve shape</a:t>
             </a:r>
           </a:p>
           <a:p>
@@ -1700,98 +1744,31 @@
             </a:pPr>
             <a:r>
               <a:rPr lang="en-US" dirty="0"/>
-              <a:t>‘</a:t>
-            </a:r>
-            <a:r>
-              <a:rPr lang="en-US" dirty="0" err="1"/>
-              <a:t>scipy.optimize.curve_fit</a:t>
-            </a:r>
-            <a:r>
-              <a:rPr lang="en-US" dirty="0"/>
-              <a:t>’ to find best fit parameters</a:t>
-            </a:r>
-          </a:p>
-          <a:p>
-            <a:pPr marL="628650" lvl="1" indent="-171450">
-              <a:buFont typeface="Arial" panose="020B0604020202020204" pitchFamily="34" charset="0"/>
-              <a:buChar char="•"/>
-            </a:pPr>
-            <a:r>
-              <a:rPr lang="en-US" dirty="0"/>
-              <a:t>Simulated well pressure vs measured</a:t>
-            </a:r>
-          </a:p>
-          <a:p>
-            <a:pPr marL="628650" lvl="1" indent="-171450">
-              <a:buFont typeface="Arial" panose="020B0604020202020204" pitchFamily="34" charset="0"/>
-              <a:buChar char="•"/>
-            </a:pPr>
-            <a:r>
-              <a:rPr lang="en-US" dirty="0"/>
-              <a:t>Analytical </a:t>
-            </a:r>
-            <a:r>
-              <a:rPr lang="en-US" dirty="0" err="1"/>
-              <a:t>theis</a:t>
-            </a:r>
-            <a:r>
-              <a:rPr lang="en-US" dirty="0"/>
-              <a:t> computed with fitted parameters</a:t>
-            </a:r>
-          </a:p>
-          <a:p>
-            <a:pPr marL="628650" lvl="1" indent="-171450">
-              <a:buFont typeface="Arial" panose="020B0604020202020204" pitchFamily="34" charset="0"/>
-              <a:buChar char="•"/>
-            </a:pPr>
-            <a:endParaRPr lang="en-US" dirty="0"/>
-          </a:p>
-          <a:p>
-            <a:pPr marL="171450" lvl="0" indent="-171450">
-              <a:buFont typeface="Arial" panose="020B0604020202020204" pitchFamily="34" charset="0"/>
-              <a:buChar char="•"/>
-            </a:pPr>
-            <a:r>
-              <a:rPr lang="en-US" dirty="0"/>
-              <a:t>Results:</a:t>
-            </a:r>
-          </a:p>
-          <a:p>
-            <a:pPr marL="628650" lvl="1" indent="-171450">
-              <a:buFont typeface="Arial" panose="020B0604020202020204" pitchFamily="34" charset="0"/>
-              <a:buChar char="•"/>
-            </a:pPr>
-            <a:r>
-              <a:rPr lang="en-US" dirty="0"/>
-              <a:t>Early/intermediate match is good for both line-source and numerical</a:t>
-            </a:r>
-          </a:p>
-          <a:p>
-            <a:pPr marL="628650" lvl="1" indent="-171450">
-              <a:buFont typeface="Arial" panose="020B0604020202020204" pitchFamily="34" charset="0"/>
-              <a:buChar char="•"/>
-            </a:pPr>
-            <a:r>
-              <a:rPr lang="en-US" dirty="0"/>
-              <a:t>Numerical curve levels off at late time (boundary felt)</a:t>
-            </a:r>
-          </a:p>
-          <a:p>
-            <a:pPr marL="628650" lvl="1" indent="-171450">
-              <a:buFont typeface="Arial" panose="020B0604020202020204" pitchFamily="34" charset="0"/>
-              <a:buChar char="•"/>
-            </a:pPr>
-            <a:r>
-              <a:rPr lang="en-US" dirty="0"/>
-              <a:t>Fitted parameters consistent with expected behavior)</a:t>
-            </a:r>
-          </a:p>
-          <a:p>
-            <a:pPr marL="1085850" lvl="2" indent="-171450">
-              <a:buFont typeface="Arial" panose="020B0604020202020204" pitchFamily="34" charset="0"/>
-              <a:buChar char="•"/>
-            </a:pPr>
-            <a:endParaRPr lang="en-US" dirty="0"/>
+              <a:t>Late-time plateau indicates boundary reached</a:t>
+            </a:r>
+          </a:p>
+          <a:p>
+            <a:pPr marL="628650" marR="0" lvl="1" indent="-171450" algn="l" defTabSz="914400" rtl="0" eaLnBrk="1" fontAlgn="auto" latinLnBrk="0" hangingPunct="1">
+              <a:lnSpc>
+                <a:spcPct val="100000"/>
+              </a:lnSpc>
+              <a:spcBef>
+                <a:spcPts val="0"/>
+              </a:spcBef>
+              <a:spcAft>
+                <a:spcPts val="0"/>
+              </a:spcAft>
+              <a:buClrTx/>
+              <a:buSzTx/>
+              <a:buFont typeface="Arial" panose="020B0604020202020204" pitchFamily="34" charset="0"/>
+              <a:buChar char="•"/>
+              <a:tabLst/>
+              <a:defRPr/>
+            </a:pPr>
+            <a:r>
+              <a:rPr lang="en-US" dirty="0"/>
+              <a:t>Accurate approximation of well pressure for comparison with measurements</a:t>
+            </a:r>
           </a:p>
         </p:txBody>
       </p:sp>
@@ -1821,7 +1798,7 @@
     </p:spTree>
     <p:extLst>
       <p:ext uri="{BB962C8B-B14F-4D97-AF65-F5344CB8AC3E}">
-        <p14:creationId xmlns:p14="http://schemas.microsoft.com/office/powerpoint/2010/main" val="3063719613"/>
+        <p14:creationId xmlns:p14="http://schemas.microsoft.com/office/powerpoint/2010/main" val="403667093"/>
       </p:ext>
     </p:extLst>
   </p:cSld>
@@ -1880,7 +1857,7 @@
               <a:buChar char="•"/>
             </a:pPr>
             <a:r>
-              <a:rPr lang="en-US" dirty="0"/>
+              <a:rPr lang="en-US" b="1" dirty="0"/>
               <a:t>Exercise objective:</a:t>
             </a:r>
           </a:p>
@@ -1891,7 +1868,7 @@
             </a:pPr>
             <a:r>
               <a:rPr lang="en-US" dirty="0"/>
-              <a:t>Calculate total water volume for fitted re</a:t>
+              <a:t>Fit parameters k, pi and re to data</a:t>
             </a:r>
           </a:p>
           <a:p>
@@ -1899,6 +1876,16 @@
               <a:buFont typeface="Arial" panose="020B0604020202020204" pitchFamily="34" charset="0"/>
               <a:buChar char="•"/>
             </a:pPr>
+            <a:r>
+              <a:rPr lang="en-US" dirty="0"/>
+              <a:t>Compare data, numerical solution, and Theis solution on log-time plot</a:t>
+            </a:r>
+          </a:p>
+          <a:p>
+            <a:pPr marL="628650" lvl="1" indent="-171450">
+              <a:buFont typeface="Arial" panose="020B0604020202020204" pitchFamily="34" charset="0"/>
+              <a:buChar char="•"/>
+            </a:pPr>
             <a:endParaRPr lang="en-US" dirty="0"/>
           </a:p>
           <a:p>
@@ -1907,7 +1894,7 @@
               <a:buChar char="•"/>
             </a:pPr>
             <a:r>
-              <a:rPr lang="en-US" dirty="0"/>
+              <a:rPr lang="en-US" b="1" dirty="0"/>
               <a:t>Theory:</a:t>
             </a:r>
           </a:p>
@@ -1918,15 +1905,7 @@
             </a:pPr>
             <a:r>
               <a:rPr lang="en-US" dirty="0"/>
-              <a:t>V = </a:t>
-            </a:r>
-            <a:r>
-              <a:rPr lang="el-GR" dirty="0"/>
-              <a:t>ϕπ(</a:t>
-            </a:r>
-            <a:r>
-              <a:rPr lang="en-US" dirty="0"/>
-              <a:t>re2​−rw2​)h</a:t>
+              <a:t>Parameter effects:</a:t>
             </a:r>
           </a:p>
           <a:p>
@@ -1936,15 +1915,15 @@
             </a:pPr>
             <a:r>
               <a:rPr lang="en-US" dirty="0"/>
-              <a:t>Assuming porosity </a:t>
-            </a:r>
-            <a:r>
-              <a:rPr lang="el-GR" dirty="0"/>
-              <a:t>ϕ</a:t>
-            </a:r>
-            <a:r>
-              <a:rPr lang="en-US" dirty="0"/>
-              <a:t> (phi) and fully water saturated</a:t>
+              <a:t>K; slope of </a:t>
+            </a:r>
+            <a:r>
+              <a:rPr lang="en-US" dirty="0" err="1"/>
+              <a:t>semilog</a:t>
+            </a:r>
+            <a:r>
+              <a:rPr lang="en-US" dirty="0"/>
+              <a:t> line</a:t>
             </a:r>
           </a:p>
           <a:p>
@@ -1952,6 +1931,36 @@
               <a:buFont typeface="Arial" panose="020B0604020202020204" pitchFamily="34" charset="0"/>
               <a:buChar char="•"/>
             </a:pPr>
+            <a:r>
+              <a:rPr lang="en-US" dirty="0"/>
+              <a:t>Pi; vertical offset</a:t>
+            </a:r>
+          </a:p>
+          <a:p>
+            <a:pPr marL="1085850" lvl="2" indent="-171450">
+              <a:buFont typeface="Arial" panose="020B0604020202020204" pitchFamily="34" charset="0"/>
+              <a:buChar char="•"/>
+            </a:pPr>
+            <a:r>
+              <a:rPr lang="en-US" dirty="0"/>
+              <a:t>Re; late-time stabilization onset</a:t>
+            </a:r>
+          </a:p>
+          <a:p>
+            <a:pPr marL="628650" lvl="1" indent="-171450">
+              <a:buFont typeface="Arial" panose="020B0604020202020204" pitchFamily="34" charset="0"/>
+              <a:buChar char="•"/>
+            </a:pPr>
+            <a:r>
+              <a:rPr lang="en-US" dirty="0"/>
+              <a:t>Line-source keeps declining; numerical plateaus at boundary</a:t>
+            </a:r>
+          </a:p>
+          <a:p>
+            <a:pPr marL="171450" lvl="0" indent="-171450">
+              <a:buFont typeface="Arial" panose="020B0604020202020204" pitchFamily="34" charset="0"/>
+              <a:buChar char="•"/>
+            </a:pPr>
             <a:endParaRPr lang="en-US" dirty="0"/>
           </a:p>
           <a:p>
@@ -1960,8 +1969,8 @@
               <a:buChar char="•"/>
             </a:pPr>
             <a:r>
-              <a:rPr lang="en-US" dirty="0"/>
-              <a:t>Implementation:</a:t>
+              <a:rPr lang="en-US" b="1" dirty="0"/>
+              <a:t>Implementation</a:t>
             </a:r>
           </a:p>
           <a:p>
@@ -1971,7 +1980,15 @@
             </a:pPr>
             <a:r>
               <a:rPr lang="en-US" dirty="0"/>
-              <a:t>Simple calculation using fitted re in SI units</a:t>
+              <a:t>‘</a:t>
+            </a:r>
+            <a:r>
+              <a:rPr lang="en-US" dirty="0" err="1"/>
+              <a:t>scipy.optimize.curve_fit</a:t>
+            </a:r>
+            <a:r>
+              <a:rPr lang="en-US" dirty="0"/>
+              <a:t>’ to find best fit parameters</a:t>
             </a:r>
           </a:p>
           <a:p>
@@ -1979,6 +1996,34 @@
               <a:buFont typeface="Arial" panose="020B0604020202020204" pitchFamily="34" charset="0"/>
               <a:buChar char="•"/>
             </a:pPr>
+            <a:r>
+              <a:rPr lang="en-US" dirty="0"/>
+              <a:t>Simulated well pressure vs measured</a:t>
+            </a:r>
+          </a:p>
+          <a:p>
+            <a:pPr marL="628650" lvl="1" indent="-171450">
+              <a:buFont typeface="Arial" panose="020B0604020202020204" pitchFamily="34" charset="0"/>
+              <a:buChar char="•"/>
+            </a:pPr>
+            <a:r>
+              <a:rPr lang="en-US" dirty="0"/>
+              <a:t>Analytical </a:t>
+            </a:r>
+            <a:r>
+              <a:rPr lang="en-US" dirty="0" err="1"/>
+              <a:t>theis</a:t>
+            </a:r>
+            <a:r>
+              <a:rPr lang="en-US" dirty="0"/>
+              <a:t> computed with fitted parameters</a:t>
+            </a:r>
+          </a:p>
+          <a:p>
+            <a:pPr marL="628650" lvl="1" indent="-171450">
+              <a:buFont typeface="Arial" panose="020B0604020202020204" pitchFamily="34" charset="0"/>
+              <a:buChar char="•"/>
+            </a:pPr>
             <a:endParaRPr lang="en-US" dirty="0"/>
           </a:p>
           <a:p>
@@ -1987,8 +2032,12 @@
               <a:buChar char="•"/>
             </a:pPr>
             <a:r>
-              <a:rPr lang="en-US" dirty="0"/>
-              <a:t>Results:</a:t>
+              <a:rPr lang="en-US" b="1" dirty="0"/>
+              <a:t>Results</a:t>
+            </a:r>
+            <a:r>
+              <a:rPr lang="en-US" dirty="0"/>
+              <a:t>:</a:t>
             </a:r>
           </a:p>
           <a:p>
@@ -1998,7 +2047,7 @@
             </a:pPr>
             <a:r>
               <a:rPr lang="en-US" dirty="0"/>
-              <a:t>Reservoir volume derived</a:t>
+              <a:t>Early/intermediate match is good for both line-source and numerical</a:t>
             </a:r>
           </a:p>
           <a:p>
@@ -2008,7 +2057,7 @@
             </a:pPr>
             <a:r>
               <a:rPr lang="en-US" dirty="0"/>
-              <a:t>Meaningful value consistent with late-time pressure</a:t>
+              <a:t>Numerical curve levels off at late time (boundary felt)</a:t>
             </a:r>
           </a:p>
           <a:p>
@@ -2018,15 +2067,8 @@
             </a:pPr>
             <a:r>
               <a:rPr lang="en-US" dirty="0"/>
-              <a:t>Assumes full saturation</a:t>
-            </a:r>
-          </a:p>
-          <a:p>
-            <a:pPr marL="1085850" lvl="2" indent="-171450">
-              <a:buFont typeface="Arial" panose="020B0604020202020204" pitchFamily="34" charset="0"/>
-              <a:buChar char="•"/>
-            </a:pPr>
-            <a:endParaRPr lang="en-US" dirty="0"/>
+              <a:t>Fitted parameters consistent with expected behavior)</a:t>
+            </a:r>
           </a:p>
           <a:p>
             <a:pPr marL="1085850" lvl="2" indent="-171450">
@@ -2063,7 +2105,7 @@
     </p:spTree>
     <p:extLst>
       <p:ext uri="{BB962C8B-B14F-4D97-AF65-F5344CB8AC3E}">
-        <p14:creationId xmlns:p14="http://schemas.microsoft.com/office/powerpoint/2010/main" val="2280638384"/>
+        <p14:creationId xmlns:p14="http://schemas.microsoft.com/office/powerpoint/2010/main" val="3063719613"/>
       </p:ext>
     </p:extLst>
   </p:cSld>
@@ -2118,18 +2160,166 @@
           <a:lstStyle/>
           <a:p>
             <a:pPr marL="171450" indent="-171450">
-              <a:buFontTx/>
-              <a:buChar char="-"/>
-            </a:pPr>
-            <a:r>
-              <a:rPr lang="en-US" dirty="0"/>
-              <a:t>Reservoir does not change over time</a:t>
-            </a:r>
-          </a:p>
-          <a:p>
-            <a:pPr marL="171450" indent="-171450">
-              <a:buFontTx/>
-              <a:buChar char="-"/>
+              <a:buFont typeface="Arial" panose="020B0604020202020204" pitchFamily="34" charset="0"/>
+              <a:buChar char="•"/>
+            </a:pPr>
+            <a:r>
+              <a:rPr lang="en-US" b="1" dirty="0"/>
+              <a:t>Exercise objective:</a:t>
+            </a:r>
+          </a:p>
+          <a:p>
+            <a:pPr marL="628650" lvl="1" indent="-171450">
+              <a:buFont typeface="Arial" panose="020B0604020202020204" pitchFamily="34" charset="0"/>
+              <a:buChar char="•"/>
+            </a:pPr>
+            <a:r>
+              <a:rPr lang="en-US" dirty="0"/>
+              <a:t>Calculate total water volume for fitted re</a:t>
+            </a:r>
+          </a:p>
+          <a:p>
+            <a:pPr marL="628650" lvl="1" indent="-171450">
+              <a:buFont typeface="Arial" panose="020B0604020202020204" pitchFamily="34" charset="0"/>
+              <a:buChar char="•"/>
+            </a:pPr>
+            <a:endParaRPr lang="en-US" dirty="0"/>
+          </a:p>
+          <a:p>
+            <a:pPr marL="171450" lvl="0" indent="-171450">
+              <a:buFont typeface="Arial" panose="020B0604020202020204" pitchFamily="34" charset="0"/>
+              <a:buChar char="•"/>
+            </a:pPr>
+            <a:r>
+              <a:rPr lang="en-US" b="1" dirty="0"/>
+              <a:t>Theory:</a:t>
+            </a:r>
+          </a:p>
+          <a:p>
+            <a:pPr marL="628650" lvl="1" indent="-171450">
+              <a:buFont typeface="Arial" panose="020B0604020202020204" pitchFamily="34" charset="0"/>
+              <a:buChar char="•"/>
+            </a:pPr>
+            <a:r>
+              <a:rPr lang="en-US" dirty="0"/>
+              <a:t>V = </a:t>
+            </a:r>
+            <a:r>
+              <a:rPr lang="el-GR" dirty="0"/>
+              <a:t>ϕπ(</a:t>
+            </a:r>
+            <a:r>
+              <a:rPr lang="en-US" dirty="0"/>
+              <a:t>re2​−rw2​)h</a:t>
+            </a:r>
+          </a:p>
+          <a:p>
+            <a:pPr marL="1085850" lvl="2" indent="-171450">
+              <a:buFont typeface="Arial" panose="020B0604020202020204" pitchFamily="34" charset="0"/>
+              <a:buChar char="•"/>
+            </a:pPr>
+            <a:r>
+              <a:rPr lang="en-US" dirty="0"/>
+              <a:t>Assuming porosity </a:t>
+            </a:r>
+            <a:r>
+              <a:rPr lang="el-GR" dirty="0"/>
+              <a:t>ϕ</a:t>
+            </a:r>
+            <a:r>
+              <a:rPr lang="en-US" dirty="0"/>
+              <a:t> (phi) and fully water saturated</a:t>
+            </a:r>
+          </a:p>
+          <a:p>
+            <a:pPr marL="1085850" lvl="2" indent="-171450">
+              <a:buFont typeface="Arial" panose="020B0604020202020204" pitchFamily="34" charset="0"/>
+              <a:buChar char="•"/>
+            </a:pPr>
+            <a:endParaRPr lang="en-US" dirty="0"/>
+          </a:p>
+          <a:p>
+            <a:pPr marL="171450" lvl="0" indent="-171450">
+              <a:buFont typeface="Arial" panose="020B0604020202020204" pitchFamily="34" charset="0"/>
+              <a:buChar char="•"/>
+            </a:pPr>
+            <a:r>
+              <a:rPr lang="en-US" b="1" dirty="0"/>
+              <a:t>Implementation:</a:t>
+            </a:r>
+          </a:p>
+          <a:p>
+            <a:pPr marL="628650" lvl="1" indent="-171450">
+              <a:buFont typeface="Arial" panose="020B0604020202020204" pitchFamily="34" charset="0"/>
+              <a:buChar char="•"/>
+            </a:pPr>
+            <a:r>
+              <a:rPr lang="en-US" dirty="0"/>
+              <a:t>Simple calculation using fitted re in SI units</a:t>
+            </a:r>
+          </a:p>
+          <a:p>
+            <a:pPr marL="628650" lvl="1" indent="-171450">
+              <a:buFont typeface="Arial" panose="020B0604020202020204" pitchFamily="34" charset="0"/>
+              <a:buChar char="•"/>
+            </a:pPr>
+            <a:endParaRPr lang="en-US" dirty="0"/>
+          </a:p>
+          <a:p>
+            <a:pPr marL="171450" lvl="0" indent="-171450">
+              <a:buFont typeface="Arial" panose="020B0604020202020204" pitchFamily="34" charset="0"/>
+              <a:buChar char="•"/>
+            </a:pPr>
+            <a:r>
+              <a:rPr lang="en-US" b="1" dirty="0"/>
+              <a:t>Results</a:t>
+            </a:r>
+            <a:r>
+              <a:rPr lang="en-US" dirty="0"/>
+              <a:t>:</a:t>
+            </a:r>
+          </a:p>
+          <a:p>
+            <a:pPr marL="628650" lvl="1" indent="-171450">
+              <a:buFont typeface="Arial" panose="020B0604020202020204" pitchFamily="34" charset="0"/>
+              <a:buChar char="•"/>
+            </a:pPr>
+            <a:r>
+              <a:rPr lang="en-US" dirty="0"/>
+              <a:t>Reservoir volume derived</a:t>
+            </a:r>
+          </a:p>
+          <a:p>
+            <a:pPr marL="628650" lvl="1" indent="-171450">
+              <a:buFont typeface="Arial" panose="020B0604020202020204" pitchFamily="34" charset="0"/>
+              <a:buChar char="•"/>
+            </a:pPr>
+            <a:r>
+              <a:rPr lang="en-US" dirty="0"/>
+              <a:t>Meaningful value consistent with late-time pressure</a:t>
+            </a:r>
+          </a:p>
+          <a:p>
+            <a:pPr marL="628650" lvl="1" indent="-171450">
+              <a:buFont typeface="Arial" panose="020B0604020202020204" pitchFamily="34" charset="0"/>
+              <a:buChar char="•"/>
+            </a:pPr>
+            <a:r>
+              <a:rPr lang="en-US" dirty="0"/>
+              <a:t>Assumes full saturation</a:t>
+            </a:r>
+          </a:p>
+          <a:p>
+            <a:pPr marL="1085850" lvl="2" indent="-171450">
+              <a:buFont typeface="Arial" panose="020B0604020202020204" pitchFamily="34" charset="0"/>
+              <a:buChar char="•"/>
+            </a:pPr>
+            <a:endParaRPr lang="en-US" dirty="0"/>
+          </a:p>
+          <a:p>
+            <a:pPr marL="1085850" lvl="2" indent="-171450">
+              <a:buFont typeface="Arial" panose="020B0604020202020204" pitchFamily="34" charset="0"/>
+              <a:buChar char="•"/>
             </a:pPr>
             <a:endParaRPr lang="en-US" dirty="0"/>
           </a:p>
@@ -2161,7 +2351,7 @@
     </p:spTree>
     <p:extLst>
       <p:ext uri="{BB962C8B-B14F-4D97-AF65-F5344CB8AC3E}">
-        <p14:creationId xmlns:p14="http://schemas.microsoft.com/office/powerpoint/2010/main" val="1187679587"/>
+        <p14:creationId xmlns:p14="http://schemas.microsoft.com/office/powerpoint/2010/main" val="2280638384"/>
       </p:ext>
     </p:extLst>
   </p:cSld>
@@ -2220,197 +2410,35 @@
               <a:buChar char="•"/>
             </a:pPr>
             <a:r>
-              <a:rPr lang="en-US" dirty="0"/>
-              <a:t>Exercise 1:</a:t>
-            </a:r>
-          </a:p>
-          <a:p>
-            <a:pPr marL="628650" lvl="1" indent="-171450">
-              <a:buFont typeface="Arial" panose="020B0604020202020204" pitchFamily="34" charset="0"/>
-              <a:buChar char="•"/>
-            </a:pPr>
-            <a:r>
-              <a:rPr lang="en-US" dirty="0"/>
-              <a:t>Analytical steady-state solution derived</a:t>
-            </a:r>
-          </a:p>
-          <a:p>
-            <a:pPr marL="1085850" lvl="2" indent="-171450">
-              <a:buFont typeface="Arial" panose="020B0604020202020204" pitchFamily="34" charset="0"/>
-              <a:buChar char="•"/>
-            </a:pPr>
-            <a:r>
-              <a:rPr lang="en-US" dirty="0"/>
-              <a:t>Lazy BC gives first order error</a:t>
-            </a:r>
-          </a:p>
-          <a:p>
-            <a:pPr marL="1085850" lvl="2" indent="-171450">
-              <a:buFont typeface="Arial" panose="020B0604020202020204" pitchFamily="34" charset="0"/>
-              <a:buChar char="•"/>
-            </a:pPr>
-            <a:r>
-              <a:rPr lang="en-US" dirty="0"/>
-              <a:t>Not-so-lazy BC gives second order error</a:t>
-            </a:r>
-          </a:p>
-          <a:p>
-            <a:pPr marL="1543050" lvl="3" indent="-171450">
-              <a:buFont typeface="Arial" panose="020B0604020202020204" pitchFamily="34" charset="0"/>
-              <a:buChar char="•"/>
-            </a:pPr>
-            <a:r>
-              <a:rPr lang="en-US" dirty="0"/>
-              <a:t>exact match in our project</a:t>
-            </a:r>
-          </a:p>
-          <a:p>
-            <a:pPr marL="1085850" lvl="2" indent="-171450">
-              <a:buFont typeface="Arial" panose="020B0604020202020204" pitchFamily="34" charset="0"/>
-              <a:buChar char="•"/>
+              <a:rPr lang="en-US" b="1" dirty="0"/>
+              <a:t>Homogenous reservoir: </a:t>
+            </a:r>
+            <a:r>
+              <a:rPr lang="en-US" dirty="0"/>
+              <a:t>Reservoir does not change over time</a:t>
+            </a:r>
+          </a:p>
+          <a:p>
+            <a:pPr marL="171450" indent="-171450">
+              <a:buFont typeface="Arial" panose="020B0604020202020204" pitchFamily="34" charset="0"/>
+              <a:buChar char="•"/>
+            </a:pPr>
+            <a:r>
+              <a:rPr lang="en-US" b="1" dirty="0"/>
+              <a:t>No skin or wellbore storage: </a:t>
+            </a:r>
+            <a:r>
+              <a:rPr lang="en-US" b="0" dirty="0"/>
+              <a:t>No fluid expansion in the wellbore (storage) and no near-wall damage/stimulation which will affect (skin)</a:t>
+            </a:r>
+            <a:endParaRPr lang="en-US" b="1" dirty="0"/>
+          </a:p>
+          <a:p>
+            <a:pPr marL="171450" indent="-171450">
+              <a:buFontTx/>
+              <a:buChar char="-"/>
             </a:pPr>
             <a:endParaRPr lang="en-US" dirty="0"/>
-          </a:p>
-          <a:p>
-            <a:pPr marL="171450" lvl="0" indent="-171450">
-              <a:buFont typeface="Arial" panose="020B0604020202020204" pitchFamily="34" charset="0"/>
-              <a:buChar char="•"/>
-            </a:pPr>
-            <a:r>
-              <a:rPr lang="en-US" dirty="0"/>
-              <a:t>Exercise 2:</a:t>
-            </a:r>
-          </a:p>
-          <a:p>
-            <a:pPr marL="628650" lvl="1" indent="-171450">
-              <a:buFont typeface="Arial" panose="020B0604020202020204" pitchFamily="34" charset="0"/>
-              <a:buChar char="•"/>
-            </a:pPr>
-            <a:r>
-              <a:rPr lang="en-US" dirty="0"/>
-              <a:t>Implicit transient solver correctly constructed and validated</a:t>
-            </a:r>
-          </a:p>
-          <a:p>
-            <a:pPr marL="628650" lvl="1" indent="-171450">
-              <a:buFont typeface="Arial" panose="020B0604020202020204" pitchFamily="34" charset="0"/>
-              <a:buChar char="•"/>
-            </a:pPr>
-            <a:endParaRPr lang="en-US" dirty="0"/>
-          </a:p>
-          <a:p>
-            <a:pPr marL="171450" lvl="0" indent="-171450">
-              <a:buFont typeface="Arial" panose="020B0604020202020204" pitchFamily="34" charset="0"/>
-              <a:buChar char="•"/>
-            </a:pPr>
-            <a:r>
-              <a:rPr lang="en-US" dirty="0"/>
-              <a:t>Exercise 3:</a:t>
-            </a:r>
-          </a:p>
-          <a:p>
-            <a:pPr marL="628650" lvl="1" indent="-171450">
-              <a:buFont typeface="Arial" panose="020B0604020202020204" pitchFamily="34" charset="0"/>
-              <a:buChar char="•"/>
-            </a:pPr>
-            <a:r>
-              <a:rPr lang="en-US" dirty="0"/>
-              <a:t>Numerical solution matches Theis in intermediate times and correctly deviates at late times when boundary is felt</a:t>
-            </a:r>
-          </a:p>
-          <a:p>
-            <a:pPr marL="628650" lvl="1" indent="-171450">
-              <a:buFont typeface="Arial" panose="020B0604020202020204" pitchFamily="34" charset="0"/>
-              <a:buChar char="•"/>
-            </a:pPr>
-            <a:r>
-              <a:rPr lang="en-US" dirty="0"/>
-              <a:t>Thomas algorithm offers best performance at large N</a:t>
-            </a:r>
-          </a:p>
-          <a:p>
-            <a:pPr marL="1085850" lvl="2" indent="-171450">
-              <a:buFont typeface="Arial" panose="020B0604020202020204" pitchFamily="34" charset="0"/>
-              <a:buChar char="•"/>
-            </a:pPr>
-            <a:r>
-              <a:rPr lang="en-US" dirty="0"/>
-              <a:t>Although, expected better</a:t>
-            </a:r>
-          </a:p>
-          <a:p>
-            <a:pPr marL="171450" lvl="0" indent="-171450">
-              <a:buFont typeface="Arial" panose="020B0604020202020204" pitchFamily="34" charset="0"/>
-              <a:buChar char="•"/>
-            </a:pPr>
-            <a:endParaRPr lang="en-US" dirty="0"/>
-          </a:p>
-          <a:p>
-            <a:pPr marL="171450" lvl="0" indent="-171450">
-              <a:buFont typeface="Arial" panose="020B0604020202020204" pitchFamily="34" charset="0"/>
-              <a:buChar char="•"/>
-            </a:pPr>
-            <a:r>
-              <a:rPr lang="en-US" dirty="0"/>
-              <a:t>Exercise 4:</a:t>
-            </a:r>
-          </a:p>
-          <a:p>
-            <a:pPr marL="628650" lvl="1" indent="-171450">
-              <a:buFont typeface="Arial" panose="020B0604020202020204" pitchFamily="34" charset="0"/>
-              <a:buChar char="•"/>
-            </a:pPr>
-            <a:r>
-              <a:rPr lang="en-US" dirty="0"/>
-              <a:t>Well test data successfully fitted for k, pi and re</a:t>
-            </a:r>
-          </a:p>
-          <a:p>
-            <a:pPr marL="628650" lvl="1" indent="-171450">
-              <a:buFont typeface="Arial" panose="020B0604020202020204" pitchFamily="34" charset="0"/>
-              <a:buChar char="•"/>
-            </a:pPr>
-            <a:r>
-              <a:rPr lang="en-US" dirty="0"/>
-              <a:t>Numerical model reproduces real well behavior including boundary effects</a:t>
-            </a:r>
-          </a:p>
-          <a:p>
-            <a:pPr marL="628650" lvl="1" indent="-171450">
-              <a:buFont typeface="Arial" panose="020B0604020202020204" pitchFamily="34" charset="0"/>
-              <a:buChar char="•"/>
-            </a:pPr>
-            <a:endParaRPr lang="en-US" dirty="0"/>
-          </a:p>
-          <a:p>
-            <a:pPr marL="171450" lvl="0" indent="-171450">
-              <a:buFont typeface="Arial" panose="020B0604020202020204" pitchFamily="34" charset="0"/>
-              <a:buChar char="•"/>
-            </a:pPr>
-            <a:r>
-              <a:rPr lang="en-US" dirty="0"/>
-              <a:t>Overall:</a:t>
-            </a:r>
-          </a:p>
-          <a:p>
-            <a:pPr marL="628650" lvl="1" indent="-171450">
-              <a:buFont typeface="Arial" panose="020B0604020202020204" pitchFamily="34" charset="0"/>
-              <a:buChar char="•"/>
-            </a:pPr>
-            <a:r>
-              <a:rPr lang="en-US" dirty="0"/>
-              <a:t>Theory and simulations are consistent</a:t>
-            </a:r>
-          </a:p>
-          <a:p>
-            <a:pPr marL="628650" lvl="1" indent="-171450">
-              <a:buFont typeface="Arial" panose="020B0604020202020204" pitchFamily="34" charset="0"/>
-              <a:buChar char="•"/>
-            </a:pPr>
-            <a:r>
-              <a:rPr lang="en-US" dirty="0"/>
-              <a:t>Project demonstrates accuracy and computational efficiency of chosen numerical method.</a:t>
-            </a:r>
           </a:p>
         </p:txBody>
       </p:sp>
@@ -2432,6 +2460,342 @@
             <a:fld id="{F7A439AA-4617-4627-B5F6-FFD7862B74B0}" type="slidenum">
               <a:rPr lang="en-US" smtClean="0"/>
               <a:t>14</a:t>
+            </a:fld>
+            <a:endParaRPr lang="en-US"/>
+          </a:p>
+        </p:txBody>
+      </p:sp>
+    </p:spTree>
+    <p:extLst>
+      <p:ext uri="{BB962C8B-B14F-4D97-AF65-F5344CB8AC3E}">
+        <p14:creationId xmlns:p14="http://schemas.microsoft.com/office/powerpoint/2010/main" val="1187679587"/>
+      </p:ext>
+    </p:extLst>
+  </p:cSld>
+  <p:clrMapOvr>
+    <a:masterClrMapping/>
+  </p:clrMapOvr>
+</p:notes>
+</file>
+
+<file path=ppt/notesSlides/notesSlide14.xml><?xml version="1.0" encoding="utf-8"?>
+<p:notes xmlns:a="http://schemas.openxmlformats.org/drawingml/2006/main" xmlns:r="http://schemas.openxmlformats.org/officeDocument/2006/relationships" xmlns:p="http://schemas.openxmlformats.org/presentationml/2006/main">
+  <p:cSld>
+    <p:spTree>
+      <p:nvGrpSpPr>
+        <p:cNvPr id="1" name=""/>
+        <p:cNvGrpSpPr/>
+        <p:nvPr/>
+      </p:nvGrpSpPr>
+      <p:grpSpPr>
+        <a:xfrm>
+          <a:off x="0" y="0"/>
+          <a:ext cx="0" cy="0"/>
+          <a:chOff x="0" y="0"/>
+          <a:chExt cx="0" cy="0"/>
+        </a:xfrm>
+      </p:grpSpPr>
+      <p:sp>
+        <p:nvSpPr>
+          <p:cNvPr id="2" name="Plassholder for lysbilde 1"/>
+          <p:cNvSpPr>
+            <a:spLocks noGrp="1" noRot="1" noChangeAspect="1"/>
+          </p:cNvSpPr>
+          <p:nvPr>
+            <p:ph type="sldImg"/>
+          </p:nvPr>
+        </p:nvSpPr>
+        <p:spPr/>
+      </p:sp>
+      <p:sp>
+        <p:nvSpPr>
+          <p:cNvPr id="3" name="Plassholder for notater 2"/>
+          <p:cNvSpPr>
+            <a:spLocks noGrp="1"/>
+          </p:cNvSpPr>
+          <p:nvPr>
+            <p:ph type="body" idx="1"/>
+          </p:nvPr>
+        </p:nvSpPr>
+        <p:spPr/>
+        <p:txBody>
+          <a:bodyPr/>
+          <a:lstStyle/>
+          <a:p>
+            <a:pPr marL="171450" lvl="0" indent="-171450">
+              <a:buFont typeface="Arial" panose="020B0604020202020204" pitchFamily="34" charset="0"/>
+              <a:buChar char="•"/>
+            </a:pPr>
+            <a:r>
+              <a:rPr lang="en-US" b="1" dirty="0"/>
+              <a:t>Overall:</a:t>
+            </a:r>
+          </a:p>
+          <a:p>
+            <a:pPr marL="628650" lvl="1" indent="-171450">
+              <a:buFont typeface="Arial" panose="020B0604020202020204" pitchFamily="34" charset="0"/>
+              <a:buChar char="•"/>
+            </a:pPr>
+            <a:r>
+              <a:rPr lang="en-US" dirty="0"/>
+              <a:t>Project integrates theory, numerical models and real data into a modeling workflow for radial flow in a reservoir</a:t>
+            </a:r>
+          </a:p>
+          <a:p>
+            <a:pPr marL="628650" lvl="1" indent="-171450">
+              <a:buFont typeface="Arial" panose="020B0604020202020204" pitchFamily="34" charset="0"/>
+              <a:buChar char="•"/>
+            </a:pPr>
+            <a:r>
+              <a:rPr lang="en-US" dirty="0"/>
+              <a:t>We see that theory and simulations are consistent</a:t>
+            </a:r>
+          </a:p>
+          <a:p>
+            <a:pPr marL="628650" lvl="1" indent="-171450">
+              <a:buFont typeface="Arial" panose="020B0604020202020204" pitchFamily="34" charset="0"/>
+              <a:buChar char="•"/>
+            </a:pPr>
+            <a:r>
+              <a:rPr lang="en-US" dirty="0"/>
+              <a:t>The project demonstrates accuracy and computational efficiency of chosen numerical method.</a:t>
+            </a:r>
+          </a:p>
+          <a:p>
+            <a:pPr marL="628650" lvl="1" indent="-171450">
+              <a:buFont typeface="Arial" panose="020B0604020202020204" pitchFamily="34" charset="0"/>
+              <a:buChar char="•"/>
+            </a:pPr>
+            <a:endParaRPr lang="en-US" dirty="0"/>
+          </a:p>
+          <a:p>
+            <a:pPr marL="171450" indent="-171450">
+              <a:buFont typeface="Arial" panose="020B0604020202020204" pitchFamily="34" charset="0"/>
+              <a:buChar char="•"/>
+            </a:pPr>
+            <a:r>
+              <a:rPr lang="en-US" b="1" dirty="0"/>
+              <a:t>Exercise 1:</a:t>
+            </a:r>
+          </a:p>
+          <a:p>
+            <a:pPr marL="628650" lvl="1" indent="-171450">
+              <a:buFont typeface="Arial" panose="020B0604020202020204" pitchFamily="34" charset="0"/>
+              <a:buChar char="•"/>
+            </a:pPr>
+            <a:r>
+              <a:rPr lang="en-US" dirty="0"/>
+              <a:t>Analytical steady-state solution derived</a:t>
+            </a:r>
+          </a:p>
+          <a:p>
+            <a:pPr marL="628650" lvl="1" indent="-171450">
+              <a:buFont typeface="Arial" panose="020B0604020202020204" pitchFamily="34" charset="0"/>
+              <a:buChar char="•"/>
+            </a:pPr>
+            <a:r>
+              <a:rPr lang="en-US" dirty="0"/>
+              <a:t>We show how boundary condition choice affects error order</a:t>
+            </a:r>
+          </a:p>
+          <a:p>
+            <a:pPr marL="1085850" lvl="2" indent="-171450">
+              <a:buFont typeface="Arial" panose="020B0604020202020204" pitchFamily="34" charset="0"/>
+              <a:buChar char="•"/>
+            </a:pPr>
+            <a:r>
+              <a:rPr lang="en-US" dirty="0"/>
+              <a:t>Lazy BC gives first order error</a:t>
+            </a:r>
+          </a:p>
+          <a:p>
+            <a:pPr marL="1085850" lvl="2" indent="-171450">
+              <a:buFont typeface="Arial" panose="020B0604020202020204" pitchFamily="34" charset="0"/>
+              <a:buChar char="•"/>
+            </a:pPr>
+            <a:r>
+              <a:rPr lang="en-US" dirty="0"/>
+              <a:t>Not-so-lazy BC gives second order error</a:t>
+            </a:r>
+          </a:p>
+          <a:p>
+            <a:pPr marL="1543050" lvl="3" indent="-171450">
+              <a:buFont typeface="Arial" panose="020B0604020202020204" pitchFamily="34" charset="0"/>
+              <a:buChar char="•"/>
+            </a:pPr>
+            <a:r>
+              <a:rPr lang="en-US" dirty="0"/>
+              <a:t>exact match to analytical solution</a:t>
+            </a:r>
+          </a:p>
+          <a:p>
+            <a:pPr marL="1085850" lvl="2" indent="-171450">
+              <a:buFont typeface="Arial" panose="020B0604020202020204" pitchFamily="34" charset="0"/>
+              <a:buChar char="•"/>
+            </a:pPr>
+            <a:endParaRPr lang="en-US" dirty="0"/>
+          </a:p>
+          <a:p>
+            <a:pPr marL="171450" lvl="0" indent="-171450">
+              <a:buFont typeface="Arial" panose="020B0604020202020204" pitchFamily="34" charset="0"/>
+              <a:buChar char="•"/>
+            </a:pPr>
+            <a:r>
+              <a:rPr lang="en-US" b="1" dirty="0"/>
+              <a:t>Exercise 2:</a:t>
+            </a:r>
+          </a:p>
+          <a:p>
+            <a:pPr marL="628650" lvl="1" indent="-171450">
+              <a:buFont typeface="Arial" panose="020B0604020202020204" pitchFamily="34" charset="0"/>
+              <a:buChar char="•"/>
+            </a:pPr>
+            <a:r>
+              <a:rPr lang="en-US" dirty="0"/>
+              <a:t>We built a robust implicit transient solver </a:t>
+            </a:r>
+          </a:p>
+          <a:p>
+            <a:pPr marL="628650" lvl="1" indent="-171450">
+              <a:buFont typeface="Arial" panose="020B0604020202020204" pitchFamily="34" charset="0"/>
+              <a:buChar char="•"/>
+            </a:pPr>
+            <a:r>
+              <a:rPr lang="en-US" dirty="0"/>
+              <a:t>We verify the stability and matrix structure</a:t>
+            </a:r>
+          </a:p>
+          <a:p>
+            <a:pPr marL="628650" lvl="1" indent="-171450">
+              <a:buFont typeface="Arial" panose="020B0604020202020204" pitchFamily="34" charset="0"/>
+              <a:buChar char="•"/>
+            </a:pPr>
+            <a:endParaRPr lang="en-US" dirty="0"/>
+          </a:p>
+          <a:p>
+            <a:pPr marL="171450" lvl="0" indent="-171450">
+              <a:buFont typeface="Arial" panose="020B0604020202020204" pitchFamily="34" charset="0"/>
+              <a:buChar char="•"/>
+            </a:pPr>
+            <a:r>
+              <a:rPr lang="en-US" b="1" dirty="0"/>
+              <a:t>Exercise 3:</a:t>
+            </a:r>
+          </a:p>
+          <a:p>
+            <a:pPr marL="628650" lvl="1" indent="-171450">
+              <a:buFont typeface="Arial" panose="020B0604020202020204" pitchFamily="34" charset="0"/>
+              <a:buChar char="•"/>
+            </a:pPr>
+            <a:r>
+              <a:rPr lang="en-US" dirty="0"/>
+              <a:t>Numerical solution matches Theis in intermediate times and correctly deviates at late times when boundary is felt (as expected)</a:t>
+            </a:r>
+          </a:p>
+          <a:p>
+            <a:pPr marL="628650" lvl="1" indent="-171450">
+              <a:buFont typeface="Arial" panose="020B0604020202020204" pitchFamily="34" charset="0"/>
+              <a:buChar char="•"/>
+            </a:pPr>
+            <a:r>
+              <a:rPr lang="en-US" dirty="0"/>
+              <a:t>Solver timing confirm theoretical performance</a:t>
+            </a:r>
+          </a:p>
+          <a:p>
+            <a:pPr marL="1085850" lvl="2" indent="-171450">
+              <a:buFont typeface="Arial" panose="020B0604020202020204" pitchFamily="34" charset="0"/>
+              <a:buChar char="•"/>
+            </a:pPr>
+            <a:r>
+              <a:rPr lang="en-US" dirty="0"/>
+              <a:t>Thomas algorithm offers best performance at large N</a:t>
+            </a:r>
+          </a:p>
+          <a:p>
+            <a:pPr marL="1543050" lvl="3" indent="-171450">
+              <a:buFont typeface="Arial" panose="020B0604020202020204" pitchFamily="34" charset="0"/>
+              <a:buChar char="•"/>
+            </a:pPr>
+            <a:r>
+              <a:rPr lang="en-US" dirty="0"/>
+              <a:t>Although, expected better results/larger difference from SciPy</a:t>
+            </a:r>
+          </a:p>
+          <a:p>
+            <a:pPr marL="171450" lvl="0" indent="-171450">
+              <a:buFont typeface="Arial" panose="020B0604020202020204" pitchFamily="34" charset="0"/>
+              <a:buChar char="•"/>
+            </a:pPr>
+            <a:endParaRPr lang="en-US" dirty="0"/>
+          </a:p>
+          <a:p>
+            <a:pPr marL="171450" lvl="0" indent="-171450">
+              <a:buFont typeface="Arial" panose="020B0604020202020204" pitchFamily="34" charset="0"/>
+              <a:buChar char="•"/>
+            </a:pPr>
+            <a:r>
+              <a:rPr lang="en-US" b="1" dirty="0"/>
+              <a:t>Exercise 4:</a:t>
+            </a:r>
+          </a:p>
+          <a:p>
+            <a:pPr marL="628650" lvl="1" indent="-171450">
+              <a:buFont typeface="Arial" panose="020B0604020202020204" pitchFamily="34" charset="0"/>
+              <a:buChar char="•"/>
+            </a:pPr>
+            <a:r>
+              <a:rPr lang="en-US" dirty="0"/>
+              <a:t>Real well test data successfully fitted for k, pi and re</a:t>
+            </a:r>
+          </a:p>
+          <a:p>
+            <a:pPr marL="628650" lvl="1" indent="-171450">
+              <a:buFont typeface="Arial" panose="020B0604020202020204" pitchFamily="34" charset="0"/>
+              <a:buChar char="•"/>
+            </a:pPr>
+            <a:r>
+              <a:rPr lang="en-US" dirty="0"/>
+              <a:t>Numerical model reproduces real well behavior including boundary effects at late times</a:t>
+            </a:r>
+          </a:p>
+          <a:p>
+            <a:pPr marL="628650" lvl="1" indent="-171450">
+              <a:buFont typeface="Arial" panose="020B0604020202020204" pitchFamily="34" charset="0"/>
+              <a:buChar char="•"/>
+            </a:pPr>
+            <a:r>
+              <a:rPr lang="en-US" dirty="0"/>
+              <a:t>Reservoir volume captured from fitted data</a:t>
+            </a:r>
+          </a:p>
+          <a:p>
+            <a:pPr marL="628650" lvl="1" indent="-171450">
+              <a:buFont typeface="Arial" panose="020B0604020202020204" pitchFamily="34" charset="0"/>
+              <a:buChar char="•"/>
+            </a:pPr>
+            <a:endParaRPr lang="en-US" dirty="0"/>
+          </a:p>
+        </p:txBody>
+      </p:sp>
+      <p:sp>
+        <p:nvSpPr>
+          <p:cNvPr id="4" name="Plassholder for lysbildenummer 3"/>
+          <p:cNvSpPr>
+            <a:spLocks noGrp="1"/>
+          </p:cNvSpPr>
+          <p:nvPr>
+            <p:ph type="sldNum" sz="quarter" idx="5"/>
+          </p:nvPr>
+        </p:nvSpPr>
+        <p:spPr/>
+        <p:txBody>
+          <a:bodyPr/>
+          <a:lstStyle/>
+          <a:p>
+            <a:fld id="{F7A439AA-4617-4627-B5F6-FFD7862B74B0}" type="slidenum">
+              <a:rPr lang="en-US" smtClean="0"/>
+              <a:t>15</a:t>
             </a:fld>
             <a:endParaRPr lang="en-US"/>
           </a:p>
@@ -2494,174 +2858,7 @@
           <a:bodyPr/>
           <a:lstStyle/>
           <a:p>
-            <a:pPr marL="171450" indent="-171450">
-              <a:buFont typeface="Arial" panose="020B0604020202020204" pitchFamily="34" charset="0"/>
-              <a:buChar char="•"/>
-            </a:pPr>
-            <a:r>
-              <a:rPr lang="en-US" b="1" dirty="0"/>
-              <a:t>Objective: </a:t>
-            </a:r>
-            <a:r>
-              <a:rPr lang="en-US" dirty="0"/>
-              <a:t>To Model pressure behavior in a radial reservoir using both analytical and numerical approaches, and verify numerical accuracy and performance through comparison to theory and well test data</a:t>
-            </a:r>
-          </a:p>
-          <a:p>
-            <a:pPr marL="171450" indent="-171450">
-              <a:buFont typeface="Arial" panose="020B0604020202020204" pitchFamily="34" charset="0"/>
-              <a:buChar char="•"/>
-            </a:pPr>
             <a:endParaRPr lang="en-US" dirty="0"/>
-          </a:p>
-          <a:p>
-            <a:pPr marL="171450" indent="-171450">
-              <a:buFont typeface="Arial" panose="020B0604020202020204" pitchFamily="34" charset="0"/>
-              <a:buChar char="•"/>
-            </a:pPr>
-            <a:r>
-              <a:rPr lang="en-US" b="1" dirty="0"/>
-              <a:t>Problem basis: </a:t>
-            </a:r>
-            <a:r>
-              <a:rPr lang="en-US" dirty="0"/>
-              <a:t>Single-phase flow in a homogenous, isotropic reservoir with constant properties. Flow toward a vertical well</a:t>
-            </a:r>
-          </a:p>
-          <a:p>
-            <a:pPr marL="171450" indent="-171450">
-              <a:buFont typeface="Arial" panose="020B0604020202020204" pitchFamily="34" charset="0"/>
-              <a:buChar char="•"/>
-            </a:pPr>
-            <a:endParaRPr lang="en-US" dirty="0"/>
-          </a:p>
-          <a:p>
-            <a:pPr marL="171450" indent="-171450">
-              <a:buFont typeface="Arial" panose="020B0604020202020204" pitchFamily="34" charset="0"/>
-              <a:buChar char="•"/>
-            </a:pPr>
-            <a:r>
-              <a:rPr lang="en-US" b="1" dirty="0"/>
-              <a:t>Approach: </a:t>
-            </a:r>
-          </a:p>
-          <a:p>
-            <a:pPr marL="628650" lvl="1" indent="-171450">
-              <a:buFont typeface="Arial" panose="020B0604020202020204" pitchFamily="34" charset="0"/>
-              <a:buChar char="•"/>
-            </a:pPr>
-            <a:r>
-              <a:rPr lang="en-US" dirty="0"/>
-              <a:t>Derive and implement steady and transient pressure equations</a:t>
-            </a:r>
-          </a:p>
-          <a:p>
-            <a:pPr marL="628650" lvl="1" indent="-171450">
-              <a:buFont typeface="Arial" panose="020B0604020202020204" pitchFamily="34" charset="0"/>
-              <a:buChar char="•"/>
-            </a:pPr>
-            <a:r>
-              <a:rPr lang="en-US" dirty="0"/>
-              <a:t>Validate numerical solver vs analytical line-source solution</a:t>
-            </a:r>
-          </a:p>
-          <a:p>
-            <a:pPr marL="628650" lvl="1" indent="-171450">
-              <a:buFont typeface="Arial" panose="020B0604020202020204" pitchFamily="34" charset="0"/>
-              <a:buChar char="•"/>
-            </a:pPr>
-            <a:r>
-              <a:rPr lang="en-US" dirty="0"/>
-              <a:t>Benchmark solver performance for difference methods</a:t>
-            </a:r>
-          </a:p>
-          <a:p>
-            <a:pPr marL="628650" lvl="1" indent="-171450">
-              <a:buFont typeface="Arial" panose="020B0604020202020204" pitchFamily="34" charset="0"/>
-              <a:buChar char="•"/>
-            </a:pPr>
-            <a:r>
-              <a:rPr lang="en-US" dirty="0"/>
-              <a:t>Fit model parameters to real well test data</a:t>
-            </a:r>
-          </a:p>
-          <a:p>
-            <a:pPr marL="628650" lvl="1" indent="-171450">
-              <a:buFont typeface="Arial" panose="020B0604020202020204" pitchFamily="34" charset="0"/>
-              <a:buChar char="•"/>
-            </a:pPr>
-            <a:endParaRPr lang="en-US" dirty="0"/>
-          </a:p>
-          <a:p>
-            <a:pPr marL="171450" lvl="0" indent="-171450">
-              <a:buFont typeface="Arial" panose="020B0604020202020204" pitchFamily="34" charset="0"/>
-              <a:buChar char="•"/>
-            </a:pPr>
-            <a:r>
-              <a:rPr lang="en-US" b="1" dirty="0"/>
-              <a:t>Key methods:</a:t>
-            </a:r>
-          </a:p>
-          <a:p>
-            <a:pPr marL="628650" lvl="1" indent="-171450">
-              <a:buFont typeface="Arial" panose="020B0604020202020204" pitchFamily="34" charset="0"/>
-              <a:buChar char="•"/>
-            </a:pPr>
-            <a:r>
-              <a:rPr lang="en-US" dirty="0"/>
-              <a:t>Finite difference discretization</a:t>
-            </a:r>
-          </a:p>
-          <a:p>
-            <a:pPr marL="628650" lvl="1" indent="-171450">
-              <a:buFont typeface="Arial" panose="020B0604020202020204" pitchFamily="34" charset="0"/>
-              <a:buChar char="•"/>
-            </a:pPr>
-            <a:r>
-              <a:rPr lang="en-US" dirty="0"/>
-              <a:t>Implicit time stepping</a:t>
-            </a:r>
-          </a:p>
-          <a:p>
-            <a:pPr marL="628650" lvl="1" indent="-171450">
-              <a:buFont typeface="Arial" panose="020B0604020202020204" pitchFamily="34" charset="0"/>
-              <a:buChar char="•"/>
-            </a:pPr>
-            <a:r>
-              <a:rPr lang="en-US" dirty="0"/>
-              <a:t>Different linear solvers (dense, sparse, Thomas)</a:t>
-            </a:r>
-          </a:p>
-          <a:p>
-            <a:pPr marL="628650" lvl="1" indent="-171450">
-              <a:buFont typeface="Arial" panose="020B0604020202020204" pitchFamily="34" charset="0"/>
-              <a:buChar char="•"/>
-            </a:pPr>
-            <a:r>
-              <a:rPr lang="en-US" dirty="0"/>
-              <a:t>Curve fitting</a:t>
-            </a:r>
-          </a:p>
-          <a:p>
-            <a:pPr marL="628650" lvl="1" indent="-171450">
-              <a:buFont typeface="Arial" panose="020B0604020202020204" pitchFamily="34" charset="0"/>
-              <a:buChar char="•"/>
-            </a:pPr>
-            <a:endParaRPr lang="en-US" dirty="0"/>
-          </a:p>
-          <a:p>
-            <a:pPr marL="171450" lvl="0" indent="-171450">
-              <a:buFont typeface="Arial" panose="020B0604020202020204" pitchFamily="34" charset="0"/>
-              <a:buChar char="•"/>
-            </a:pPr>
-            <a:r>
-              <a:rPr lang="en-US" b="1" dirty="0"/>
-              <a:t>End goal: </a:t>
-            </a:r>
-            <a:r>
-              <a:rPr lang="en-US" dirty="0"/>
-              <a:t>Confirm theoretical accuracy and extract reservoir parameters from data</a:t>
-            </a:r>
           </a:p>
         </p:txBody>
       </p:sp>
@@ -2682,7 +2879,7 @@
           <a:p>
             <a:fld id="{F7A439AA-4617-4627-B5F6-FFD7862B74B0}" type="slidenum">
               <a:rPr lang="en-US" smtClean="0"/>
-              <a:t>3</a:t>
+              <a:t>2</a:t>
             </a:fld>
             <a:endParaRPr lang="en-US"/>
           </a:p>
@@ -2691,7 +2888,7 @@
     </p:spTree>
     <p:extLst>
       <p:ext uri="{BB962C8B-B14F-4D97-AF65-F5344CB8AC3E}">
-        <p14:creationId xmlns:p14="http://schemas.microsoft.com/office/powerpoint/2010/main" val="3051494919"/>
+        <p14:creationId xmlns:p14="http://schemas.microsoft.com/office/powerpoint/2010/main" val="4078324711"/>
       </p:ext>
     </p:extLst>
   </p:cSld>
@@ -2750,15 +2947,90 @@
               <a:buChar char="•"/>
             </a:pPr>
             <a:r>
-              <a:rPr lang="en-US" dirty="0"/>
-              <a:t>Task foundation: The entire project builds on the radial diffusivity equation (hydraulic diffusivity)</a:t>
-            </a:r>
+              <a:rPr lang="en-US" b="1" dirty="0"/>
+              <a:t>Objective: </a:t>
+            </a:r>
+          </a:p>
+          <a:p>
+            <a:pPr marL="628650" lvl="1" indent="-171450">
+              <a:buFont typeface="Arial" panose="020B0604020202020204" pitchFamily="34" charset="0"/>
+              <a:buChar char="•"/>
+            </a:pPr>
+            <a:r>
+              <a:rPr lang="en-US" dirty="0"/>
+              <a:t>To Model </a:t>
+            </a:r>
+            <a:r>
+              <a:rPr lang="en-US" b="1" dirty="0"/>
+              <a:t>pressure behavior in a radial reservoir </a:t>
+            </a:r>
+            <a:r>
+              <a:rPr lang="en-US" dirty="0"/>
+              <a:t>using both </a:t>
+            </a:r>
+            <a:r>
+              <a:rPr lang="en-US" b="1" dirty="0"/>
+              <a:t>analytical</a:t>
+            </a:r>
+            <a:r>
+              <a:rPr lang="en-US" dirty="0"/>
+              <a:t> (line-source) and </a:t>
+            </a:r>
+            <a:r>
+              <a:rPr lang="en-US" b="1" dirty="0"/>
+              <a:t>numerical</a:t>
+            </a:r>
+            <a:r>
+              <a:rPr lang="en-US" dirty="0"/>
+              <a:t> (finite-difference) approaches, and verify numerical accuracy and performance through comparison to theory and well test data</a:t>
+            </a:r>
+          </a:p>
+          <a:p>
+            <a:pPr marL="628650" lvl="1" indent="-171450">
+              <a:buFont typeface="Arial" panose="020B0604020202020204" pitchFamily="34" charset="0"/>
+              <a:buChar char="•"/>
+            </a:pPr>
+            <a:endParaRPr lang="en-US" dirty="0"/>
           </a:p>
           <a:p>
             <a:pPr marL="171450" indent="-171450">
               <a:buFont typeface="Arial" panose="020B0604020202020204" pitchFamily="34" charset="0"/>
               <a:buChar char="•"/>
             </a:pPr>
+            <a:r>
+              <a:rPr lang="en-US" b="1" dirty="0"/>
+              <a:t>Motivation</a:t>
+            </a:r>
+            <a:r>
+              <a:rPr lang="en-US" dirty="0"/>
+              <a:t>: </a:t>
+            </a:r>
+          </a:p>
+          <a:p>
+            <a:pPr marL="628650" lvl="1" indent="-171450">
+              <a:buFont typeface="Arial" panose="020B0604020202020204" pitchFamily="34" charset="0"/>
+              <a:buChar char="•"/>
+            </a:pPr>
+            <a:r>
+              <a:rPr lang="en-US" dirty="0"/>
+              <a:t>Pressure behavior is important for understanding reservoir performance, estimating permeability and production strategies</a:t>
+            </a:r>
+          </a:p>
+          <a:p>
+            <a:pPr marL="628650" lvl="1" indent="-171450">
+              <a:buFont typeface="Arial" panose="020B0604020202020204" pitchFamily="34" charset="0"/>
+              <a:buChar char="•"/>
+            </a:pPr>
+            <a:r>
+              <a:rPr lang="en-US" dirty="0"/>
+              <a:t>Numerical methods allow us to model realistic cases beyond what analytical solutions can do</a:t>
+            </a:r>
+          </a:p>
+          <a:p>
+            <a:pPr marL="171450" indent="-171450">
+              <a:buFont typeface="Arial" panose="020B0604020202020204" pitchFamily="34" charset="0"/>
+              <a:buChar char="•"/>
+            </a:pPr>
             <a:endParaRPr lang="en-US" dirty="0"/>
           </a:p>
           <a:p>
@@ -2767,8 +3039,8 @@
               <a:buChar char="•"/>
             </a:pPr>
             <a:r>
-              <a:rPr lang="en-US" dirty="0"/>
-              <a:t>Transformation: To simplify the Partial Differential Equation, the project uses logarithmic coordinate which converts the radial operator into a constant-coefficient second derivative </a:t>
+              <a:rPr lang="en-US" b="1" dirty="0"/>
+              <a:t>Problem basis: </a:t>
             </a:r>
           </a:p>
           <a:p>
@@ -2778,7 +3050,24 @@
             </a:pPr>
             <a:r>
               <a:rPr lang="en-US" dirty="0"/>
-              <a:t>Simplifies the discretization and improves numerical stability and accuracy!</a:t>
+              <a:t>Single-phase flow in a homogenous, isotropic reservoir with constant properties. Flow toward a vertical well</a:t>
+            </a:r>
+          </a:p>
+          <a:p>
+            <a:pPr marL="171450" indent="-171450">
+              <a:buFont typeface="Arial" panose="020B0604020202020204" pitchFamily="34" charset="0"/>
+              <a:buChar char="•"/>
+            </a:pPr>
+            <a:endParaRPr lang="en-US" dirty="0"/>
+          </a:p>
+          <a:p>
+            <a:pPr marL="171450" indent="-171450">
+              <a:buFont typeface="Arial" panose="020B0604020202020204" pitchFamily="34" charset="0"/>
+              <a:buChar char="•"/>
+            </a:pPr>
+            <a:r>
+              <a:rPr lang="en-US" b="1" dirty="0"/>
+              <a:t>Approach: </a:t>
             </a:r>
           </a:p>
           <a:p>
@@ -2786,6 +3075,46 @@
               <a:buFont typeface="Arial" panose="020B0604020202020204" pitchFamily="34" charset="0"/>
               <a:buChar char="•"/>
             </a:pPr>
+            <a:r>
+              <a:rPr lang="en-US" dirty="0"/>
+              <a:t>Derive and solve steady-state pressure equation and transient pressure equations</a:t>
+            </a:r>
+          </a:p>
+          <a:p>
+            <a:pPr marL="628650" lvl="1" indent="-171450">
+              <a:buFont typeface="Arial" panose="020B0604020202020204" pitchFamily="34" charset="0"/>
+              <a:buChar char="•"/>
+            </a:pPr>
+            <a:r>
+              <a:rPr lang="en-US" dirty="0"/>
+              <a:t>Validate numerical solver vs analytical line-source (Theis) solution</a:t>
+            </a:r>
+          </a:p>
+          <a:p>
+            <a:pPr marL="628650" lvl="1" indent="-171450">
+              <a:buFont typeface="Arial" panose="020B0604020202020204" pitchFamily="34" charset="0"/>
+              <a:buChar char="•"/>
+            </a:pPr>
+            <a:r>
+              <a:rPr lang="en-US" dirty="0"/>
+              <a:t>Analyze solver performance for difference methods</a:t>
+            </a:r>
+          </a:p>
+          <a:p>
+            <a:pPr marL="628650" lvl="1" indent="-171450">
+              <a:buFont typeface="Arial" panose="020B0604020202020204" pitchFamily="34" charset="0"/>
+              <a:buChar char="•"/>
+            </a:pPr>
+            <a:r>
+              <a:rPr lang="en-US" dirty="0"/>
+              <a:t>Fit model parameters to real well test data</a:t>
+            </a:r>
+          </a:p>
+          <a:p>
+            <a:pPr marL="628650" lvl="1" indent="-171450">
+              <a:buFont typeface="Arial" panose="020B0604020202020204" pitchFamily="34" charset="0"/>
+              <a:buChar char="•"/>
+            </a:pPr>
             <a:endParaRPr lang="en-US" dirty="0"/>
           </a:p>
           <a:p>
@@ -2794,8 +3123,8 @@
               <a:buChar char="•"/>
             </a:pPr>
             <a:r>
-              <a:rPr lang="en-US" dirty="0"/>
-              <a:t>Boundary conditions: </a:t>
+              <a:rPr lang="en-US" b="1" dirty="0"/>
+              <a:t>Key methods:</a:t>
             </a:r>
           </a:p>
           <a:p>
@@ -2805,15 +3134,7 @@
             </a:pPr>
             <a:r>
               <a:rPr lang="en-US" dirty="0"/>
-              <a:t>Inner boundary y=</a:t>
-            </a:r>
-            <a:r>
-              <a:rPr lang="en-US" dirty="0" err="1"/>
-              <a:t>yw</a:t>
-            </a:r>
-            <a:r>
-              <a:rPr lang="en-US" dirty="0"/>
-              <a:t> (specified flux)</a:t>
+              <a:t>Finite difference discretization in space and time</a:t>
             </a:r>
           </a:p>
           <a:p>
@@ -2823,7 +3144,54 @@
             </a:pPr>
             <a:r>
               <a:rPr lang="en-US" dirty="0"/>
-              <a:t>Outer boundary y=ye (fixed pressure)</a:t>
+              <a:t>Implicit time stepping to ensure numerical stability</a:t>
+            </a:r>
+          </a:p>
+          <a:p>
+            <a:pPr marL="628650" lvl="1" indent="-171450">
+              <a:buFont typeface="Arial" panose="020B0604020202020204" pitchFamily="34" charset="0"/>
+              <a:buChar char="•"/>
+            </a:pPr>
+            <a:r>
+              <a:rPr lang="en-US" dirty="0"/>
+              <a:t>Different linear solvers (dense, sparse, Thomas)</a:t>
+            </a:r>
+          </a:p>
+          <a:p>
+            <a:pPr marL="628650" lvl="1" indent="-171450">
+              <a:buFont typeface="Arial" panose="020B0604020202020204" pitchFamily="34" charset="0"/>
+              <a:buChar char="•"/>
+            </a:pPr>
+            <a:r>
+              <a:rPr lang="en-US" dirty="0"/>
+              <a:t>Curve fitting to connect simulations to field data</a:t>
+            </a:r>
+          </a:p>
+          <a:p>
+            <a:pPr marL="628650" lvl="1" indent="-171450">
+              <a:buFont typeface="Arial" panose="020B0604020202020204" pitchFamily="34" charset="0"/>
+              <a:buChar char="•"/>
+            </a:pPr>
+            <a:endParaRPr lang="en-US" dirty="0"/>
+          </a:p>
+          <a:p>
+            <a:pPr marL="171450" lvl="0" indent="-171450">
+              <a:buFont typeface="Arial" panose="020B0604020202020204" pitchFamily="34" charset="0"/>
+              <a:buChar char="•"/>
+            </a:pPr>
+            <a:r>
+              <a:rPr lang="en-US" b="1" dirty="0"/>
+              <a:t>End goal: </a:t>
+            </a:r>
+          </a:p>
+          <a:p>
+            <a:pPr marL="628650" lvl="1" indent="-171450">
+              <a:buFont typeface="Arial" panose="020B0604020202020204" pitchFamily="34" charset="0"/>
+              <a:buChar char="•"/>
+            </a:pPr>
+            <a:r>
+              <a:rPr lang="en-US" dirty="0"/>
+              <a:t>Confirm theoretical accuracy and extract reservoir parameters from actual data</a:t>
             </a:r>
           </a:p>
         </p:txBody>
@@ -2845,7 +3213,7 @@
           <a:p>
             <a:fld id="{F7A439AA-4617-4627-B5F6-FFD7862B74B0}" type="slidenum">
               <a:rPr lang="en-US" smtClean="0"/>
-              <a:t>4</a:t>
+              <a:t>3</a:t>
             </a:fld>
             <a:endParaRPr lang="en-US"/>
           </a:p>
@@ -2854,7 +3222,7 @@
     </p:spTree>
     <p:extLst>
       <p:ext uri="{BB962C8B-B14F-4D97-AF65-F5344CB8AC3E}">
-        <p14:creationId xmlns:p14="http://schemas.microsoft.com/office/powerpoint/2010/main" val="2380716451"/>
+        <p14:creationId xmlns:p14="http://schemas.microsoft.com/office/powerpoint/2010/main" val="3051494919"/>
       </p:ext>
     </p:extLst>
   </p:cSld>
@@ -2913,8 +3281,12 @@
               <a:buChar char="•"/>
             </a:pPr>
             <a:r>
-              <a:rPr lang="en-US" dirty="0"/>
-              <a:t>Exercise objectives:</a:t>
+              <a:rPr lang="en-US" b="1" dirty="0"/>
+              <a:t>Task foundation</a:t>
+            </a:r>
+            <a:r>
+              <a:rPr lang="en-US" dirty="0"/>
+              <a:t>: </a:t>
             </a:r>
           </a:p>
           <a:p>
@@ -2924,7 +3296,28 @@
             </a:pPr>
             <a:r>
               <a:rPr lang="en-US" dirty="0"/>
-              <a:t>Derive steady-state analytical solution</a:t>
+              <a:t>The entire project builds on the radial diffusivity equation (hydraulic diffusivity)</a:t>
+            </a:r>
+          </a:p>
+          <a:p>
+            <a:pPr marL="171450" indent="-171450">
+              <a:buFont typeface="Arial" panose="020B0604020202020204" pitchFamily="34" charset="0"/>
+              <a:buChar char="•"/>
+            </a:pPr>
+            <a:endParaRPr lang="en-US" dirty="0"/>
+          </a:p>
+          <a:p>
+            <a:pPr marL="171450" indent="-171450">
+              <a:buFont typeface="Arial" panose="020B0604020202020204" pitchFamily="34" charset="0"/>
+              <a:buChar char="•"/>
+            </a:pPr>
+            <a:r>
+              <a:rPr lang="en-US" b="1" dirty="0"/>
+              <a:t>Transformation</a:t>
+            </a:r>
+            <a:r>
+              <a:rPr lang="en-US" dirty="0"/>
+              <a:t>: </a:t>
             </a:r>
           </a:p>
           <a:p>
@@ -2934,7 +3327,7 @@
             </a:pPr>
             <a:r>
               <a:rPr lang="en-US" dirty="0"/>
-              <a:t>Construct discrete time lazy BC with N = 4</a:t>
+              <a:t>To simplify the Partial Differential Equation, the project uses logarithmic coordinate which converts the radial operator into a constant-coefficient second derivative </a:t>
             </a:r>
           </a:p>
           <a:p>
@@ -2944,7 +3337,7 @@
             </a:pPr>
             <a:r>
               <a:rPr lang="en-US" dirty="0"/>
-              <a:t>Compute truncation error and boundary error order</a:t>
+              <a:t>Simplifies the discretization and improves numerical stability and accuracy!</a:t>
             </a:r>
           </a:p>
           <a:p>
@@ -2952,9 +3345,16 @@
               <a:buFont typeface="Arial" panose="020B0604020202020204" pitchFamily="34" charset="0"/>
               <a:buChar char="•"/>
             </a:pPr>
-            <a:r>
-              <a:rPr lang="en-US" dirty="0"/>
-              <a:t>Verify error scaling numerically</a:t>
+            <a:endParaRPr lang="en-US" dirty="0"/>
+          </a:p>
+          <a:p>
+            <a:pPr marL="171450" lvl="0" indent="-171450">
+              <a:buFont typeface="Arial" panose="020B0604020202020204" pitchFamily="34" charset="0"/>
+              <a:buChar char="•"/>
+            </a:pPr>
+            <a:r>
+              <a:rPr lang="en-US" b="1" dirty="0"/>
+              <a:t>Boundary conditions: </a:t>
             </a:r>
           </a:p>
           <a:p>
@@ -2962,16 +3362,17 @@
               <a:buFont typeface="Arial" panose="020B0604020202020204" pitchFamily="34" charset="0"/>
               <a:buChar char="•"/>
             </a:pPr>
-            <a:endParaRPr lang="en-US" dirty="0"/>
-          </a:p>
-          <a:p>
-            <a:pPr marL="171450" lvl="0" indent="-171450">
-              <a:buFont typeface="Arial" panose="020B0604020202020204" pitchFamily="34" charset="0"/>
-              <a:buChar char="•"/>
-            </a:pPr>
-            <a:r>
-              <a:rPr lang="en-US" dirty="0"/>
-              <a:t>Theory:</a:t>
+            <a:r>
+              <a:rPr lang="en-US" dirty="0"/>
+              <a:t>Inner boundary y=</a:t>
+            </a:r>
+            <a:r>
+              <a:rPr lang="en-US" dirty="0" err="1"/>
+              <a:t>yw</a:t>
+            </a:r>
+            <a:r>
+              <a:rPr lang="en-US" dirty="0"/>
+              <a:t> (specified flux)</a:t>
             </a:r>
           </a:p>
           <a:p>
@@ -2981,109 +3382,7 @@
             </a:pPr>
             <a:r>
               <a:rPr lang="en-US" dirty="0"/>
-              <a:t>Steady state implication</a:t>
-            </a:r>
-          </a:p>
-          <a:p>
-            <a:pPr marL="628650" lvl="1" indent="-171450">
-              <a:buFont typeface="Arial" panose="020B0604020202020204" pitchFamily="34" charset="0"/>
-              <a:buChar char="•"/>
-            </a:pPr>
-            <a:r>
-              <a:rPr lang="en-US" dirty="0"/>
-              <a:t>Lazy boundary condition (first order accuracy)</a:t>
-            </a:r>
-          </a:p>
-          <a:p>
-            <a:pPr marL="628650" lvl="1" indent="-171450">
-              <a:buFont typeface="Arial" panose="020B0604020202020204" pitchFamily="34" charset="0"/>
-              <a:buChar char="•"/>
-            </a:pPr>
-            <a:r>
-              <a:rPr lang="en-US" dirty="0"/>
-              <a:t>Not-so-lazy boundary, derived from Taylor expansion (second order accurate)</a:t>
-            </a:r>
-          </a:p>
-          <a:p>
-            <a:pPr marL="628650" lvl="1" indent="-171450">
-              <a:buFont typeface="Arial" panose="020B0604020202020204" pitchFamily="34" charset="0"/>
-              <a:buChar char="•"/>
-            </a:pPr>
-            <a:endParaRPr lang="en-US" dirty="0"/>
-          </a:p>
-          <a:p>
-            <a:pPr marL="171450" lvl="0" indent="-171450">
-              <a:buFont typeface="Arial" panose="020B0604020202020204" pitchFamily="34" charset="0"/>
-              <a:buChar char="•"/>
-            </a:pPr>
-            <a:r>
-              <a:rPr lang="en-US" dirty="0"/>
-              <a:t>Implementation in our project:</a:t>
-            </a:r>
-          </a:p>
-          <a:p>
-            <a:pPr marL="628650" lvl="1" indent="-171450">
-              <a:buFont typeface="Arial" panose="020B0604020202020204" pitchFamily="34" charset="0"/>
-              <a:buChar char="•"/>
-            </a:pPr>
-            <a:r>
-              <a:rPr lang="en-US" dirty="0"/>
-              <a:t>Finite difference interior stencil, lazy and not-so-lazy boundary treatment in ‘</a:t>
-            </a:r>
-            <a:r>
-              <a:rPr lang="en-US" dirty="0" err="1"/>
-              <a:t>PressureSolver</a:t>
-            </a:r>
-            <a:r>
-              <a:rPr lang="en-US" dirty="0"/>
-              <a:t>’</a:t>
-            </a:r>
-          </a:p>
-          <a:p>
-            <a:pPr marL="628650" lvl="1" indent="-171450">
-              <a:buFont typeface="Arial" panose="020B0604020202020204" pitchFamily="34" charset="0"/>
-              <a:buChar char="•"/>
-            </a:pPr>
-            <a:r>
-              <a:rPr lang="en-US" dirty="0"/>
-              <a:t>Analytical solution used as reference</a:t>
-            </a:r>
-          </a:p>
-          <a:p>
-            <a:pPr marL="628650" lvl="1" indent="-171450">
-              <a:buFont typeface="Arial" panose="020B0604020202020204" pitchFamily="34" charset="0"/>
-              <a:buChar char="•"/>
-            </a:pPr>
-            <a:endParaRPr lang="en-US" dirty="0"/>
-          </a:p>
-          <a:p>
-            <a:pPr marL="171450" lvl="0" indent="-171450">
-              <a:buFont typeface="Arial" panose="020B0604020202020204" pitchFamily="34" charset="0"/>
-              <a:buChar char="•"/>
-            </a:pPr>
-            <a:r>
-              <a:rPr lang="en-US" dirty="0"/>
-              <a:t>Limitations:</a:t>
-            </a:r>
-          </a:p>
-          <a:p>
-            <a:pPr marL="628650" lvl="1" indent="-171450">
-              <a:buFont typeface="Arial" panose="020B0604020202020204" pitchFamily="34" charset="0"/>
-              <a:buChar char="•"/>
-            </a:pPr>
-            <a:r>
-              <a:rPr lang="en-US" dirty="0"/>
-              <a:t>Only valid for constant properties and steady flow</a:t>
-            </a:r>
-          </a:p>
-          <a:p>
-            <a:pPr marL="628650" lvl="1" indent="-171450">
-              <a:buFont typeface="Arial" panose="020B0604020202020204" pitchFamily="34" charset="0"/>
-              <a:buChar char="•"/>
-            </a:pPr>
-            <a:r>
-              <a:rPr lang="en-US" dirty="0"/>
-              <a:t>Not-so-lazy still second order, but not exact for higher complexity problems</a:t>
+              <a:t>Outer boundary y=ye (fixed pressure)</a:t>
             </a:r>
           </a:p>
         </p:txBody>
@@ -3105,7 +3404,7 @@
           <a:p>
             <a:fld id="{F7A439AA-4617-4627-B5F6-FFD7862B74B0}" type="slidenum">
               <a:rPr lang="en-US" smtClean="0"/>
-              <a:t>5</a:t>
+              <a:t>4</a:t>
             </a:fld>
             <a:endParaRPr lang="en-US"/>
           </a:p>
@@ -3114,7 +3413,7 @@
     </p:spTree>
     <p:extLst>
       <p:ext uri="{BB962C8B-B14F-4D97-AF65-F5344CB8AC3E}">
-        <p14:creationId xmlns:p14="http://schemas.microsoft.com/office/powerpoint/2010/main" val="4030517545"/>
+        <p14:creationId xmlns:p14="http://schemas.microsoft.com/office/powerpoint/2010/main" val="2380716451"/>
       </p:ext>
     </p:extLst>
   </p:cSld>
@@ -3173,8 +3472,8 @@
               <a:buChar char="•"/>
             </a:pPr>
             <a:r>
-              <a:rPr lang="en-US" dirty="0"/>
-              <a:t>Exercise objective:</a:t>
+              <a:rPr lang="en-US" b="1" dirty="0"/>
+              <a:t>Exercise objectives:</a:t>
             </a:r>
           </a:p>
           <a:p>
@@ -3184,7 +3483,7 @@
             </a:pPr>
             <a:r>
               <a:rPr lang="en-US" dirty="0"/>
-              <a:t>Quantify truncation error and verify error order numerically</a:t>
+              <a:t>Derive analytical solution for steady-state pressure</a:t>
             </a:r>
           </a:p>
           <a:p>
@@ -3192,6 +3491,36 @@
               <a:buFont typeface="Arial" panose="020B0604020202020204" pitchFamily="34" charset="0"/>
               <a:buChar char="•"/>
             </a:pPr>
+            <a:r>
+              <a:rPr lang="en-US" dirty="0"/>
+              <a:t>Construct discrete time lazy BC with N = 4</a:t>
+            </a:r>
+          </a:p>
+          <a:p>
+            <a:pPr marL="628650" lvl="1" indent="-171450">
+              <a:buFont typeface="Arial" panose="020B0604020202020204" pitchFamily="34" charset="0"/>
+              <a:buChar char="•"/>
+            </a:pPr>
+            <a:r>
+              <a:rPr lang="en-US" dirty="0"/>
+              <a:t>Compute truncation error and boundary error order</a:t>
+            </a:r>
+          </a:p>
+          <a:p>
+            <a:pPr marL="628650" lvl="1" indent="-171450">
+              <a:buFont typeface="Arial" panose="020B0604020202020204" pitchFamily="34" charset="0"/>
+              <a:buChar char="•"/>
+            </a:pPr>
+            <a:r>
+              <a:rPr lang="en-US" dirty="0"/>
+              <a:t>Verify error scaling numerically</a:t>
+            </a:r>
+          </a:p>
+          <a:p>
+            <a:pPr marL="628650" lvl="1" indent="-171450">
+              <a:buFont typeface="Arial" panose="020B0604020202020204" pitchFamily="34" charset="0"/>
+              <a:buChar char="•"/>
+            </a:pPr>
             <a:endParaRPr lang="en-US" dirty="0"/>
           </a:p>
           <a:p>
@@ -3200,8 +3529,12 @@
               <a:buChar char="•"/>
             </a:pPr>
             <a:r>
-              <a:rPr lang="en-US" dirty="0"/>
-              <a:t>Theory:</a:t>
+              <a:rPr lang="en-US" b="1" dirty="0"/>
+              <a:t>Theory</a:t>
+            </a:r>
+            <a:r>
+              <a:rPr lang="en-US" dirty="0"/>
+              <a:t>:</a:t>
             </a:r>
           </a:p>
           <a:p>
@@ -3211,7 +3544,7 @@
             </a:pPr>
             <a:r>
               <a:rPr lang="en-US" dirty="0"/>
-              <a:t>Interior truncation error </a:t>
+              <a:t>Steady state implication</a:t>
             </a:r>
           </a:p>
           <a:p>
@@ -3221,7 +3554,7 @@
             </a:pPr>
             <a:r>
               <a:rPr lang="en-US" dirty="0"/>
-              <a:t>Lazy boundary domination (first order global error)</a:t>
+              <a:t>Lazy boundary condition (first order accuracy)</a:t>
             </a:r>
           </a:p>
           <a:p>
@@ -3231,7 +3564,7 @@
             </a:pPr>
             <a:r>
               <a:rPr lang="en-US" dirty="0"/>
-              <a:t>Not-so-lazy boundary eliminates this leading term</a:t>
+              <a:t>Not-so-lazy boundary, derived from Taylor expansion (second order accurate)</a:t>
             </a:r>
           </a:p>
           <a:p>
@@ -3247,8 +3580,8 @@
               <a:buChar char="•"/>
             </a:pPr>
             <a:r>
-              <a:rPr lang="en-US" dirty="0"/>
-              <a:t>Implementations:</a:t>
+              <a:rPr lang="en-US" b="1" dirty="0"/>
+              <a:t>Implementation in our project:</a:t>
             </a:r>
           </a:p>
           <a:p>
@@ -3258,7 +3591,15 @@
             </a:pPr>
             <a:r>
               <a:rPr lang="en-US" dirty="0"/>
-              <a:t>System solver for multiple N values</a:t>
+              <a:t>Finite difference interior stencil, lazy and not-so-lazy boundary treatment in ‘</a:t>
+            </a:r>
+            <a:r>
+              <a:rPr lang="en-US" dirty="0" err="1"/>
+              <a:t>PressureSolver</a:t>
+            </a:r>
+            <a:r>
+              <a:rPr lang="en-US" dirty="0"/>
+              <a:t>’</a:t>
             </a:r>
           </a:p>
           <a:p>
@@ -3268,7 +3609,7 @@
             </a:pPr>
             <a:r>
               <a:rPr lang="en-US" dirty="0"/>
-              <a:t>Error evaluated at fixed physical radius to ensure consistency</a:t>
+              <a:t>Analytical solution used as reference</a:t>
             </a:r>
           </a:p>
           <a:p>
@@ -3284,8 +3625,12 @@
               <a:buChar char="•"/>
             </a:pPr>
             <a:r>
-              <a:rPr lang="en-US" dirty="0"/>
-              <a:t>Results:</a:t>
+              <a:rPr lang="en-US" b="1" dirty="0"/>
+              <a:t>Limitations</a:t>
+            </a:r>
+            <a:r>
+              <a:rPr lang="en-US" dirty="0"/>
+              <a:t>:</a:t>
             </a:r>
           </a:p>
           <a:p>
@@ -3295,7 +3640,7 @@
             </a:pPr>
             <a:r>
               <a:rPr lang="en-US" dirty="0"/>
-              <a:t>Lazy BC error slope ~-1 in log-log plot</a:t>
+              <a:t>Only valid for constant properties and steady flow</a:t>
             </a:r>
           </a:p>
           <a:p>
@@ -3305,25 +3650,7 @@
             </a:pPr>
             <a:r>
               <a:rPr lang="en-US" dirty="0"/>
-              <a:t>Not-so-lazy </a:t>
-            </a:r>
-            <a:r>
-              <a:rPr lang="en-US" dirty="0" err="1"/>
-              <a:t>bc</a:t>
-            </a:r>
-            <a:r>
-              <a:rPr lang="en-US" dirty="0"/>
-              <a:t> slope ~0 (round-off limited – exact match!)</a:t>
-            </a:r>
-          </a:p>
-          <a:p>
-            <a:pPr marL="628650" lvl="1" indent="-171450">
-              <a:buFont typeface="Arial" panose="020B0604020202020204" pitchFamily="34" charset="0"/>
-              <a:buChar char="•"/>
-            </a:pPr>
-            <a:r>
-              <a:rPr lang="en-US" dirty="0"/>
-              <a:t>Confirms theoretical expectations</a:t>
+              <a:t>Not-so-lazy still second order, but not exact for higher complexity problems</a:t>
             </a:r>
           </a:p>
         </p:txBody>
@@ -3345,7 +3672,7 @@
           <a:p>
             <a:fld id="{F7A439AA-4617-4627-B5F6-FFD7862B74B0}" type="slidenum">
               <a:rPr lang="en-US" smtClean="0"/>
-              <a:t>6</a:t>
+              <a:t>5</a:t>
             </a:fld>
             <a:endParaRPr lang="en-US"/>
           </a:p>
@@ -3354,7 +3681,7 @@
     </p:spTree>
     <p:extLst>
       <p:ext uri="{BB962C8B-B14F-4D97-AF65-F5344CB8AC3E}">
-        <p14:creationId xmlns:p14="http://schemas.microsoft.com/office/powerpoint/2010/main" val="1789163178"/>
+        <p14:creationId xmlns:p14="http://schemas.microsoft.com/office/powerpoint/2010/main" val="4030517545"/>
       </p:ext>
     </p:extLst>
   </p:cSld>
@@ -3413,8 +3740,8 @@
               <a:buChar char="•"/>
             </a:pPr>
             <a:r>
-              <a:rPr lang="en-US" dirty="0"/>
-              <a:t>Exercise objectives:</a:t>
+              <a:rPr lang="en-US" b="1" dirty="0"/>
+              <a:t>Exercise objective:</a:t>
             </a:r>
           </a:p>
           <a:p>
@@ -3424,7 +3751,7 @@
             </a:pPr>
             <a:r>
               <a:rPr lang="en-US" dirty="0"/>
-              <a:t>Derivate matrix system for N=4</a:t>
+              <a:t>Quantify truncation error and verify error order numerically</a:t>
             </a:r>
           </a:p>
           <a:p>
@@ -3432,9 +3759,20 @@
               <a:buFont typeface="Arial" panose="020B0604020202020204" pitchFamily="34" charset="0"/>
               <a:buChar char="•"/>
             </a:pPr>
-            <a:r>
-              <a:rPr lang="en-US" dirty="0"/>
-              <a:t>Show actual numerical matrix for given parameters</a:t>
+            <a:endParaRPr lang="en-US" dirty="0"/>
+          </a:p>
+          <a:p>
+            <a:pPr marL="171450" lvl="0" indent="-171450">
+              <a:buFont typeface="Arial" panose="020B0604020202020204" pitchFamily="34" charset="0"/>
+              <a:buChar char="•"/>
+            </a:pPr>
+            <a:r>
+              <a:rPr lang="en-US" b="1" dirty="0"/>
+              <a:t>Theory</a:t>
+            </a:r>
+            <a:r>
+              <a:rPr lang="en-US" dirty="0"/>
+              <a:t>:</a:t>
             </a:r>
           </a:p>
           <a:p>
@@ -3444,7 +3782,7 @@
             </a:pPr>
             <a:r>
               <a:rPr lang="en-US" dirty="0"/>
-              <a:t>Implement a general simulator</a:t>
+              <a:t>Interior truncation error </a:t>
             </a:r>
           </a:p>
           <a:p>
@@ -3452,6 +3790,26 @@
               <a:buFont typeface="Arial" panose="020B0604020202020204" pitchFamily="34" charset="0"/>
               <a:buChar char="•"/>
             </a:pPr>
+            <a:r>
+              <a:rPr lang="en-US" dirty="0"/>
+              <a:t>Lazy boundary domination (first order global error)</a:t>
+            </a:r>
+          </a:p>
+          <a:p>
+            <a:pPr marL="628650" lvl="1" indent="-171450">
+              <a:buFont typeface="Arial" panose="020B0604020202020204" pitchFamily="34" charset="0"/>
+              <a:buChar char="•"/>
+            </a:pPr>
+            <a:r>
+              <a:rPr lang="en-US" dirty="0"/>
+              <a:t>Not-so-lazy boundary eliminates this leading term</a:t>
+            </a:r>
+          </a:p>
+          <a:p>
+            <a:pPr marL="628650" lvl="1" indent="-171450">
+              <a:buFont typeface="Arial" panose="020B0604020202020204" pitchFamily="34" charset="0"/>
+              <a:buChar char="•"/>
+            </a:pPr>
             <a:endParaRPr lang="en-US" dirty="0"/>
           </a:p>
           <a:p>
@@ -3460,8 +3818,8 @@
               <a:buChar char="•"/>
             </a:pPr>
             <a:r>
-              <a:rPr lang="en-US" dirty="0"/>
-              <a:t>Theory:</a:t>
+              <a:rPr lang="en-US" b="1" dirty="0"/>
+              <a:t>Implementations:</a:t>
             </a:r>
           </a:p>
           <a:p>
@@ -3471,7 +3829,7 @@
             </a:pPr>
             <a:r>
               <a:rPr lang="en-US" dirty="0"/>
-              <a:t>Implicit backward Euler (discretized)</a:t>
+              <a:t>System solver for multiple N values</a:t>
             </a:r>
           </a:p>
           <a:p>
@@ -3481,7 +3839,7 @@
             </a:pPr>
             <a:r>
               <a:rPr lang="en-US" dirty="0"/>
-              <a:t>Unconditionally stable and suitable for stiff problems</a:t>
+              <a:t>Error evaluated at fixed physical radius to ensure consistency</a:t>
             </a:r>
           </a:p>
           <a:p>
@@ -3497,8 +3855,12 @@
               <a:buChar char="•"/>
             </a:pPr>
             <a:r>
-              <a:rPr lang="en-US" dirty="0"/>
-              <a:t>Implementation:</a:t>
+              <a:rPr lang="en-US" b="1" dirty="0"/>
+              <a:t>Results</a:t>
+            </a:r>
+            <a:r>
+              <a:rPr lang="en-US" dirty="0"/>
+              <a:t>:</a:t>
             </a:r>
           </a:p>
           <a:p>
@@ -3508,15 +3870,25 @@
             </a:pPr>
             <a:r>
               <a:rPr lang="en-US" dirty="0"/>
-              <a:t>‘</a:t>
+              <a:t>Lazy BC error slope ~-1 in log-log plot</a:t>
+            </a:r>
+          </a:p>
+          <a:p>
+            <a:pPr marL="628650" lvl="1" indent="-171450">
+              <a:buFont typeface="Arial" panose="020B0604020202020204" pitchFamily="34" charset="0"/>
+              <a:buChar char="•"/>
+            </a:pPr>
+            <a:r>
+              <a:rPr lang="en-US" dirty="0"/>
+              <a:t>Not-so-lazy </a:t>
             </a:r>
             <a:r>
               <a:rPr lang="en-US" dirty="0" err="1"/>
-              <a:t>build_tridiagonal_matrix</a:t>
-            </a:r>
-            <a:r>
-              <a:rPr lang="en-US" dirty="0"/>
-              <a:t>’ creates coefficient matrix</a:t>
+              <a:t>bc</a:t>
+            </a:r>
+            <a:r>
+              <a:rPr lang="en-US" dirty="0"/>
+              <a:t> slope ~0 (round-off limited – exact match!)</a:t>
             </a:r>
           </a:p>
           <a:p>
@@ -3526,81 +3898,7 @@
             </a:pPr>
             <a:r>
               <a:rPr lang="en-US" dirty="0"/>
-              <a:t>Solver supports multiple linear solution strategies</a:t>
-            </a:r>
-          </a:p>
-          <a:p>
-            <a:pPr marL="628650" lvl="1" indent="-171450">
-              <a:buFont typeface="Arial" panose="020B0604020202020204" pitchFamily="34" charset="0"/>
-              <a:buChar char="•"/>
-            </a:pPr>
-            <a:endParaRPr lang="en-US" dirty="0"/>
-          </a:p>
-          <a:p>
-            <a:pPr marL="171450" lvl="0" indent="-171450">
-              <a:buFont typeface="Arial" panose="020B0604020202020204" pitchFamily="34" charset="0"/>
-              <a:buChar char="•"/>
-            </a:pPr>
-            <a:r>
-              <a:rPr lang="en-US" dirty="0"/>
-              <a:t>Results:</a:t>
-            </a:r>
-          </a:p>
-          <a:p>
-            <a:pPr marL="628650" lvl="1" indent="-171450">
-              <a:buFont typeface="Arial" panose="020B0604020202020204" pitchFamily="34" charset="0"/>
-              <a:buChar char="•"/>
-            </a:pPr>
-            <a:r>
-              <a:rPr lang="en-US" dirty="0"/>
-              <a:t>Matrix matches theoretical coefficients</a:t>
-            </a:r>
-          </a:p>
-          <a:p>
-            <a:pPr marL="628650" lvl="1" indent="-171450">
-              <a:buFont typeface="Arial" panose="020B0604020202020204" pitchFamily="34" charset="0"/>
-              <a:buChar char="•"/>
-            </a:pPr>
-            <a:r>
-              <a:rPr lang="en-US" dirty="0"/>
-              <a:t>Solver converges for any ∆t due to implicit scheme</a:t>
-            </a:r>
-          </a:p>
-          <a:p>
-            <a:pPr marL="628650" lvl="1" indent="-171450">
-              <a:buFont typeface="Arial" panose="020B0604020202020204" pitchFamily="34" charset="0"/>
-              <a:buChar char="•"/>
-            </a:pPr>
-            <a:endParaRPr lang="en-US" dirty="0"/>
-          </a:p>
-          <a:p>
-            <a:pPr marL="171450" lvl="0" indent="-171450">
-              <a:buFont typeface="Arial" panose="020B0604020202020204" pitchFamily="34" charset="0"/>
-              <a:buChar char="•"/>
-            </a:pPr>
-            <a:r>
-              <a:rPr lang="en-US" dirty="0"/>
-              <a:t>Limitations:</a:t>
-            </a:r>
-          </a:p>
-          <a:p>
-            <a:pPr marL="628650" lvl="1" indent="-171450">
-              <a:buFont typeface="Arial" panose="020B0604020202020204" pitchFamily="34" charset="0"/>
-              <a:buChar char="•"/>
-            </a:pPr>
-            <a:r>
-              <a:rPr lang="en-US" dirty="0"/>
-              <a:t>First order in time</a:t>
-            </a:r>
-          </a:p>
-          <a:p>
-            <a:pPr marL="628650" lvl="1" indent="-171450">
-              <a:buFont typeface="Arial" panose="020B0604020202020204" pitchFamily="34" charset="0"/>
-              <a:buChar char="•"/>
-            </a:pPr>
-            <a:r>
-              <a:rPr lang="en-US" dirty="0"/>
-              <a:t>Early time accuracy depends on ∆t choice</a:t>
+              <a:t>Confirms theoretical expectations</a:t>
             </a:r>
           </a:p>
         </p:txBody>
@@ -3622,7 +3920,7 @@
           <a:p>
             <a:fld id="{F7A439AA-4617-4627-B5F6-FFD7862B74B0}" type="slidenum">
               <a:rPr lang="en-US" smtClean="0"/>
-              <a:t>7</a:t>
+              <a:t>6</a:t>
             </a:fld>
             <a:endParaRPr lang="en-US"/>
           </a:p>
@@ -3631,7 +3929,7 @@
     </p:spTree>
     <p:extLst>
       <p:ext uri="{BB962C8B-B14F-4D97-AF65-F5344CB8AC3E}">
-        <p14:creationId xmlns:p14="http://schemas.microsoft.com/office/powerpoint/2010/main" val="415774646"/>
+        <p14:creationId xmlns:p14="http://schemas.microsoft.com/office/powerpoint/2010/main" val="1789163178"/>
       </p:ext>
     </p:extLst>
   </p:cSld>
@@ -3690,8 +3988,8 @@
               <a:buChar char="•"/>
             </a:pPr>
             <a:r>
-              <a:rPr lang="en-US" dirty="0"/>
-              <a:t>Exercise objective:</a:t>
+              <a:rPr lang="en-US" b="1" dirty="0"/>
+              <a:t>Exercise objectives:</a:t>
             </a:r>
           </a:p>
           <a:p>
@@ -3701,7 +3999,7 @@
             </a:pPr>
             <a:r>
               <a:rPr lang="en-US" dirty="0"/>
-              <a:t>Compare numerical solution for different N with line-source analytical solution</a:t>
+              <a:t>Derivate matrix system for N=4</a:t>
             </a:r>
           </a:p>
           <a:p>
@@ -3711,14 +4009,65 @@
             </a:pPr>
             <a:r>
               <a:rPr lang="en-US" dirty="0"/>
-              <a:t>Plot drawdown vs time in physical radius coordinates</a:t>
-            </a:r>
+              <a:t>Show actual numerical matrix for given parameters</a:t>
+            </a:r>
+          </a:p>
+          <a:p>
+            <a:pPr marL="628650" lvl="1" indent="-171450">
+              <a:buFont typeface="Arial" panose="020B0604020202020204" pitchFamily="34" charset="0"/>
+              <a:buChar char="•"/>
+            </a:pPr>
+            <a:r>
+              <a:rPr lang="en-US" dirty="0"/>
+              <a:t>Implement a general simulator</a:t>
+            </a:r>
+          </a:p>
+          <a:p>
+            <a:pPr marL="628650" lvl="1" indent="-171450">
+              <a:buFont typeface="Arial" panose="020B0604020202020204" pitchFamily="34" charset="0"/>
+              <a:buChar char="•"/>
+            </a:pPr>
+            <a:endParaRPr lang="en-US" dirty="0"/>
           </a:p>
           <a:p>
             <a:pPr marL="171450" lvl="0" indent="-171450">
               <a:buFont typeface="Arial" panose="020B0604020202020204" pitchFamily="34" charset="0"/>
               <a:buChar char="•"/>
             </a:pPr>
+            <a:r>
+              <a:rPr lang="en-US" b="1" dirty="0"/>
+              <a:t>Theory</a:t>
+            </a:r>
+            <a:r>
+              <a:rPr lang="en-US" dirty="0"/>
+              <a:t>:</a:t>
+            </a:r>
+          </a:p>
+          <a:p>
+            <a:pPr marL="628650" lvl="1" indent="-171450">
+              <a:buFont typeface="Arial" panose="020B0604020202020204" pitchFamily="34" charset="0"/>
+              <a:buChar char="•"/>
+            </a:pPr>
+            <a:r>
+              <a:rPr lang="en-US" dirty="0"/>
+              <a:t>Implicit backward Euler (discretized)</a:t>
+            </a:r>
+          </a:p>
+          <a:p>
+            <a:pPr marL="628650" lvl="1" indent="-171450">
+              <a:buFont typeface="Arial" panose="020B0604020202020204" pitchFamily="34" charset="0"/>
+              <a:buChar char="•"/>
+            </a:pPr>
+            <a:r>
+              <a:rPr lang="en-US" dirty="0"/>
+              <a:t>Unconditionally stable and suitable for stiff problems</a:t>
+            </a:r>
+          </a:p>
+          <a:p>
+            <a:pPr marL="628650" lvl="1" indent="-171450">
+              <a:buFont typeface="Arial" panose="020B0604020202020204" pitchFamily="34" charset="0"/>
+              <a:buChar char="•"/>
+            </a:pPr>
             <a:endParaRPr lang="en-US" dirty="0"/>
           </a:p>
           <a:p>
@@ -3727,8 +4076,8 @@
               <a:buChar char="•"/>
             </a:pPr>
             <a:r>
-              <a:rPr lang="en-US" dirty="0"/>
-              <a:t>Theory:</a:t>
+              <a:rPr lang="en-US" b="1" dirty="0"/>
+              <a:t>Implementation:</a:t>
             </a:r>
           </a:p>
           <a:p>
@@ -3738,17 +4087,15 @@
             </a:pPr>
             <a:r>
               <a:rPr lang="en-US" dirty="0"/>
-              <a:t>Line-source (Theis) solution</a:t>
-            </a:r>
-          </a:p>
-          <a:p>
-            <a:pPr marL="1085850" lvl="2" indent="-171450">
-              <a:buFont typeface="Arial" panose="020B0604020202020204" pitchFamily="34" charset="0"/>
-              <a:buChar char="•"/>
-            </a:pPr>
-            <a:r>
-              <a:rPr lang="en-US" dirty="0"/>
-              <a:t>Valid for early/intermediate time when boundary is not felt</a:t>
+              <a:t>‘</a:t>
+            </a:r>
+            <a:r>
+              <a:rPr lang="en-US" dirty="0" err="1"/>
+              <a:t>build_tridiagonal_matrix</a:t>
+            </a:r>
+            <a:r>
+              <a:rPr lang="en-US" dirty="0"/>
+              <a:t>’ creates coefficient matrix</a:t>
             </a:r>
           </a:p>
           <a:p>
@@ -3757,51 +4104,53 @@
               <a:buChar char="•"/>
             </a:pPr>
             <a:r>
-              <a:rPr lang="en-US" dirty="0" err="1"/>
-              <a:t>Beheavior</a:t>
-            </a:r>
+              <a:rPr lang="en-US" dirty="0"/>
+              <a:t>Solver supports multiple linear solution strategies</a:t>
+            </a:r>
+          </a:p>
+          <a:p>
+            <a:pPr marL="628650" lvl="1" indent="-171450">
+              <a:buFont typeface="Arial" panose="020B0604020202020204" pitchFamily="34" charset="0"/>
+              <a:buChar char="•"/>
+            </a:pPr>
             <a:endParaRPr lang="en-US" dirty="0"/>
           </a:p>
           <a:p>
-            <a:pPr marL="1085850" lvl="2" indent="-171450">
-              <a:buFont typeface="Arial" panose="020B0604020202020204" pitchFamily="34" charset="0"/>
-              <a:buChar char="•"/>
-            </a:pPr>
-            <a:r>
-              <a:rPr lang="en-US" dirty="0"/>
-              <a:t>Early time: Short-term transients</a:t>
-            </a:r>
-          </a:p>
-          <a:p>
-            <a:pPr marL="1085850" lvl="2" indent="-171450">
-              <a:buFont typeface="Arial" panose="020B0604020202020204" pitchFamily="34" charset="0"/>
-              <a:buChar char="•"/>
-            </a:pPr>
-            <a:r>
-              <a:rPr lang="en-US" dirty="0"/>
-              <a:t>Intermediate: Logarithmic straight line on </a:t>
-            </a:r>
-            <a:r>
-              <a:rPr lang="en-US" dirty="0" err="1"/>
-              <a:t>semilog</a:t>
-            </a:r>
-            <a:r>
-              <a:rPr lang="en-US" dirty="0"/>
-              <a:t> plot</a:t>
-            </a:r>
-          </a:p>
-          <a:p>
-            <a:pPr marL="1085850" lvl="2" indent="-171450">
-              <a:buFont typeface="Arial" panose="020B0604020202020204" pitchFamily="34" charset="0"/>
-              <a:buChar char="•"/>
-            </a:pPr>
-            <a:r>
-              <a:rPr lang="en-US" dirty="0"/>
-              <a:t>Late time: Boundary dominated</a:t>
-            </a:r>
-          </a:p>
-          <a:p>
-            <a:pPr marL="1085850" lvl="2" indent="-171450">
+            <a:pPr marL="171450" lvl="0" indent="-171450">
+              <a:buFont typeface="Arial" panose="020B0604020202020204" pitchFamily="34" charset="0"/>
+              <a:buChar char="•"/>
+            </a:pPr>
+            <a:r>
+              <a:rPr lang="en-US" b="1" dirty="0"/>
+              <a:t>Results</a:t>
+            </a:r>
+            <a:r>
+              <a:rPr lang="en-US" dirty="0"/>
+              <a:t>:</a:t>
+            </a:r>
+          </a:p>
+          <a:p>
+            <a:pPr marL="628650" lvl="1" indent="-171450">
+              <a:buFont typeface="Arial" panose="020B0604020202020204" pitchFamily="34" charset="0"/>
+              <a:buChar char="•"/>
+            </a:pPr>
+            <a:r>
+              <a:rPr lang="en-US" dirty="0"/>
+              <a:t>Matrix matches theoretical coefficients</a:t>
+            </a:r>
+          </a:p>
+          <a:p>
+            <a:pPr marL="628650" lvl="1" indent="-171450">
+              <a:buFont typeface="Arial" panose="020B0604020202020204" pitchFamily="34" charset="0"/>
+              <a:buChar char="•"/>
+            </a:pPr>
+            <a:r>
+              <a:rPr lang="en-US" dirty="0"/>
+              <a:t>Solver converges for any ∆t due to implicit scheme</a:t>
+            </a:r>
+          </a:p>
+          <a:p>
+            <a:pPr marL="628650" lvl="1" indent="-171450">
               <a:buFont typeface="Arial" panose="020B0604020202020204" pitchFamily="34" charset="0"/>
               <a:buChar char="•"/>
             </a:pPr>
@@ -3813,8 +4162,12 @@
               <a:buChar char="•"/>
             </a:pPr>
             <a:r>
-              <a:rPr lang="en-US" dirty="0"/>
-              <a:t>Implementation:</a:t>
+              <a:rPr lang="en-US" b="1" dirty="0"/>
+              <a:t>Limitations</a:t>
+            </a:r>
+            <a:r>
+              <a:rPr lang="en-US" dirty="0"/>
+              <a:t>:</a:t>
             </a:r>
           </a:p>
           <a:p>
@@ -3824,7 +4177,7 @@
             </a:pPr>
             <a:r>
               <a:rPr lang="en-US" dirty="0"/>
-              <a:t>Compare numerical drawdown for N=50 and N=200 at two radii</a:t>
+              <a:t>First order in time</a:t>
             </a:r>
           </a:p>
           <a:p>
@@ -3834,114 +4187,7 @@
             </a:pPr>
             <a:r>
               <a:rPr lang="en-US" dirty="0"/>
-              <a:t>Line-source computed analytically</a:t>
-            </a:r>
-          </a:p>
-          <a:p>
-            <a:pPr marL="628650" lvl="1" indent="-171450">
-              <a:buFont typeface="Arial" panose="020B0604020202020204" pitchFamily="34" charset="0"/>
-              <a:buChar char="•"/>
-            </a:pPr>
-            <a:r>
-              <a:rPr lang="en-US" dirty="0"/>
-              <a:t>Intermediate time window </a:t>
-            </a:r>
-            <a:r>
-              <a:rPr lang="en-US" dirty="0" err="1"/>
-              <a:t>sahded</a:t>
-            </a:r>
-            <a:endParaRPr lang="en-US" dirty="0"/>
-          </a:p>
-          <a:p>
-            <a:pPr marL="628650" lvl="1" indent="-171450">
-              <a:buFont typeface="Arial" panose="020B0604020202020204" pitchFamily="34" charset="0"/>
-              <a:buChar char="•"/>
-            </a:pPr>
-            <a:endParaRPr lang="en-US" dirty="0"/>
-          </a:p>
-          <a:p>
-            <a:pPr marL="171450" lvl="0" indent="-171450">
-              <a:buFont typeface="Arial" panose="020B0604020202020204" pitchFamily="34" charset="0"/>
-              <a:buChar char="•"/>
-            </a:pPr>
-            <a:r>
-              <a:rPr lang="en-US" dirty="0"/>
-              <a:t>Results:</a:t>
-            </a:r>
-          </a:p>
-          <a:p>
-            <a:pPr marL="628650" lvl="1" indent="-171450">
-              <a:buFont typeface="Arial" panose="020B0604020202020204" pitchFamily="34" charset="0"/>
-              <a:buChar char="•"/>
-            </a:pPr>
-            <a:r>
-              <a:rPr lang="en-US" dirty="0"/>
-              <a:t>Small deviations from </a:t>
-            </a:r>
-            <a:r>
-              <a:rPr lang="en-US" dirty="0" err="1"/>
-              <a:t>dicretization</a:t>
-            </a:r>
-            <a:r>
-              <a:rPr lang="en-US" dirty="0"/>
-              <a:t>/transients at early time</a:t>
-            </a:r>
-          </a:p>
-          <a:p>
-            <a:pPr marL="628650" lvl="1" indent="-171450">
-              <a:buFont typeface="Arial" panose="020B0604020202020204" pitchFamily="34" charset="0"/>
-              <a:buChar char="•"/>
-            </a:pPr>
-            <a:r>
-              <a:rPr lang="en-US" dirty="0"/>
-              <a:t>Numerical and analytical match closely in intermediate region</a:t>
-            </a:r>
-          </a:p>
-          <a:p>
-            <a:pPr marL="628650" lvl="1" indent="-171450">
-              <a:buFont typeface="Arial" panose="020B0604020202020204" pitchFamily="34" charset="0"/>
-              <a:buChar char="•"/>
-            </a:pPr>
-            <a:r>
-              <a:rPr lang="en-US" dirty="0"/>
-              <a:t>Numerical deviates due to boundary, analytical does not at late time</a:t>
-            </a:r>
-          </a:p>
-          <a:p>
-            <a:pPr marL="1085850" lvl="2" indent="-171450">
-              <a:buFont typeface="Arial" panose="020B0604020202020204" pitchFamily="34" charset="0"/>
-              <a:buChar char="•"/>
-            </a:pPr>
-            <a:r>
-              <a:rPr lang="en-US" dirty="0"/>
-              <a:t>No boundary in line-source</a:t>
-            </a:r>
-          </a:p>
-          <a:p>
-            <a:pPr marL="171450" lvl="0" indent="-171450">
-              <a:buFont typeface="Arial" panose="020B0604020202020204" pitchFamily="34" charset="0"/>
-              <a:buChar char="•"/>
-            </a:pPr>
-            <a:endParaRPr lang="en-US" dirty="0"/>
-          </a:p>
-          <a:p>
-            <a:pPr marL="171450" lvl="0" indent="-171450">
-              <a:buFont typeface="Arial" panose="020B0604020202020204" pitchFamily="34" charset="0"/>
-              <a:buChar char="•"/>
-            </a:pPr>
-            <a:r>
-              <a:rPr lang="en-US" dirty="0"/>
-              <a:t>Limitations:</a:t>
-            </a:r>
-          </a:p>
-          <a:p>
-            <a:pPr marL="628650" lvl="1" indent="-171450">
-              <a:buFont typeface="Arial" panose="020B0604020202020204" pitchFamily="34" charset="0"/>
-              <a:buChar char="•"/>
-            </a:pPr>
-            <a:r>
-              <a:rPr lang="en-US" dirty="0"/>
-              <a:t>Line source ignores boundary, so late-time differences are expected</a:t>
+              <a:t>Early time accuracy depends on ∆t choice</a:t>
             </a:r>
           </a:p>
         </p:txBody>
@@ -3963,7 +4209,7 @@
           <a:p>
             <a:fld id="{F7A439AA-4617-4627-B5F6-FFD7862B74B0}" type="slidenum">
               <a:rPr lang="en-US" smtClean="0"/>
-              <a:t>8</a:t>
+              <a:t>7</a:t>
             </a:fld>
             <a:endParaRPr lang="en-US"/>
           </a:p>
@@ -3972,7 +4218,7 @@
     </p:spTree>
     <p:extLst>
       <p:ext uri="{BB962C8B-B14F-4D97-AF65-F5344CB8AC3E}">
-        <p14:creationId xmlns:p14="http://schemas.microsoft.com/office/powerpoint/2010/main" val="627891708"/>
+        <p14:creationId xmlns:p14="http://schemas.microsoft.com/office/powerpoint/2010/main" val="415774646"/>
       </p:ext>
     </p:extLst>
   </p:cSld>
@@ -4031,7 +4277,7 @@
               <a:buChar char="•"/>
             </a:pPr>
             <a:r>
-              <a:rPr lang="en-US" dirty="0"/>
+              <a:rPr lang="en-US" b="1" dirty="0"/>
               <a:t>Exercise objective:</a:t>
             </a:r>
           </a:p>
@@ -4042,7 +4288,41 @@
             </a:pPr>
             <a:r>
               <a:rPr lang="en-US" dirty="0"/>
-              <a:t>Benchmark 3 solvers; dense (NumPy), sparse (SciPy) and Thomas algorithm</a:t>
+              <a:t>Compare numerical solution to analytical line-source solution (Theis) for transient flow</a:t>
+            </a:r>
+          </a:p>
+          <a:p>
+            <a:pPr marL="1085850" lvl="2" indent="-171450">
+              <a:buFont typeface="Arial" panose="020B0604020202020204" pitchFamily="34" charset="0"/>
+              <a:buChar char="•"/>
+            </a:pPr>
+            <a:r>
+              <a:rPr lang="en-US" dirty="0"/>
+              <a:t>Theis represents infinite-acting reservoir</a:t>
+            </a:r>
+          </a:p>
+          <a:p>
+            <a:pPr marL="1085850" lvl="2" indent="-171450">
+              <a:buFont typeface="Arial" panose="020B0604020202020204" pitchFamily="34" charset="0"/>
+              <a:buChar char="•"/>
+            </a:pPr>
+            <a:r>
+              <a:rPr lang="en-US" dirty="0"/>
+              <a:t>Theis is valid until pressure front reaches boundary</a:t>
+            </a:r>
+          </a:p>
+          <a:p>
+            <a:pPr marL="171450" lvl="0" indent="-171450">
+              <a:buFont typeface="Arial" panose="020B0604020202020204" pitchFamily="34" charset="0"/>
+              <a:buChar char="•"/>
+            </a:pPr>
+            <a:r>
+              <a:rPr lang="en-US" b="1" dirty="0"/>
+              <a:t>Time regimes</a:t>
+            </a:r>
+            <a:r>
+              <a:rPr lang="en-US" dirty="0"/>
+              <a:t>:</a:t>
             </a:r>
           </a:p>
           <a:p>
@@ -4050,6 +4330,74 @@
               <a:buFont typeface="Arial" panose="020B0604020202020204" pitchFamily="34" charset="0"/>
               <a:buChar char="•"/>
             </a:pPr>
+            <a:r>
+              <a:rPr lang="en-US" dirty="0"/>
+              <a:t>Early times: </a:t>
+            </a:r>
+          </a:p>
+          <a:p>
+            <a:pPr marL="1085850" lvl="2" indent="-171450">
+              <a:buFont typeface="Arial" panose="020B0604020202020204" pitchFamily="34" charset="0"/>
+              <a:buChar char="•"/>
+            </a:pPr>
+            <a:r>
+              <a:rPr lang="en-US" dirty="0"/>
+              <a:t>Pressure change is limited to near the wellbore (transient zone)</a:t>
+            </a:r>
+          </a:p>
+          <a:p>
+            <a:pPr marL="628650" lvl="1" indent="-171450">
+              <a:buFont typeface="Arial" panose="020B0604020202020204" pitchFamily="34" charset="0"/>
+              <a:buChar char="•"/>
+            </a:pPr>
+            <a:r>
+              <a:rPr lang="en-US" dirty="0"/>
+              <a:t>Intermediate times:</a:t>
+            </a:r>
+          </a:p>
+          <a:p>
+            <a:pPr marL="1085850" lvl="2" indent="-171450">
+              <a:buFont typeface="Arial" panose="020B0604020202020204" pitchFamily="34" charset="0"/>
+              <a:buChar char="•"/>
+            </a:pPr>
+            <a:r>
+              <a:rPr lang="en-US" dirty="0"/>
+              <a:t>Reservoir behaves infinite-acting (</a:t>
+            </a:r>
+            <a:r>
+              <a:rPr lang="en-US" dirty="0" err="1"/>
+              <a:t>semilog</a:t>
+            </a:r>
+            <a:r>
+              <a:rPr lang="en-US" dirty="0"/>
+              <a:t> plot becomes linear – grey area on graph)</a:t>
+            </a:r>
+          </a:p>
+          <a:p>
+            <a:pPr marL="628650" lvl="1" indent="-171450">
+              <a:buFont typeface="Arial" panose="020B0604020202020204" pitchFamily="34" charset="0"/>
+              <a:buChar char="•"/>
+            </a:pPr>
+            <a:r>
+              <a:rPr lang="en-US" dirty="0"/>
+              <a:t>Late times:</a:t>
+            </a:r>
+          </a:p>
+          <a:p>
+            <a:pPr marL="1085850" lvl="2" indent="-171450">
+              <a:buFont typeface="Arial" panose="020B0604020202020204" pitchFamily="34" charset="0"/>
+              <a:buChar char="•"/>
+            </a:pPr>
+            <a:r>
+              <a:rPr lang="en-US" dirty="0"/>
+              <a:t>Pressure disturbance reaches outer boundary r=re and behavior deviates from Theis curve</a:t>
+            </a:r>
+          </a:p>
+          <a:p>
+            <a:pPr marL="1085850" lvl="2" indent="-171450">
+              <a:buFont typeface="Arial" panose="020B0604020202020204" pitchFamily="34" charset="0"/>
+              <a:buChar char="•"/>
+            </a:pPr>
             <a:endParaRPr lang="en-US" dirty="0"/>
           </a:p>
           <a:p>
@@ -4058,8 +4406,12 @@
               <a:buChar char="•"/>
             </a:pPr>
             <a:r>
-              <a:rPr lang="en-US" dirty="0"/>
-              <a:t>Theory:</a:t>
+              <a:rPr lang="en-US" b="1" dirty="0"/>
+              <a:t>Results</a:t>
+            </a:r>
+            <a:r>
+              <a:rPr lang="en-US" dirty="0"/>
+              <a:t>:</a:t>
             </a:r>
           </a:p>
           <a:p>
@@ -4069,7 +4421,58 @@
             </a:pPr>
             <a:r>
               <a:rPr lang="en-US" dirty="0"/>
-              <a:t>Dense solver</a:t>
+              <a:t>Numerical drawdown match the analytical Theis solution very well in the intermediate time region</a:t>
+            </a:r>
+          </a:p>
+          <a:p>
+            <a:pPr marL="1085850" lvl="2" indent="-171450">
+              <a:buFont typeface="Arial" panose="020B0604020202020204" pitchFamily="34" charset="0"/>
+              <a:buChar char="•"/>
+            </a:pPr>
+            <a:r>
+              <a:rPr lang="en-US" dirty="0"/>
+              <a:t>At early times, the small deviations are caused by time discretization and startup effects</a:t>
+            </a:r>
+          </a:p>
+          <a:p>
+            <a:pPr marL="1085850" lvl="2" indent="-171450">
+              <a:buFont typeface="Arial" panose="020B0604020202020204" pitchFamily="34" charset="0"/>
+              <a:buChar char="•"/>
+            </a:pPr>
+            <a:r>
+              <a:rPr lang="en-US" dirty="0"/>
+              <a:t>At late times, numerical curve flatten while analytical solution continues to decline</a:t>
+            </a:r>
+          </a:p>
+          <a:p>
+            <a:pPr marL="1543050" lvl="3" indent="-171450">
+              <a:buFont typeface="Arial" panose="020B0604020202020204" pitchFamily="34" charset="0"/>
+              <a:buChar char="•"/>
+            </a:pPr>
+            <a:r>
+              <a:rPr lang="en-US" dirty="0"/>
+              <a:t>The Theis does not include boundaries</a:t>
+            </a:r>
+          </a:p>
+          <a:p>
+            <a:pPr marL="1543050" lvl="3" indent="-171450">
+              <a:buFont typeface="Arial" panose="020B0604020202020204" pitchFamily="34" charset="0"/>
+              <a:buChar char="•"/>
+            </a:pPr>
+            <a:endParaRPr lang="en-US" dirty="0"/>
+          </a:p>
+          <a:p>
+            <a:pPr marL="171450" lvl="0" indent="-171450">
+              <a:buFont typeface="Arial" panose="020B0604020202020204" pitchFamily="34" charset="0"/>
+              <a:buChar char="•"/>
+            </a:pPr>
+            <a:r>
+              <a:rPr lang="en-US" b="1" dirty="0"/>
+              <a:t>Grid refinement</a:t>
+            </a:r>
+            <a:r>
+              <a:rPr lang="en-US" dirty="0"/>
+              <a:t>:</a:t>
             </a:r>
           </a:p>
           <a:p>
@@ -4079,7 +4482,38 @@
             </a:pPr>
             <a:r>
               <a:rPr lang="en-US" dirty="0"/>
-              <a:t>Sparse solver</a:t>
+              <a:t>When increasing number of grid cells (N), match improves</a:t>
+            </a:r>
+          </a:p>
+          <a:p>
+            <a:pPr marL="1085850" lvl="2" indent="-171450">
+              <a:buFont typeface="Arial" panose="020B0604020202020204" pitchFamily="34" charset="0"/>
+              <a:buChar char="•"/>
+            </a:pPr>
+            <a:r>
+              <a:rPr lang="en-US" dirty="0"/>
+              <a:t>Spatial convergence (finer discretization leads to lower numerical error)</a:t>
+            </a:r>
+          </a:p>
+          <a:p>
+            <a:pPr marL="171450" lvl="0" indent="-171450">
+              <a:buFont typeface="Arial" panose="020B0604020202020204" pitchFamily="34" charset="0"/>
+              <a:buChar char="•"/>
+            </a:pPr>
+            <a:endParaRPr lang="en-US" dirty="0"/>
+          </a:p>
+          <a:p>
+            <a:pPr marL="171450" lvl="0" indent="-171450">
+              <a:buFont typeface="Arial" panose="020B0604020202020204" pitchFamily="34" charset="0"/>
+              <a:buChar char="•"/>
+            </a:pPr>
+            <a:r>
+              <a:rPr lang="en-US" b="1" dirty="0"/>
+              <a:t>Performance</a:t>
+            </a:r>
+            <a:r>
+              <a:rPr lang="en-US" dirty="0"/>
+              <a:t>:</a:t>
             </a:r>
           </a:p>
           <a:p>
@@ -4089,14 +4523,105 @@
             </a:pPr>
             <a:r>
               <a:rPr lang="en-US" dirty="0"/>
+              <a:t>Three linear solvers</a:t>
+            </a:r>
+          </a:p>
+          <a:p>
+            <a:pPr marL="1085850" lvl="2" indent="-171450">
+              <a:buFont typeface="Arial" panose="020B0604020202020204" pitchFamily="34" charset="0"/>
+              <a:buChar char="•"/>
+            </a:pPr>
+            <a:r>
+              <a:rPr lang="en-US" dirty="0"/>
+              <a:t>Dense (NumPy)</a:t>
+            </a:r>
+          </a:p>
+          <a:p>
+            <a:pPr marL="1085850" lvl="2" indent="-171450">
+              <a:buFont typeface="Arial" panose="020B0604020202020204" pitchFamily="34" charset="0"/>
+              <a:buChar char="•"/>
+            </a:pPr>
+            <a:r>
+              <a:rPr lang="en-US" dirty="0"/>
+              <a:t>Sparse (SciPy)</a:t>
+            </a:r>
+          </a:p>
+          <a:p>
+            <a:pPr marL="1085850" lvl="2" indent="-171450">
+              <a:buFont typeface="Arial" panose="020B0604020202020204" pitchFamily="34" charset="0"/>
+              <a:buChar char="•"/>
+            </a:pPr>
+            <a:r>
+              <a:rPr lang="en-US" dirty="0"/>
               <a:t>Thomas algorithm</a:t>
             </a:r>
           </a:p>
           <a:p>
+            <a:pPr marL="1543050" lvl="3" indent="-171450">
+              <a:buFont typeface="Arial" panose="020B0604020202020204" pitchFamily="34" charset="0"/>
+              <a:buChar char="•"/>
+            </a:pPr>
+            <a:r>
+              <a:rPr lang="en-US" dirty="0"/>
+              <a:t>For small N, all perform similarly.</a:t>
+            </a:r>
+          </a:p>
+          <a:p>
+            <a:pPr marL="1543050" lvl="3" indent="-171450">
+              <a:buFont typeface="Arial" panose="020B0604020202020204" pitchFamily="34" charset="0"/>
+              <a:buChar char="•"/>
+            </a:pPr>
+            <a:r>
+              <a:rPr lang="en-US" dirty="0"/>
+              <a:t>For large N, Thomas algorithm is the fastest – but we expected a bigger change from SciPy</a:t>
+            </a:r>
+          </a:p>
+          <a:p>
+            <a:pPr marL="1543050" lvl="3" indent="-171450">
+              <a:buFont typeface="Arial" panose="020B0604020202020204" pitchFamily="34" charset="0"/>
+              <a:buChar char="•"/>
+            </a:pPr>
+            <a:endParaRPr lang="en-US" dirty="0"/>
+          </a:p>
+          <a:p>
+            <a:pPr marL="171450" lvl="0" indent="-171450">
+              <a:buFont typeface="Arial" panose="020B0604020202020204" pitchFamily="34" charset="0"/>
+              <a:buChar char="•"/>
+            </a:pPr>
+            <a:r>
+              <a:rPr lang="en-US" b="1" dirty="0"/>
+              <a:t>Learning point</a:t>
+            </a:r>
+            <a:r>
+              <a:rPr lang="en-US" dirty="0"/>
+              <a:t>:</a:t>
+            </a:r>
+          </a:p>
+          <a:p>
             <a:pPr marL="628650" lvl="1" indent="-171450">
               <a:buFont typeface="Arial" panose="020B0604020202020204" pitchFamily="34" charset="0"/>
               <a:buChar char="•"/>
             </a:pPr>
+            <a:r>
+              <a:rPr lang="en-US" dirty="0"/>
+              <a:t>Confirms solver accuracy and efficiency</a:t>
+            </a:r>
+          </a:p>
+          <a:p>
+            <a:pPr marL="1085850" lvl="2" indent="-171450">
+              <a:buFont typeface="Arial" panose="020B0604020202020204" pitchFamily="34" charset="0"/>
+              <a:buChar char="•"/>
+            </a:pPr>
+            <a:r>
+              <a:rPr lang="en-US" dirty="0"/>
+              <a:t>Solvers behave as theory predicts in different flow regimes</a:t>
+            </a:r>
+          </a:p>
+          <a:p>
+            <a:pPr marL="1085850" lvl="2" indent="-171450">
+              <a:buFont typeface="Arial" panose="020B0604020202020204" pitchFamily="34" charset="0"/>
+              <a:buChar char="•"/>
+            </a:pPr>
             <a:endParaRPr lang="en-US" dirty="0"/>
           </a:p>
           <a:p>
@@ -4105,8 +4630,12 @@
               <a:buChar char="•"/>
             </a:pPr>
             <a:r>
-              <a:rPr lang="en-US" dirty="0"/>
-              <a:t>Implementation:</a:t>
+              <a:rPr lang="en-US" b="1" dirty="0"/>
+              <a:t>Graph</a:t>
+            </a:r>
+            <a:r>
+              <a:rPr lang="en-US" dirty="0"/>
+              <a:t>: </a:t>
             </a:r>
           </a:p>
           <a:p>
@@ -4116,7 +4645,33 @@
             </a:pPr>
             <a:r>
               <a:rPr lang="en-US" dirty="0"/>
-              <a:t>Timing across multiple N and timesteps</a:t>
+              <a:t>Shows pressure drawdown response over time for different grid sizes and radii</a:t>
+            </a:r>
+          </a:p>
+          <a:p>
+            <a:pPr marL="1085850" lvl="2" indent="-171450">
+              <a:buFont typeface="Arial" panose="020B0604020202020204" pitchFamily="34" charset="0"/>
+              <a:buChar char="•"/>
+            </a:pPr>
+            <a:r>
+              <a:rPr lang="en-US" dirty="0"/>
+              <a:t>Drawdown (difference in pressure </a:t>
+            </a:r>
+            <a:r>
+              <a:rPr lang="el-GR" dirty="0"/>
+              <a:t>−Δ</a:t>
+            </a:r>
+            <a:r>
+              <a:rPr lang="en-US" dirty="0"/>
+              <a:t>p=pi​−p(</a:t>
+            </a:r>
+            <a:r>
+              <a:rPr lang="en-US" dirty="0" err="1"/>
+              <a:t>r,t</a:t>
+            </a:r>
+            <a:r>
+              <a:rPr lang="en-US" dirty="0"/>
+              <a:t>)) </a:t>
             </a:r>
           </a:p>
           <a:p>
@@ -4126,7 +4681,67 @@
             </a:pPr>
             <a:r>
               <a:rPr lang="en-US" dirty="0"/>
-              <a:t>Logged average runtime</a:t>
+              <a:t>Intermediate time:</a:t>
+            </a:r>
+          </a:p>
+          <a:p>
+            <a:pPr marL="1085850" lvl="2" indent="-171450">
+              <a:buFont typeface="Arial" panose="020B0604020202020204" pitchFamily="34" charset="0"/>
+              <a:buChar char="•"/>
+            </a:pPr>
+            <a:r>
+              <a:rPr lang="en-US" dirty="0"/>
+              <a:t>Numerical solution:</a:t>
+            </a:r>
+          </a:p>
+          <a:p>
+            <a:pPr marL="1543050" lvl="3" indent="-171450">
+              <a:buFont typeface="Arial" panose="020B0604020202020204" pitchFamily="34" charset="0"/>
+              <a:buChar char="•"/>
+            </a:pPr>
+            <a:r>
+              <a:rPr lang="en-US" dirty="0"/>
+              <a:t>Constant slope</a:t>
+            </a:r>
+          </a:p>
+          <a:p>
+            <a:pPr marL="1085850" lvl="2" indent="-171450">
+              <a:buFont typeface="Arial" panose="020B0604020202020204" pitchFamily="34" charset="0"/>
+              <a:buChar char="•"/>
+            </a:pPr>
+            <a:r>
+              <a:rPr lang="en-US" dirty="0"/>
+              <a:t>Analytical (Theis) solution:</a:t>
+            </a:r>
+          </a:p>
+          <a:p>
+            <a:pPr marL="1543050" lvl="3" indent="-171450">
+              <a:buFont typeface="Arial" panose="020B0604020202020204" pitchFamily="34" charset="0"/>
+              <a:buChar char="•"/>
+            </a:pPr>
+            <a:r>
+              <a:rPr lang="en-US" dirty="0"/>
+              <a:t>Constant slope</a:t>
+            </a:r>
+          </a:p>
+          <a:p>
+            <a:pPr marL="1085850" lvl="2" indent="-171450">
+              <a:buFont typeface="Arial" panose="020B0604020202020204" pitchFamily="34" charset="0"/>
+              <a:buChar char="•"/>
+            </a:pPr>
+            <a:r>
+              <a:rPr lang="en-US" dirty="0"/>
+              <a:t>Why</a:t>
+            </a:r>
+          </a:p>
+          <a:p>
+            <a:pPr marL="1543050" lvl="3" indent="-171450">
+              <a:buFont typeface="Arial" panose="020B0604020202020204" pitchFamily="34" charset="0"/>
+              <a:buChar char="•"/>
+            </a:pPr>
+            <a:r>
+              <a:rPr lang="en-US" dirty="0"/>
+              <a:t>Pressure front is still inside reservoir (infinite-acting radial flow), so no change</a:t>
             </a:r>
           </a:p>
           <a:p>
@@ -4134,70 +4749,90 @@
               <a:buFont typeface="Arial" panose="020B0604020202020204" pitchFamily="34" charset="0"/>
               <a:buChar char="•"/>
             </a:pPr>
+            <a:r>
+              <a:rPr lang="en-US" dirty="0"/>
+              <a:t>Late time:</a:t>
+            </a:r>
+          </a:p>
+          <a:p>
+            <a:pPr marL="1085850" lvl="2" indent="-171450">
+              <a:buFont typeface="Arial" panose="020B0604020202020204" pitchFamily="34" charset="0"/>
+              <a:buChar char="•"/>
+            </a:pPr>
+            <a:r>
+              <a:rPr lang="en-US" dirty="0"/>
+              <a:t>Numerical solution:</a:t>
+            </a:r>
+          </a:p>
+          <a:p>
+            <a:pPr marL="1543050" lvl="3" indent="-171450">
+              <a:buFont typeface="Arial" panose="020B0604020202020204" pitchFamily="34" charset="0"/>
+              <a:buChar char="•"/>
+            </a:pPr>
+            <a:r>
+              <a:rPr lang="en-US" dirty="0"/>
+              <a:t>Curve bends upward and flatten out toward steady-state</a:t>
+            </a:r>
+          </a:p>
+          <a:p>
+            <a:pPr marL="1085850" lvl="2" indent="-171450">
+              <a:buFont typeface="Arial" panose="020B0604020202020204" pitchFamily="34" charset="0"/>
+              <a:buChar char="•"/>
+            </a:pPr>
+            <a:r>
+              <a:rPr lang="en-US" dirty="0"/>
+              <a:t>Analytical (Theis) solution:</a:t>
+            </a:r>
+          </a:p>
+          <a:p>
+            <a:pPr marL="1543050" lvl="3" indent="-171450">
+              <a:buFont typeface="Arial" panose="020B0604020202020204" pitchFamily="34" charset="0"/>
+              <a:buChar char="•"/>
+            </a:pPr>
+            <a:r>
+              <a:rPr lang="en-US" dirty="0"/>
+              <a:t>Declining at a faster rate for all radii</a:t>
+            </a:r>
+          </a:p>
+          <a:p>
+            <a:pPr marL="1085850" lvl="2" indent="-171450">
+              <a:buFont typeface="Arial" panose="020B0604020202020204" pitchFamily="34" charset="0"/>
+              <a:buChar char="•"/>
+            </a:pPr>
+            <a:r>
+              <a:rPr lang="en-US" dirty="0"/>
+              <a:t>Why:</a:t>
+            </a:r>
+          </a:p>
+          <a:p>
+            <a:pPr marL="1543050" lvl="3" indent="-171450">
+              <a:buFont typeface="Arial" panose="020B0604020202020204" pitchFamily="34" charset="0"/>
+              <a:buChar char="•"/>
+            </a:pPr>
+            <a:r>
+              <a:rPr lang="en-US" dirty="0"/>
+              <a:t>Numerical solution reaches the outer boundary re and approaches steady-state profile</a:t>
+            </a:r>
+          </a:p>
+          <a:p>
+            <a:pPr marL="1543050" lvl="3" indent="-171450">
+              <a:buFont typeface="Arial" panose="020B0604020202020204" pitchFamily="34" charset="0"/>
+              <a:buChar char="•"/>
+            </a:pPr>
+            <a:r>
+              <a:rPr lang="en-US" dirty="0"/>
+              <a:t>Analytical assumes infinite reservoir, so will decrease infinitely</a:t>
+            </a:r>
+          </a:p>
+          <a:p>
+            <a:pPr marL="1543050" lvl="3" indent="-171450">
+              <a:buFont typeface="Arial" panose="020B0604020202020204" pitchFamily="34" charset="0"/>
+              <a:buChar char="•"/>
+            </a:pPr>
             <a:endParaRPr lang="en-US" dirty="0"/>
           </a:p>
           <a:p>
-            <a:pPr marL="171450" lvl="0" indent="-171450">
-              <a:buFont typeface="Arial" panose="020B0604020202020204" pitchFamily="34" charset="0"/>
-              <a:buChar char="•"/>
-            </a:pPr>
-            <a:r>
-              <a:rPr lang="en-US" dirty="0"/>
-              <a:t>Results:</a:t>
-            </a:r>
-          </a:p>
-          <a:p>
             <a:pPr marL="628650" lvl="1" indent="-171450">
-              <a:buFont typeface="Arial" panose="020B0604020202020204" pitchFamily="34" charset="0"/>
-              <a:buChar char="•"/>
-            </a:pPr>
-            <a:r>
-              <a:rPr lang="en-US" dirty="0"/>
-              <a:t>For small N, all methods similar (overhead dominates)</a:t>
-            </a:r>
-          </a:p>
-          <a:p>
-            <a:pPr marL="628650" lvl="1" indent="-171450">
-              <a:buFont typeface="Arial" panose="020B0604020202020204" pitchFamily="34" charset="0"/>
-              <a:buChar char="•"/>
-            </a:pPr>
-            <a:r>
-              <a:rPr lang="en-US" dirty="0"/>
-              <a:t>Around N~200, SciPy overtakes NumPy</a:t>
-            </a:r>
-          </a:p>
-          <a:p>
-            <a:pPr marL="628650" lvl="1" indent="-171450">
-              <a:buFont typeface="Arial" panose="020B0604020202020204" pitchFamily="34" charset="0"/>
-              <a:buChar char="•"/>
-            </a:pPr>
-            <a:r>
-              <a:rPr lang="en-US" dirty="0"/>
-              <a:t>Around N~200 Thomas is fastest</a:t>
-            </a:r>
-          </a:p>
-          <a:p>
-            <a:pPr marL="628650" lvl="1" indent="-171450">
-              <a:buFont typeface="Arial" panose="020B0604020202020204" pitchFamily="34" charset="0"/>
-              <a:buChar char="•"/>
-            </a:pPr>
-            <a:r>
-              <a:rPr lang="en-US" dirty="0"/>
-              <a:t>Consistent with theoretical complexity</a:t>
-            </a:r>
-          </a:p>
-          <a:p>
-            <a:pPr marL="1085850" lvl="2" indent="-171450">
-              <a:buFont typeface="Arial" panose="020B0604020202020204" pitchFamily="34" charset="0"/>
-              <a:buChar char="•"/>
-            </a:pPr>
-            <a:r>
-              <a:rPr lang="en-US" dirty="0"/>
-              <a:t>Expected Thomas to be way faster than SciPy for large N</a:t>
-            </a:r>
-          </a:p>
-          <a:p>
-            <a:pPr marL="1085850" lvl="2" indent="-171450">
               <a:buFont typeface="Arial" panose="020B0604020202020204" pitchFamily="34" charset="0"/>
               <a:buChar char="•"/>
             </a:pPr>
@@ -4231,7 +4866,7 @@
     </p:spTree>
     <p:extLst>
       <p:ext uri="{BB962C8B-B14F-4D97-AF65-F5344CB8AC3E}">
-        <p14:creationId xmlns:p14="http://schemas.microsoft.com/office/powerpoint/2010/main" val="2664956540"/>
+        <p14:creationId xmlns:p14="http://schemas.microsoft.com/office/powerpoint/2010/main" val="627891708"/>
       </p:ext>
     </p:extLst>
   </p:cSld>
@@ -4290,7 +4925,7 @@
               <a:buChar char="•"/>
             </a:pPr>
             <a:r>
-              <a:rPr lang="en-US" dirty="0"/>
+              <a:rPr lang="en-US" b="1" dirty="0"/>
               <a:t>Exercise objective:</a:t>
             </a:r>
           </a:p>
@@ -4301,7 +4936,24 @@
             </a:pPr>
             <a:r>
               <a:rPr lang="en-US" dirty="0"/>
-              <a:t>Load well test pressure data</a:t>
+              <a:t>Visualization of 3 solvers; dense (NumPy), sparse (SciPy) and Thomas algorithm</a:t>
+            </a:r>
+          </a:p>
+          <a:p>
+            <a:pPr marL="457200" lvl="1" indent="0">
+              <a:buFont typeface="Arial" panose="020B0604020202020204" pitchFamily="34" charset="0"/>
+              <a:buNone/>
+            </a:pPr>
+            <a:endParaRPr lang="en-US" dirty="0"/>
+          </a:p>
+          <a:p>
+            <a:pPr marL="171450" lvl="0" indent="-171450">
+              <a:buFont typeface="Arial" panose="020B0604020202020204" pitchFamily="34" charset="0"/>
+              <a:buChar char="•"/>
+            </a:pPr>
+            <a:r>
+              <a:rPr lang="en-US" b="1" dirty="0"/>
+              <a:t>Implementation:</a:t>
             </a:r>
           </a:p>
           <a:p>
@@ -4311,7 +4963,7 @@
             </a:pPr>
             <a:r>
               <a:rPr lang="en-US" dirty="0"/>
-              <a:t>Convert units to SI</a:t>
+              <a:t>Timing across multiple N and timesteps</a:t>
             </a:r>
           </a:p>
           <a:p>
@@ -4321,30 +4973,7 @@
             </a:pPr>
             <a:r>
               <a:rPr lang="en-US" dirty="0"/>
-              <a:t>Scatter plot of well pressure vs time</a:t>
-            </a:r>
-          </a:p>
-          <a:p>
-            <a:pPr marL="628650" marR="0" lvl="1" indent="-171450" algn="l" defTabSz="914400" rtl="0" eaLnBrk="1" fontAlgn="auto" latinLnBrk="0" hangingPunct="1">
-              <a:lnSpc>
-                <a:spcPct val="100000"/>
-              </a:lnSpc>
-              <a:spcBef>
-                <a:spcPts val="0"/>
-              </a:spcBef>
-              <a:spcAft>
-                <a:spcPts val="0"/>
-              </a:spcAft>
-              <a:buClrTx/>
-              <a:buSzTx/>
-              <a:buFont typeface="Arial" panose="020B0604020202020204" pitchFamily="34" charset="0"/>
-              <a:buChar char="•"/>
-              <a:tabLst/>
-              <a:defRPr/>
-            </a:pPr>
-            <a:r>
-              <a:rPr lang="en-US" dirty="0"/>
-              <a:t>Derive formula for pw in terms of p0 (well block)</a:t>
+              <a:t>Logged average runtime</a:t>
             </a:r>
           </a:p>
           <a:p>
@@ -4359,258 +4988,71 @@
               <a:buFont typeface="Arial" panose="020B0604020202020204" pitchFamily="34" charset="0"/>
               <a:buChar char="•"/>
             </a:pPr>
+            <a:r>
+              <a:rPr lang="en-US" b="1" dirty="0"/>
+              <a:t>Results on graphs</a:t>
+            </a:r>
+            <a:r>
+              <a:rPr lang="en-US" dirty="0"/>
+              <a:t>:</a:t>
+            </a:r>
+          </a:p>
+          <a:p>
+            <a:pPr marL="628650" lvl="1" indent="-171450">
+              <a:buFont typeface="Arial" panose="020B0604020202020204" pitchFamily="34" charset="0"/>
+              <a:buChar char="•"/>
+            </a:pPr>
+            <a:r>
+              <a:rPr lang="en-US" dirty="0"/>
+              <a:t>For small N, all methods similar (overhead dominates)</a:t>
+            </a:r>
+          </a:p>
+          <a:p>
+            <a:pPr marL="628650" lvl="1" indent="-171450">
+              <a:buFont typeface="Arial" panose="020B0604020202020204" pitchFamily="34" charset="0"/>
+              <a:buChar char="•"/>
+            </a:pPr>
+            <a:r>
+              <a:rPr lang="en-US" dirty="0"/>
+              <a:t>Around N~200, SciPy overtakes NumPy</a:t>
+            </a:r>
+          </a:p>
+          <a:p>
+            <a:pPr marL="628650" lvl="1" indent="-171450">
+              <a:buFont typeface="Arial" panose="020B0604020202020204" pitchFamily="34" charset="0"/>
+              <a:buChar char="•"/>
+            </a:pPr>
+            <a:r>
+              <a:rPr lang="en-US" dirty="0"/>
+              <a:t>Around N~200 Thomas is fastest</a:t>
+            </a:r>
+          </a:p>
+          <a:p>
+            <a:pPr marL="628650" lvl="1" indent="-171450">
+              <a:buFont typeface="Arial" panose="020B0604020202020204" pitchFamily="34" charset="0"/>
+              <a:buChar char="•"/>
+            </a:pPr>
+            <a:r>
+              <a:rPr lang="en-US" dirty="0"/>
+              <a:t>Consistent with theoretical complexity</a:t>
+            </a:r>
+          </a:p>
+          <a:p>
+            <a:pPr marL="1085850" lvl="2" indent="-171450">
+              <a:buFont typeface="Arial" panose="020B0604020202020204" pitchFamily="34" charset="0"/>
+              <a:buChar char="•"/>
+            </a:pPr>
+            <a:r>
+              <a:rPr lang="en-US" dirty="0"/>
+              <a:t>Expected Thomas to be way faster than SciPy for large N</a:t>
+            </a:r>
+          </a:p>
+          <a:p>
+            <a:pPr marL="1085850" lvl="2" indent="-171450">
+              <a:buFont typeface="Arial" panose="020B0604020202020204" pitchFamily="34" charset="0"/>
+              <a:buChar char="•"/>
+            </a:pPr>
             <a:endParaRPr lang="en-US" dirty="0"/>
-          </a:p>
-          <a:p>
-            <a:pPr marL="171450" lvl="0" indent="-171450">
-              <a:buFont typeface="Arial" panose="020B0604020202020204" pitchFamily="34" charset="0"/>
-              <a:buChar char="•"/>
-            </a:pPr>
-            <a:r>
-              <a:rPr lang="en-US" dirty="0"/>
-              <a:t>Theory:</a:t>
-            </a:r>
-          </a:p>
-          <a:p>
-            <a:pPr marL="628650" lvl="1" indent="-171450">
-              <a:buFont typeface="Arial" panose="020B0604020202020204" pitchFamily="34" charset="0"/>
-              <a:buChar char="•"/>
-            </a:pPr>
-            <a:r>
-              <a:rPr lang="en-US" dirty="0"/>
-              <a:t>Observed data shows early drawdown</a:t>
-            </a:r>
-          </a:p>
-          <a:p>
-            <a:pPr marL="628650" lvl="1" indent="-171450">
-              <a:buFont typeface="Arial" panose="020B0604020202020204" pitchFamily="34" charset="0"/>
-              <a:buChar char="•"/>
-            </a:pPr>
-            <a:r>
-              <a:rPr lang="en-US" dirty="0"/>
-              <a:t>Intermediate linear </a:t>
-            </a:r>
-            <a:r>
-              <a:rPr lang="en-US" dirty="0" err="1"/>
-              <a:t>semilog</a:t>
-            </a:r>
-            <a:r>
-              <a:rPr lang="en-US" dirty="0"/>
-              <a:t> region</a:t>
-            </a:r>
-          </a:p>
-          <a:p>
-            <a:pPr marL="628650" lvl="1" indent="-171450">
-              <a:buFont typeface="Arial" panose="020B0604020202020204" pitchFamily="34" charset="0"/>
-              <a:buChar char="•"/>
-            </a:pPr>
-            <a:r>
-              <a:rPr lang="en-US" dirty="0"/>
-              <a:t>Late time stabilization (boundary-dominated flow)</a:t>
-            </a:r>
-          </a:p>
-          <a:p>
-            <a:pPr marL="628650" lvl="1" indent="-171450">
-              <a:buFont typeface="Arial" panose="020B0604020202020204" pitchFamily="34" charset="0"/>
-              <a:buChar char="•"/>
-            </a:pPr>
-            <a:r>
-              <a:rPr lang="en-US" dirty="0"/>
-              <a:t>Neumann BC at well gives </a:t>
-            </a:r>
-            <a:r>
-              <a:rPr lang="en-US" dirty="0" err="1"/>
-              <a:t>dp</a:t>
-            </a:r>
-            <a:r>
-              <a:rPr lang="en-US" dirty="0"/>
-              <a:t>/</a:t>
-            </a:r>
-            <a:r>
-              <a:rPr lang="en-US" dirty="0" err="1"/>
-              <a:t>dy</a:t>
-            </a:r>
-            <a:r>
-              <a:rPr lang="en-US" dirty="0"/>
-              <a:t> = </a:t>
-            </a:r>
-            <a:r>
-              <a:rPr lang="el-GR" dirty="0"/>
-              <a:t>α</a:t>
-            </a:r>
-            <a:endParaRPr lang="en-US" dirty="0"/>
-          </a:p>
-          <a:p>
-            <a:pPr marL="628650" lvl="1" indent="-171450">
-              <a:buFont typeface="Arial" panose="020B0604020202020204" pitchFamily="34" charset="0"/>
-              <a:buChar char="•"/>
-            </a:pPr>
-            <a:r>
-              <a:rPr lang="en-US" dirty="0"/>
-              <a:t>Taylor over half-cell gives pw ~p0 – </a:t>
-            </a:r>
-            <a:r>
-              <a:rPr lang="el-GR" dirty="0"/>
-              <a:t>Δ</a:t>
-            </a:r>
-            <a:r>
-              <a:rPr lang="en-US" dirty="0"/>
-              <a:t>y/2 * </a:t>
-            </a:r>
-            <a:r>
-              <a:rPr lang="el-GR" dirty="0"/>
-              <a:t>α</a:t>
-            </a:r>
-            <a:endParaRPr lang="en-US" dirty="0"/>
-          </a:p>
-          <a:p>
-            <a:pPr marL="628650" lvl="1" indent="-171450">
-              <a:buFont typeface="Arial" panose="020B0604020202020204" pitchFamily="34" charset="0"/>
-              <a:buChar char="•"/>
-            </a:pPr>
-            <a:endParaRPr lang="en-US" dirty="0"/>
-          </a:p>
-          <a:p>
-            <a:pPr marL="628650" lvl="1" indent="-171450">
-              <a:buFont typeface="Arial" panose="020B0604020202020204" pitchFamily="34" charset="0"/>
-              <a:buChar char="•"/>
-            </a:pPr>
-            <a:endParaRPr lang="en-US" dirty="0"/>
-          </a:p>
-          <a:p>
-            <a:pPr marL="171450" lvl="0" indent="-171450">
-              <a:buFont typeface="Arial" panose="020B0604020202020204" pitchFamily="34" charset="0"/>
-              <a:buChar char="•"/>
-            </a:pPr>
-            <a:r>
-              <a:rPr lang="en-US" dirty="0"/>
-              <a:t>Implementation:</a:t>
-            </a:r>
-          </a:p>
-          <a:p>
-            <a:pPr marL="628650" lvl="1" indent="-171450">
-              <a:buFont typeface="Arial" panose="020B0604020202020204" pitchFamily="34" charset="0"/>
-              <a:buChar char="•"/>
-            </a:pPr>
-            <a:r>
-              <a:rPr lang="en-US" dirty="0"/>
-              <a:t>‘pandas’ for reading ‘well_bhp.dat’</a:t>
-            </a:r>
-          </a:p>
-          <a:p>
-            <a:pPr marL="628650" lvl="1" indent="-171450">
-              <a:buFont typeface="Arial" panose="020B0604020202020204" pitchFamily="34" charset="0"/>
-              <a:buChar char="•"/>
-            </a:pPr>
-            <a:r>
-              <a:rPr lang="en-US" dirty="0"/>
-              <a:t>Unit conversion psi -&gt; SI</a:t>
-            </a:r>
-          </a:p>
-          <a:p>
-            <a:pPr marL="628650" lvl="1" indent="-171450">
-              <a:buFont typeface="Arial" panose="020B0604020202020204" pitchFamily="34" charset="0"/>
-              <a:buChar char="•"/>
-            </a:pPr>
-            <a:r>
-              <a:rPr lang="en-US" dirty="0"/>
-              <a:t>Scatter plot for inspection</a:t>
-            </a:r>
-          </a:p>
-          <a:p>
-            <a:pPr marL="628650" lvl="1" indent="-171450">
-              <a:buFont typeface="Arial" panose="020B0604020202020204" pitchFamily="34" charset="0"/>
-              <a:buChar char="•"/>
-            </a:pPr>
-            <a:r>
-              <a:rPr lang="en-US" dirty="0"/>
-              <a:t>‘</a:t>
-            </a:r>
-            <a:r>
-              <a:rPr lang="en-US" dirty="0" err="1"/>
-              <a:t>well_pressure_from_block</a:t>
-            </a:r>
-            <a:r>
-              <a:rPr lang="en-US" dirty="0"/>
-              <a:t>()’ computes for each timestep</a:t>
-            </a:r>
-          </a:p>
-          <a:p>
-            <a:pPr marL="1085850" lvl="2" indent="-171450">
-              <a:buFont typeface="Arial" panose="020B0604020202020204" pitchFamily="34" charset="0"/>
-              <a:buChar char="•"/>
-            </a:pPr>
-            <a:r>
-              <a:rPr lang="en-US" dirty="0"/>
-              <a:t>Used for matching with well test data</a:t>
-            </a:r>
-          </a:p>
-          <a:p>
-            <a:pPr marL="628650" lvl="1" indent="-171450">
-              <a:buFont typeface="Arial" panose="020B0604020202020204" pitchFamily="34" charset="0"/>
-              <a:buChar char="•"/>
-            </a:pPr>
-            <a:endParaRPr lang="en-US" dirty="0"/>
-          </a:p>
-          <a:p>
-            <a:pPr marL="171450" lvl="0" indent="-171450">
-              <a:buFont typeface="Arial" panose="020B0604020202020204" pitchFamily="34" charset="0"/>
-              <a:buChar char="•"/>
-            </a:pPr>
-            <a:endParaRPr lang="en-US" dirty="0"/>
-          </a:p>
-          <a:p>
-            <a:pPr marL="171450" lvl="0" indent="-171450">
-              <a:buFont typeface="Arial" panose="020B0604020202020204" pitchFamily="34" charset="0"/>
-              <a:buChar char="•"/>
-            </a:pPr>
-            <a:r>
-              <a:rPr lang="en-US" dirty="0"/>
-              <a:t>Results:</a:t>
-            </a:r>
-          </a:p>
-          <a:p>
-            <a:pPr marL="628650" lvl="1" indent="-171450">
-              <a:buFont typeface="Arial" panose="020B0604020202020204" pitchFamily="34" charset="0"/>
-              <a:buChar char="•"/>
-            </a:pPr>
-            <a:r>
-              <a:rPr lang="en-US" dirty="0"/>
-              <a:t>Data aligns with expected pressure decline curve shape</a:t>
-            </a:r>
-          </a:p>
-          <a:p>
-            <a:pPr marL="628650" lvl="1" indent="-171450">
-              <a:buFont typeface="Arial" panose="020B0604020202020204" pitchFamily="34" charset="0"/>
-              <a:buChar char="•"/>
-            </a:pPr>
-            <a:r>
-              <a:rPr lang="en-US" dirty="0"/>
-              <a:t>Late-time plateau indicates boundary reached</a:t>
-            </a:r>
-          </a:p>
-          <a:p>
-            <a:pPr marL="628650" marR="0" lvl="1" indent="-171450" algn="l" defTabSz="914400" rtl="0" eaLnBrk="1" fontAlgn="auto" latinLnBrk="0" hangingPunct="1">
-              <a:lnSpc>
-                <a:spcPct val="100000"/>
-              </a:lnSpc>
-              <a:spcBef>
-                <a:spcPts val="0"/>
-              </a:spcBef>
-              <a:spcAft>
-                <a:spcPts val="0"/>
-              </a:spcAft>
-              <a:buClrTx/>
-              <a:buSzTx/>
-              <a:buFont typeface="Arial" panose="020B0604020202020204" pitchFamily="34" charset="0"/>
-              <a:buChar char="•"/>
-              <a:tabLst/>
-              <a:defRPr/>
-            </a:pPr>
-            <a:r>
-              <a:rPr lang="en-US" dirty="0"/>
-              <a:t>Accurate approximation of well pressure for comparison with measurements</a:t>
-            </a:r>
           </a:p>
         </p:txBody>
       </p:sp>
@@ -4640,7 +5082,7 @@
     </p:spTree>
     <p:extLst>
       <p:ext uri="{BB962C8B-B14F-4D97-AF65-F5344CB8AC3E}">
-        <p14:creationId xmlns:p14="http://schemas.microsoft.com/office/powerpoint/2010/main" val="403667093"/>
+        <p14:creationId xmlns:p14="http://schemas.microsoft.com/office/powerpoint/2010/main" val="2664956540"/>
       </p:ext>
     </p:extLst>
   </p:cSld>
@@ -4804,7 +5246,7 @@
           <a:p>
             <a:fld id="{A4B1EFC7-1B3C-4B0F-AFC7-781CD6B4747D}" type="datetime1">
               <a:rPr lang="en-US" smtClean="0"/>
-              <a:t>10/21/2025</a:t>
+              <a:t>10/23/2025</a:t>
             </a:fld>
             <a:endParaRPr lang="en-US"/>
           </a:p>
@@ -5002,7 +5444,7 @@
           <a:p>
             <a:fld id="{45A36719-8640-4027-924D-33E828541D99}" type="datetime1">
               <a:rPr lang="en-US" smtClean="0"/>
-              <a:t>10/21/2025</a:t>
+              <a:t>10/23/2025</a:t>
             </a:fld>
             <a:endParaRPr lang="en-US"/>
           </a:p>
@@ -5210,7 +5652,7 @@
           <a:p>
             <a:fld id="{BF978F77-05EF-4003-8D2E-60226B47138D}" type="datetime1">
               <a:rPr lang="en-US" smtClean="0"/>
-              <a:t>10/21/2025</a:t>
+              <a:t>10/23/2025</a:t>
             </a:fld>
             <a:endParaRPr lang="en-US"/>
           </a:p>
@@ -5451,7 +5893,7 @@
           <a:p>
             <a:fld id="{BFADE27B-BC99-4A0A-BCFD-ED0A267D9D51}" type="datetime1">
               <a:rPr lang="en-US" smtClean="0"/>
-              <a:t>10/21/2025</a:t>
+              <a:t>10/23/2025</a:t>
             </a:fld>
             <a:endParaRPr lang="en-US"/>
           </a:p>
@@ -5729,7 +6171,7 @@
           <a:p>
             <a:fld id="{77062175-7B16-402E-9E2A-82AFC18A8DE6}" type="datetime1">
               <a:rPr lang="en-US" smtClean="0"/>
-              <a:t>10/21/2025</a:t>
+              <a:t>10/23/2025</a:t>
             </a:fld>
             <a:endParaRPr lang="en-US"/>
           </a:p>
@@ -5999,7 +6441,7 @@
           <a:p>
             <a:fld id="{46B8267C-7252-40EA-A643-356AD4037C13}" type="datetime1">
               <a:rPr lang="en-US" smtClean="0"/>
-              <a:t>10/21/2025</a:t>
+              <a:t>10/23/2025</a:t>
             </a:fld>
             <a:endParaRPr lang="en-US"/>
           </a:p>
@@ -6421,7 +6863,7 @@
           <a:p>
             <a:fld id="{AE93C845-5CAB-4C98-B308-7DC64DC94442}" type="datetime1">
               <a:rPr lang="en-US" smtClean="0"/>
-              <a:t>10/21/2025</a:t>
+              <a:t>10/23/2025</a:t>
             </a:fld>
             <a:endParaRPr lang="en-US"/>
           </a:p>
@@ -6566,7 +7008,7 @@
           <a:p>
             <a:fld id="{C27C57F5-CCCF-4169-9887-C85A6A4A9305}" type="datetime1">
               <a:rPr lang="en-US" smtClean="0"/>
-              <a:t>10/21/2025</a:t>
+              <a:t>10/23/2025</a:t>
             </a:fld>
             <a:endParaRPr lang="en-US"/>
           </a:p>
@@ -6679,7 +7121,7 @@
           <a:p>
             <a:fld id="{F8C0A02F-ABD3-4941-934D-1D1C21EA3D08}" type="datetime1">
               <a:rPr lang="en-US" smtClean="0"/>
-              <a:t>10/21/2025</a:t>
+              <a:t>10/23/2025</a:t>
             </a:fld>
             <a:endParaRPr lang="en-US"/>
           </a:p>
@@ -6993,7 +7435,7 @@
           <a:p>
             <a:fld id="{68FC8457-5E11-4F74-9E39-A700DF498CFF}" type="datetime1">
               <a:rPr lang="en-US" smtClean="0"/>
-              <a:t>10/21/2025</a:t>
+              <a:t>10/23/2025</a:t>
             </a:fld>
             <a:endParaRPr lang="en-US"/>
           </a:p>
@@ -7287,7 +7729,7 @@
           <a:p>
             <a:fld id="{22796D06-1C8D-4B9D-9720-486DA66A489C}" type="datetime1">
               <a:rPr lang="en-US" smtClean="0"/>
-              <a:t>10/21/2025</a:t>
+              <a:t>10/23/2025</a:t>
             </a:fld>
             <a:endParaRPr lang="en-US"/>
           </a:p>
@@ -7526,7 +7968,7 @@
           <a:p>
             <a:fld id="{B8CF3C04-353E-43C9-BC6F-8427A61ACD27}" type="datetime1">
               <a:rPr lang="en-US" smtClean="0"/>
-              <a:t>10/21/2025</a:t>
+              <a:t>10/23/2025</a:t>
             </a:fld>
             <a:endParaRPr lang="en-US"/>
           </a:p>
@@ -8219,7 +8661,7 @@
           <p:nvPr/>
         </p:nvPicPr>
         <p:blipFill>
-          <a:blip r:embed="rId2"/>
+          <a:blip r:embed="rId3"/>
           <a:srcRect l="1071" r="26742"/>
           <a:stretch>
             <a:fillRect/>
@@ -8278,6 +8720,415 @@
 </file>
 
 <file path=ppt/slides/slide10.xml><?xml version="1.0" encoding="utf-8"?>
+<p:sld xmlns:a="http://schemas.openxmlformats.org/drawingml/2006/main" xmlns:r="http://schemas.openxmlformats.org/officeDocument/2006/relationships" xmlns:p="http://schemas.openxmlformats.org/presentationml/2006/main">
+  <p:cSld>
+    <p:bg>
+      <p:bgPr>
+        <a:solidFill>
+          <a:schemeClr val="bg1"/>
+        </a:solidFill>
+        <a:effectLst/>
+      </p:bgPr>
+    </p:bg>
+    <p:spTree>
+      <p:nvGrpSpPr>
+        <p:cNvPr id="1" name=""/>
+        <p:cNvGrpSpPr/>
+        <p:nvPr/>
+      </p:nvGrpSpPr>
+      <p:grpSpPr>
+        <a:xfrm>
+          <a:off x="0" y="0"/>
+          <a:ext cx="0" cy="0"/>
+          <a:chOff x="0" y="0"/>
+          <a:chExt cx="0" cy="0"/>
+        </a:xfrm>
+      </p:grpSpPr>
+      <p:sp useBgFill="1">
+        <p:nvSpPr>
+          <p:cNvPr id="3083" name="Rectangle 3085">
+            <a:extLst>
+              <a:ext uri="{FF2B5EF4-FFF2-40B4-BE49-F238E27FC236}">
+                <a16:creationId xmlns:a16="http://schemas.microsoft.com/office/drawing/2014/main" id="{A3B168A7-66FE-4359-9866-CBB841A729E6}"/>
+              </a:ext>
+              <a:ext uri="{C183D7F6-B498-43B3-948B-1728B52AA6E4}">
+                <adec:decorative xmlns:adec="http://schemas.microsoft.com/office/drawing/2017/decorative" val="1"/>
+              </a:ext>
+            </a:extLst>
+          </p:cNvPr>
+          <p:cNvSpPr>
+            <a:spLocks noGrp="1" noRot="1" noChangeAspect="1" noMove="1" noResize="1" noEditPoints="1" noAdjustHandles="1" noChangeArrowheads="1" noChangeShapeType="1" noTextEdit="1"/>
+          </p:cNvSpPr>
+          <p:nvPr>
+            <p:extLst>
+              <p:ext uri="{386F3935-93C4-4BCD-93E2-E3B085C9AB24}">
+                <p16:designElem xmlns:p16="http://schemas.microsoft.com/office/powerpoint/2015/main" val="1"/>
+              </p:ext>
+            </p:extLst>
+          </p:nvPr>
+        </p:nvSpPr>
+        <p:spPr>
+          <a:xfrm>
+            <a:off x="0" y="0"/>
+            <a:ext cx="12192000" cy="6858000"/>
+          </a:xfrm>
+          <a:prstGeom prst="rect">
+            <a:avLst/>
+          </a:prstGeom>
+          <a:ln w="12700" cap="flat" cmpd="sng" algn="ctr">
+            <a:noFill/>
+            <a:prstDash val="solid"/>
+            <a:miter lim="800000"/>
+          </a:ln>
+          <a:effectLst/>
+          <a:extLst>
+            <a:ext uri="{91240B29-F687-4F45-9708-019B960494DF}">
+              <a14:hiddenLine xmlns:a14="http://schemas.microsoft.com/office/drawing/2010/main" w="12700" cap="flat" cmpd="sng" algn="ctr">
+                <a:solidFill>
+                  <a:schemeClr val="accent1">
+                    <a:shade val="50000"/>
+                  </a:schemeClr>
+                </a:solidFill>
+                <a:prstDash val="solid"/>
+                <a:miter lim="800000"/>
+              </a14:hiddenLine>
+            </a:ext>
+          </a:extLst>
+        </p:spPr>
+        <p:style>
+          <a:lnRef idx="2">
+            <a:schemeClr val="accent1">
+              <a:shade val="50000"/>
+            </a:schemeClr>
+          </a:lnRef>
+          <a:fillRef idx="1">
+            <a:schemeClr val="accent1"/>
+          </a:fillRef>
+          <a:effectRef idx="0">
+            <a:schemeClr val="accent1"/>
+          </a:effectRef>
+          <a:fontRef idx="minor">
+            <a:schemeClr val="lt1"/>
+          </a:fontRef>
+        </p:style>
+        <p:txBody>
+          <a:bodyPr rtlCol="0" anchor="ctr"/>
+          <a:lstStyle/>
+          <a:p>
+            <a:pPr algn="ctr"/>
+            <a:endParaRPr lang="en-US"/>
+          </a:p>
+        </p:txBody>
+      </p:sp>
+      <p:sp>
+        <p:nvSpPr>
+          <p:cNvPr id="2" name="Tittel 1">
+            <a:extLst>
+              <a:ext uri="{FF2B5EF4-FFF2-40B4-BE49-F238E27FC236}">
+                <a16:creationId xmlns:a16="http://schemas.microsoft.com/office/drawing/2014/main" id="{33DC3E9E-F546-CA37-11F9-3DF754126349}"/>
+              </a:ext>
+            </a:extLst>
+          </p:cNvPr>
+          <p:cNvSpPr>
+            <a:spLocks noGrp="1"/>
+          </p:cNvSpPr>
+          <p:nvPr>
+            <p:ph type="title"/>
+          </p:nvPr>
+        </p:nvSpPr>
+        <p:spPr>
+          <a:xfrm>
+            <a:off x="1091203" y="1091868"/>
+            <a:ext cx="5077479" cy="2042160"/>
+          </a:xfrm>
+        </p:spPr>
+        <p:txBody>
+          <a:bodyPr>
+            <a:normAutofit/>
+          </a:bodyPr>
+          <a:lstStyle/>
+          <a:p>
+            <a:r>
+              <a:rPr lang="en-US" sz="4000"/>
+              <a:t>Solver Performance &amp; Scaling</a:t>
+            </a:r>
+          </a:p>
+        </p:txBody>
+      </p:sp>
+      <p:cxnSp>
+        <p:nvCxnSpPr>
+          <p:cNvPr id="3084" name="Straight Connector 3087">
+            <a:extLst>
+              <a:ext uri="{FF2B5EF4-FFF2-40B4-BE49-F238E27FC236}">
+                <a16:creationId xmlns:a16="http://schemas.microsoft.com/office/drawing/2014/main" id="{E55FB8EA-5471-4074-88CA-98AA3AD98101}"/>
+              </a:ext>
+              <a:ext uri="{C183D7F6-B498-43B3-948B-1728B52AA6E4}">
+                <adec:decorative xmlns:adec="http://schemas.microsoft.com/office/drawing/2017/decorative" val="1"/>
+              </a:ext>
+            </a:extLst>
+          </p:cNvPr>
+          <p:cNvCxnSpPr>
+            <a:cxnSpLocks noGrp="1" noRot="1" noChangeAspect="1" noMove="1" noResize="1" noEditPoints="1" noAdjustHandles="1" noChangeArrowheads="1" noChangeShapeType="1"/>
+          </p:cNvCxnSpPr>
+          <p:nvPr>
+            <p:extLst>
+              <p:ext uri="{386F3935-93C4-4BCD-93E2-E3B085C9AB24}">
+                <p16:designElem xmlns:p16="http://schemas.microsoft.com/office/powerpoint/2015/main" val="1"/>
+              </p:ext>
+            </p:extLst>
+          </p:nvPr>
+        </p:nvCxnSpPr>
+        <p:spPr>
+          <a:xfrm>
+            <a:off x="-2112" y="1185205"/>
+            <a:ext cx="804195" cy="0"/>
+          </a:xfrm>
+          <a:prstGeom prst="line">
+            <a:avLst/>
+          </a:prstGeom>
+          <a:ln w="85725">
+            <a:solidFill>
+              <a:schemeClr val="tx1"/>
+            </a:solidFill>
+          </a:ln>
+        </p:spPr>
+        <p:style>
+          <a:lnRef idx="1">
+            <a:schemeClr val="accent1"/>
+          </a:lnRef>
+          <a:fillRef idx="0">
+            <a:schemeClr val="accent1"/>
+          </a:fillRef>
+          <a:effectRef idx="0">
+            <a:schemeClr val="accent1"/>
+          </a:effectRef>
+          <a:fontRef idx="minor">
+            <a:schemeClr val="tx1"/>
+          </a:fontRef>
+        </p:style>
+      </p:cxnSp>
+      <p:sp>
+        <p:nvSpPr>
+          <p:cNvPr id="3" name="Plassholder for innhold 2">
+            <a:extLst>
+              <a:ext uri="{FF2B5EF4-FFF2-40B4-BE49-F238E27FC236}">
+                <a16:creationId xmlns:a16="http://schemas.microsoft.com/office/drawing/2014/main" id="{0B9E11A0-C1F7-7276-A7AF-811CEB7E9126}"/>
+              </a:ext>
+            </a:extLst>
+          </p:cNvPr>
+          <p:cNvSpPr>
+            <a:spLocks noGrp="1"/>
+          </p:cNvSpPr>
+          <p:nvPr>
+            <p:ph idx="1"/>
+          </p:nvPr>
+        </p:nvSpPr>
+        <p:spPr>
+          <a:xfrm>
+            <a:off x="1120232" y="3204755"/>
+            <a:ext cx="4975768" cy="3028704"/>
+          </a:xfrm>
+        </p:spPr>
+        <p:txBody>
+          <a:bodyPr>
+            <a:normAutofit/>
+          </a:bodyPr>
+          <a:lstStyle/>
+          <a:p>
+            <a:pPr>
+              <a:buFont typeface="Arial" panose="020B0604020202020204" pitchFamily="34" charset="0"/>
+              <a:buChar char="•"/>
+            </a:pPr>
+            <a:r>
+              <a:rPr lang="en-US" dirty="0"/>
+              <a:t>Solvers</a:t>
+            </a:r>
+          </a:p>
+          <a:p>
+            <a:pPr lvl="1">
+              <a:buFont typeface="Arial" panose="020B0604020202020204" pitchFamily="34" charset="0"/>
+              <a:buChar char="•"/>
+            </a:pPr>
+            <a:r>
+              <a:rPr lang="en-US" dirty="0"/>
+              <a:t>Dense (NumPy) -&gt; Cubic scaling</a:t>
+            </a:r>
+          </a:p>
+          <a:p>
+            <a:pPr lvl="1">
+              <a:buFont typeface="Arial" panose="020B0604020202020204" pitchFamily="34" charset="0"/>
+              <a:buChar char="•"/>
+            </a:pPr>
+            <a:r>
+              <a:rPr lang="en-US" dirty="0"/>
+              <a:t>Sparse (SciPy) -&gt; Better at mid range N</a:t>
+            </a:r>
+          </a:p>
+          <a:p>
+            <a:pPr lvl="1">
+              <a:buFont typeface="Arial" panose="020B0604020202020204" pitchFamily="34" charset="0"/>
+              <a:buChar char="•"/>
+            </a:pPr>
+            <a:r>
+              <a:rPr lang="en-US" dirty="0"/>
+              <a:t>Thomas algorithm -&gt; Linear scaling, best overall</a:t>
+            </a:r>
+          </a:p>
+        </p:txBody>
+      </p:sp>
+      <p:pic>
+        <p:nvPicPr>
+          <p:cNvPr id="3074" name="Picture 2" descr="Et bilde som inneholder tekst, Plottdiagram, line, diagram&#10;&#10;KI-generert innhold kan være feil.">
+            <a:extLst>
+              <a:ext uri="{FF2B5EF4-FFF2-40B4-BE49-F238E27FC236}">
+                <a16:creationId xmlns:a16="http://schemas.microsoft.com/office/drawing/2014/main" id="{B227A7A2-18E7-57A8-8434-314F48D5A0D7}"/>
+              </a:ext>
+            </a:extLst>
+          </p:cNvPr>
+          <p:cNvPicPr>
+            <a:picLocks noChangeAspect="1" noChangeArrowheads="1"/>
+          </p:cNvPicPr>
+          <p:nvPr/>
+        </p:nvPicPr>
+        <p:blipFill>
+          <a:blip r:embed="rId3">
+            <a:extLst>
+              <a:ext uri="{28A0092B-C50C-407E-A947-70E740481C1C}">
+                <a14:useLocalDpi xmlns:a14="http://schemas.microsoft.com/office/drawing/2010/main" val="0"/>
+              </a:ext>
+            </a:extLst>
+          </a:blip>
+          <a:srcRect r="-4" b="6678"/>
+          <a:stretch>
+            <a:fillRect/>
+          </a:stretch>
+        </p:blipFill>
+        <p:spPr bwMode="auto">
+          <a:xfrm>
+            <a:off x="6462903" y="1143000"/>
+            <a:ext cx="4538402" cy="2869320"/>
+          </a:xfrm>
+          <a:prstGeom prst="rect">
+            <a:avLst/>
+          </a:prstGeom>
+          <a:noFill/>
+          <a:extLst>
+            <a:ext uri="{909E8E84-426E-40DD-AFC4-6F175D3DCCD1}">
+              <a14:hiddenFill xmlns:a14="http://schemas.microsoft.com/office/drawing/2010/main">
+                <a:solidFill>
+                  <a:srgbClr val="FFFFFF"/>
+                </a:solidFill>
+              </a14:hiddenFill>
+            </a:ext>
+          </a:extLst>
+        </p:spPr>
+      </p:pic>
+      <p:pic>
+        <p:nvPicPr>
+          <p:cNvPr id="5" name="Picture 4" descr="Et bilde som inneholder line, tekst, Plottdiagram, diagram&#10;&#10;KI-generert innhold kan være feil.">
+            <a:extLst>
+              <a:ext uri="{FF2B5EF4-FFF2-40B4-BE49-F238E27FC236}">
+                <a16:creationId xmlns:a16="http://schemas.microsoft.com/office/drawing/2014/main" id="{09F7510B-29AB-DDC6-6A8D-59B79099DEC4}"/>
+              </a:ext>
+            </a:extLst>
+          </p:cNvPr>
+          <p:cNvPicPr>
+            <a:picLocks noChangeAspect="1" noChangeArrowheads="1"/>
+          </p:cNvPicPr>
+          <p:nvPr/>
+        </p:nvPicPr>
+        <p:blipFill>
+          <a:blip r:embed="rId4">
+            <a:extLst>
+              <a:ext uri="{28A0092B-C50C-407E-A947-70E740481C1C}">
+                <a14:useLocalDpi xmlns:a14="http://schemas.microsoft.com/office/drawing/2010/main" val="0"/>
+              </a:ext>
+            </a:extLst>
+          </a:blip>
+          <a:stretch>
+            <a:fillRect/>
+          </a:stretch>
+        </p:blipFill>
+        <p:spPr bwMode="auto">
+          <a:xfrm>
+            <a:off x="6393243" y="4572000"/>
+            <a:ext cx="4792414" cy="1258008"/>
+          </a:xfrm>
+          <a:prstGeom prst="rect">
+            <a:avLst/>
+          </a:prstGeom>
+          <a:noFill/>
+          <a:extLst>
+            <a:ext uri="{909E8E84-426E-40DD-AFC4-6F175D3DCCD1}">
+              <a14:hiddenFill xmlns:a14="http://schemas.microsoft.com/office/drawing/2010/main">
+                <a:solidFill>
+                  <a:srgbClr val="FFFFFF"/>
+                </a:solidFill>
+              </a14:hiddenFill>
+            </a:ext>
+          </a:extLst>
+        </p:spPr>
+      </p:pic>
+      <p:sp>
+        <p:nvSpPr>
+          <p:cNvPr id="4" name="Plassholder for lysbildenummer 3">
+            <a:extLst>
+              <a:ext uri="{FF2B5EF4-FFF2-40B4-BE49-F238E27FC236}">
+                <a16:creationId xmlns:a16="http://schemas.microsoft.com/office/drawing/2014/main" id="{3D5F19FA-BE47-83C7-236E-05401B7423AB}"/>
+              </a:ext>
+            </a:extLst>
+          </p:cNvPr>
+          <p:cNvSpPr>
+            <a:spLocks noGrp="1"/>
+          </p:cNvSpPr>
+          <p:nvPr>
+            <p:ph type="sldNum" sz="quarter" idx="12"/>
+          </p:nvPr>
+        </p:nvSpPr>
+        <p:spPr>
+          <a:xfrm>
+            <a:off x="10983190" y="6389688"/>
+            <a:ext cx="940296" cy="365125"/>
+          </a:xfrm>
+        </p:spPr>
+        <p:txBody>
+          <a:bodyPr>
+            <a:normAutofit/>
+          </a:bodyPr>
+          <a:lstStyle/>
+          <a:p>
+            <a:pPr>
+              <a:spcAft>
+                <a:spcPts val="600"/>
+              </a:spcAft>
+            </a:pPr>
+            <a:fld id="{719D7796-F675-488F-AC46-C88938C80352}" type="slidenum">
+              <a:rPr lang="en-US"/>
+              <a:pPr>
+                <a:spcAft>
+                  <a:spcPts val="600"/>
+                </a:spcAft>
+              </a:pPr>
+              <a:t>10</a:t>
+            </a:fld>
+            <a:endParaRPr lang="en-US"/>
+          </a:p>
+        </p:txBody>
+      </p:sp>
+    </p:spTree>
+    <p:extLst>
+      <p:ext uri="{BB962C8B-B14F-4D97-AF65-F5344CB8AC3E}">
+        <p14:creationId xmlns:p14="http://schemas.microsoft.com/office/powerpoint/2010/main" val="3022873501"/>
+      </p:ext>
+    </p:extLst>
+  </p:cSld>
+  <p:clrMapOvr>
+    <a:masterClrMapping/>
+  </p:clrMapOvr>
+</p:sld>
+</file>
+
+<file path=ppt/slides/slide11.xml><?xml version="1.0" encoding="utf-8"?>
 <p:sld xmlns:a="http://schemas.openxmlformats.org/drawingml/2006/main" xmlns:r="http://schemas.openxmlformats.org/officeDocument/2006/relationships" xmlns:p="http://schemas.openxmlformats.org/presentationml/2006/main">
   <p:cSld>
     <p:bg>
@@ -8495,24 +9346,40 @@
               </a:bodyPr>
               <a:lstStyle/>
               <a:p>
+                <a:pPr>
+                  <a:buFont typeface="Arial" panose="020B0604020202020204" pitchFamily="34" charset="0"/>
+                  <a:buChar char="•"/>
+                </a:pPr>
                 <a:r>
                   <a:rPr lang="en-US" dirty="0"/>
                   <a:t>Observed well pressure data loaded from well_bhp.dat</a:t>
                 </a:r>
               </a:p>
               <a:p>
+                <a:pPr>
+                  <a:buFont typeface="Arial" panose="020B0604020202020204" pitchFamily="34" charset="0"/>
+                  <a:buChar char="•"/>
+                </a:pPr>
                 <a:r>
                   <a:rPr lang="en-US" dirty="0"/>
                   <a:t>Conversion to SI units</a:t>
                 </a:r>
               </a:p>
               <a:p>
+                <a:pPr>
+                  <a:buFont typeface="Arial" panose="020B0604020202020204" pitchFamily="34" charset="0"/>
+                  <a:buChar char="•"/>
+                </a:pPr>
                 <a:r>
                   <a:rPr lang="en-US" dirty="0"/>
                   <a:t>Scatter plot of well pressure vs time</a:t>
                 </a:r>
               </a:p>
               <a:p>
+                <a:pPr>
+                  <a:buFont typeface="Arial" panose="020B0604020202020204" pitchFamily="34" charset="0"/>
+                  <a:buChar char="•"/>
+                </a:pPr>
                 <a:r>
                   <a:rPr lang="en-US" dirty="0"/>
                   <a:t>Deriving a formula </a:t>
@@ -8643,7 +9510,7 @@
               <a:blipFill>
                 <a:blip r:embed="rId3"/>
                 <a:stretch>
-                  <a:fillRect l="-1324"/>
+                  <a:fillRect l="-1029"/>
                 </a:stretch>
               </a:blipFill>
             </p:spPr>
@@ -8684,8 +9551,8 @@
         </p:blipFill>
         <p:spPr>
           <a:xfrm>
-            <a:off x="6096000" y="1143000"/>
-            <a:ext cx="5492377" cy="3611238"/>
+            <a:off x="5545358" y="1143000"/>
+            <a:ext cx="6043020" cy="3973286"/>
           </a:xfrm>
           <a:prstGeom prst="rect">
             <a:avLst/>
@@ -8732,7 +9599,7 @@
                   <a:spcPts val="600"/>
                 </a:spcAft>
               </a:pPr>
-              <a:t>10</a:t>
+              <a:t>11</a:t>
             </a:fld>
             <a:endParaRPr lang="en-US"/>
           </a:p>
@@ -8751,7 +9618,7 @@
 </p:sld>
 </file>
 
-<file path=ppt/slides/slide11.xml><?xml version="1.0" encoding="utf-8"?>
+<file path=ppt/slides/slide12.xml><?xml version="1.0" encoding="utf-8"?>
 <p:sld xmlns:a="http://schemas.openxmlformats.org/drawingml/2006/main" xmlns:r="http://schemas.openxmlformats.org/officeDocument/2006/relationships" xmlns:p="http://schemas.openxmlformats.org/presentationml/2006/main">
   <p:cSld>
     <p:bg>
@@ -8980,9 +9847,11 @@
                   <a:lnSpc>
                     <a:spcPct val="120000"/>
                   </a:lnSpc>
+                  <a:buFont typeface="Arial" panose="020B0604020202020204" pitchFamily="34" charset="0"/>
+                  <a:buChar char="•"/>
                 </a:pPr>
                 <a:r>
-                  <a:rPr lang="en-US" sz="1400"/>
+                  <a:rPr lang="en-US" sz="1400" dirty="0"/>
                   <a:t>Parameter fitting </a:t>
                 </a:r>
                 <a14:m>
@@ -9057,16 +9926,18 @@
                     </m:sSub>
                   </m:oMath>
                 </a14:m>
-                <a:endParaRPr lang="en-US" sz="1400" b="0"/>
+                <a:endParaRPr lang="en-US" sz="1400" b="0" dirty="0"/>
               </a:p>
               <a:p>
                 <a:pPr>
                   <a:lnSpc>
                     <a:spcPct val="120000"/>
                   </a:lnSpc>
+                  <a:buFont typeface="Arial" panose="020B0604020202020204" pitchFamily="34" charset="0"/>
+                  <a:buChar char="•"/>
                 </a:pPr>
                 <a:r>
-                  <a:rPr lang="en-US" sz="1400"/>
+                  <a:rPr lang="en-US" sz="1400" dirty="0"/>
                   <a:t>Curve fit between measured data, numerical well pressure and Theis solution</a:t>
                 </a:r>
               </a:p>
@@ -9075,9 +9946,11 @@
                   <a:lnSpc>
                     <a:spcPct val="120000"/>
                   </a:lnSpc>
+                  <a:buFont typeface="Arial" panose="020B0604020202020204" pitchFamily="34" charset="0"/>
+                  <a:buChar char="•"/>
                 </a:pPr>
                 <a:r>
-                  <a:rPr lang="en-US" sz="1400"/>
+                  <a:rPr lang="en-US" sz="1400" dirty="0"/>
                   <a:t>Interpretation</a:t>
                 </a:r>
               </a:p>
@@ -9086,9 +9959,11 @@
                   <a:lnSpc>
                     <a:spcPct val="120000"/>
                   </a:lnSpc>
+                  <a:buFont typeface="Arial" panose="020B0604020202020204" pitchFamily="34" charset="0"/>
+                  <a:buChar char="•"/>
                 </a:pPr>
                 <a:r>
-                  <a:rPr lang="en-US" sz="1400"/>
+                  <a:rPr lang="en-US" sz="1400" dirty="0"/>
                   <a:t>Early/intermediate match: Infinite acting</a:t>
                 </a:r>
               </a:p>
@@ -9097,9 +9972,11 @@
                   <a:lnSpc>
                     <a:spcPct val="120000"/>
                   </a:lnSpc>
+                  <a:buFont typeface="Arial" panose="020B0604020202020204" pitchFamily="34" charset="0"/>
+                  <a:buChar char="•"/>
                 </a:pPr>
                 <a:r>
-                  <a:rPr lang="en-US" sz="1400"/>
+                  <a:rPr lang="en-US" sz="1400" dirty="0"/>
                   <a:t>Late plateau time: Boundary reached</a:t>
                 </a:r>
               </a:p>
@@ -9108,9 +9985,11 @@
                   <a:lnSpc>
                     <a:spcPct val="120000"/>
                   </a:lnSpc>
+                  <a:buFont typeface="Arial" panose="020B0604020202020204" pitchFamily="34" charset="0"/>
+                  <a:buChar char="•"/>
                 </a:pPr>
                 <a:r>
-                  <a:rPr lang="en-US" sz="1400"/>
+                  <a:rPr lang="en-US" sz="1400" dirty="0"/>
                   <a:t>Line source keeps declining (no boundary)</a:t>
                 </a:r>
               </a:p>
@@ -9142,7 +10021,7 @@
               <a:blipFill>
                 <a:blip r:embed="rId3"/>
                 <a:stretch>
-                  <a:fillRect l="-441"/>
+                  <a:fillRect l="-294"/>
                 </a:stretch>
               </a:blipFill>
             </p:spPr>
@@ -9183,8 +10062,8 @@
         </p:blipFill>
         <p:spPr>
           <a:xfrm>
-            <a:off x="6096000" y="1143000"/>
-            <a:ext cx="5492377" cy="3556313"/>
+            <a:off x="5535753" y="1360714"/>
+            <a:ext cx="6388529" cy="4136571"/>
           </a:xfrm>
           <a:prstGeom prst="rect">
             <a:avLst/>
@@ -9231,7 +10110,7 @@
                   <a:spcPts val="600"/>
                 </a:spcAft>
               </a:pPr>
-              <a:t>11</a:t>
+              <a:t>12</a:t>
             </a:fld>
             <a:endParaRPr lang="en-US"/>
           </a:p>
@@ -9250,7 +10129,7 @@
 </p:sld>
 </file>
 
-<file path=ppt/slides/slide12.xml><?xml version="1.0" encoding="utf-8"?>
+<file path=ppt/slides/slide13.xml><?xml version="1.0" encoding="utf-8"?>
 <p:sld xmlns:a="http://schemas.openxmlformats.org/drawingml/2006/main" xmlns:r="http://schemas.openxmlformats.org/officeDocument/2006/relationships" xmlns:p="http://schemas.openxmlformats.org/presentationml/2006/main">
   <p:cSld>
     <p:spTree>
@@ -9267,8 +10146,8 @@
           <a:chExt cx="0" cy="0"/>
         </a:xfrm>
       </p:grpSpPr>
-      <mc:AlternateContent xmlns:mc="http://schemas.openxmlformats.org/markup-compatibility/2006">
-        <mc:Choice xmlns:a14="http://schemas.microsoft.com/office/drawing/2010/main" Requires="a14">
+      <mc:AlternateContent xmlns:mc="http://schemas.openxmlformats.org/markup-compatibility/2006" xmlns:a14="http://schemas.microsoft.com/office/drawing/2010/main">
+        <mc:Choice Requires="a14">
           <p:sp>
             <p:nvSpPr>
               <p:cNvPr id="2" name="Tittel 1">
@@ -9328,7 +10207,7 @@
             </p:txBody>
           </p:sp>
         </mc:Choice>
-        <mc:Fallback>
+        <mc:Fallback xmlns="">
           <p:sp>
             <p:nvSpPr>
               <p:cNvPr id="2" name="Tittel 1">
@@ -9391,6 +10270,10 @@
               <a:bodyPr/>
               <a:lstStyle/>
               <a:p>
+                <a:pPr>
+                  <a:buFont typeface="Arial" panose="020B0604020202020204" pitchFamily="34" charset="0"/>
+                  <a:buChar char="•"/>
+                </a:pPr>
                 <a14:m>
                   <m:oMath xmlns:m="http://schemas.openxmlformats.org/officeDocument/2006/math">
                     <m:sSub>
@@ -9525,6 +10408,10 @@
                 <a:endParaRPr lang="en-US" dirty="0"/>
               </a:p>
               <a:p>
+                <a:pPr>
+                  <a:buFont typeface="Arial" panose="020B0604020202020204" pitchFamily="34" charset="0"/>
+                  <a:buChar char="•"/>
+                </a:pPr>
                 <a:r>
                   <a:rPr lang="en-US" dirty="0"/>
                   <a:t>Based fitting on </a:t>
@@ -9561,6 +10448,10 @@
                 <a:endParaRPr lang="en-US" b="0" dirty="0"/>
               </a:p>
               <a:p>
+                <a:pPr>
+                  <a:buFont typeface="Arial" panose="020B0604020202020204" pitchFamily="34" charset="0"/>
+                  <a:buChar char="•"/>
+                </a:pPr>
                 <a:r>
                   <a:rPr lang="en-US" dirty="0"/>
                   <a:t>Assumes homogenous porosity and water saturation = 1</a:t>
@@ -9590,7 +10481,7 @@
               <a:blipFill>
                 <a:blip r:embed="rId4"/>
                 <a:stretch>
-                  <a:fillRect l="-553"/>
+                  <a:fillRect l="-430"/>
                 </a:stretch>
               </a:blipFill>
             </p:spPr>
@@ -9632,7 +10523,7 @@
           <a:p>
             <a:fld id="{719D7796-F675-488F-AC46-C88938C80352}" type="slidenum">
               <a:rPr lang="en-US" smtClean="0"/>
-              <a:t>12</a:t>
+              <a:t>13</a:t>
             </a:fld>
             <a:endParaRPr lang="en-US"/>
           </a:p>
@@ -9681,7 +10572,7 @@
 </p:sld>
 </file>
 
-<file path=ppt/slides/slide13.xml><?xml version="1.0" encoding="utf-8"?>
+<file path=ppt/slides/slide14.xml><?xml version="1.0" encoding="utf-8"?>
 <p:sld xmlns:a="http://schemas.openxmlformats.org/drawingml/2006/main" xmlns:r="http://schemas.openxmlformats.org/officeDocument/2006/relationships" xmlns:p="http://schemas.openxmlformats.org/presentationml/2006/main">
   <p:cSld>
     <p:spTree>
@@ -9747,27 +10638,40 @@
           <a:bodyPr/>
           <a:lstStyle/>
           <a:p>
+            <a:pPr>
+              <a:buFont typeface="Arial" panose="020B0604020202020204" pitchFamily="34" charset="0"/>
+              <a:buChar char="•"/>
+            </a:pPr>
             <a:r>
               <a:rPr lang="en-US" dirty="0"/>
               <a:t>Assumptions</a:t>
             </a:r>
           </a:p>
           <a:p>
-            <a:pPr lvl="1"/>
+            <a:pPr lvl="1">
+              <a:buFont typeface="Arial" panose="020B0604020202020204" pitchFamily="34" charset="0"/>
+              <a:buChar char="•"/>
+            </a:pPr>
             <a:r>
               <a:rPr lang="en-US" dirty="0"/>
               <a:t>Homogenous reservoir</a:t>
             </a:r>
           </a:p>
           <a:p>
-            <a:pPr lvl="1"/>
+            <a:pPr lvl="1">
+              <a:buFont typeface="Arial" panose="020B0604020202020204" pitchFamily="34" charset="0"/>
+              <a:buChar char="•"/>
+            </a:pPr>
             <a:r>
               <a:rPr lang="en-US" dirty="0"/>
               <a:t>No skin or wellbore storage</a:t>
             </a:r>
           </a:p>
           <a:p>
-            <a:pPr lvl="1"/>
+            <a:pPr lvl="1">
+              <a:buFont typeface="Arial" panose="020B0604020202020204" pitchFamily="34" charset="0"/>
+              <a:buChar char="•"/>
+            </a:pPr>
             <a:r>
               <a:rPr lang="en-US" dirty="0"/>
               <a:t>Fully implicit (1</a:t>
@@ -9782,31 +10686,47 @@
             </a:r>
           </a:p>
           <a:p>
-            <a:pPr lvl="1"/>
+            <a:pPr lvl="1">
+              <a:buFont typeface="Arial" panose="020B0604020202020204" pitchFamily="34" charset="0"/>
+              <a:buChar char="•"/>
+            </a:pPr>
             <a:endParaRPr lang="en-US" dirty="0"/>
           </a:p>
           <a:p>
+            <a:pPr>
+              <a:buFont typeface="Arial" panose="020B0604020202020204" pitchFamily="34" charset="0"/>
+              <a:buChar char="•"/>
+            </a:pPr>
             <a:r>
               <a:rPr lang="en-US" dirty="0"/>
               <a:t>Alternatives</a:t>
             </a:r>
           </a:p>
           <a:p>
-            <a:pPr lvl="1"/>
+            <a:pPr lvl="1">
+              <a:buFont typeface="Arial" panose="020B0604020202020204" pitchFamily="34" charset="0"/>
+              <a:buChar char="•"/>
+            </a:pPr>
             <a:r>
               <a:rPr lang="en-US" dirty="0"/>
               <a:t>Higher order BC</a:t>
             </a:r>
           </a:p>
           <a:p>
-            <a:pPr lvl="1"/>
+            <a:pPr lvl="1">
+              <a:buFont typeface="Arial" panose="020B0604020202020204" pitchFamily="34" charset="0"/>
+              <a:buChar char="•"/>
+            </a:pPr>
             <a:r>
               <a:rPr lang="en-US" dirty="0"/>
               <a:t>Pre factored sparse solver</a:t>
             </a:r>
           </a:p>
           <a:p>
-            <a:pPr lvl="1"/>
+            <a:pPr lvl="1">
+              <a:buFont typeface="Arial" panose="020B0604020202020204" pitchFamily="34" charset="0"/>
+              <a:buChar char="•"/>
+            </a:pPr>
             <a:r>
               <a:rPr lang="en-US" dirty="0"/>
               <a:t>More complex boundary condition</a:t>
@@ -9837,7 +10757,7 @@
           <a:p>
             <a:fld id="{719D7796-F675-488F-AC46-C88938C80352}" type="slidenum">
               <a:rPr lang="en-US" smtClean="0"/>
-              <a:t>13</a:t>
+              <a:t>14</a:t>
             </a:fld>
             <a:endParaRPr lang="en-US"/>
           </a:p>
@@ -9856,7 +10776,7 @@
 </p:sld>
 </file>
 
-<file path=ppt/slides/slide14.xml><?xml version="1.0" encoding="utf-8"?>
+<file path=ppt/slides/slide15.xml><?xml version="1.0" encoding="utf-8"?>
 <p:sld xmlns:a="http://schemas.openxmlformats.org/drawingml/2006/main" xmlns:r="http://schemas.openxmlformats.org/officeDocument/2006/relationships" xmlns:p="http://schemas.openxmlformats.org/presentationml/2006/main">
   <p:cSld>
     <p:bg>
@@ -10076,10 +10996,12 @@
               <a:lnSpc>
                 <a:spcPct val="120000"/>
               </a:lnSpc>
-            </a:pPr>
-            <a:r>
-              <a:rPr lang="en-US" dirty="0"/>
-              <a:t>Analytical solution provides clear benchmark for error analysis</a:t>
+              <a:buFont typeface="Arial" panose="020B0604020202020204" pitchFamily="34" charset="0"/>
+              <a:buChar char="•"/>
+            </a:pPr>
+            <a:r>
+              <a:rPr lang="en-US" dirty="0"/>
+              <a:t>Analytical solution and numerical solution are consistent</a:t>
             </a:r>
           </a:p>
           <a:p>
@@ -10087,10 +11009,12 @@
               <a:lnSpc>
                 <a:spcPct val="120000"/>
               </a:lnSpc>
-            </a:pPr>
-            <a:r>
-              <a:rPr lang="en-US" dirty="0"/>
-              <a:t>Not-so-lazy BC achieves second order accuracy </a:t>
+              <a:buFont typeface="Arial" panose="020B0604020202020204" pitchFamily="34" charset="0"/>
+              <a:buChar char="•"/>
+            </a:pPr>
+            <a:r>
+              <a:rPr lang="en-US" dirty="0"/>
+              <a:t>Boundary conditions control global accuracy</a:t>
             </a:r>
           </a:p>
           <a:p>
@@ -10098,10 +11022,12 @@
               <a:lnSpc>
                 <a:spcPct val="120000"/>
               </a:lnSpc>
-            </a:pPr>
-            <a:r>
-              <a:rPr lang="en-US" dirty="0"/>
-              <a:t>Thomas algorithm outperforms other solvers</a:t>
+              <a:buFont typeface="Arial" panose="020B0604020202020204" pitchFamily="34" charset="0"/>
+              <a:buChar char="•"/>
+            </a:pPr>
+            <a:r>
+              <a:rPr lang="en-US" dirty="0"/>
+              <a:t>Implicit scheme is stable and flexible</a:t>
             </a:r>
           </a:p>
           <a:p>
@@ -10109,10 +11035,12 @@
               <a:lnSpc>
                 <a:spcPct val="120000"/>
               </a:lnSpc>
-            </a:pPr>
-            <a:r>
-              <a:rPr lang="en-US" dirty="0"/>
-              <a:t>Numerical solution reproduces Theis behavior at intermediate times, and boundary dominated behavior at late times</a:t>
+              <a:buFont typeface="Arial" panose="020B0604020202020204" pitchFamily="34" charset="0"/>
+              <a:buChar char="•"/>
+            </a:pPr>
+            <a:r>
+              <a:rPr lang="en-US" dirty="0"/>
+              <a:t>Solver performance matches theoretical scaling</a:t>
             </a:r>
           </a:p>
           <a:p>
@@ -10120,11 +11048,35 @@
               <a:lnSpc>
                 <a:spcPct val="120000"/>
               </a:lnSpc>
-            </a:pPr>
-            <a:r>
-              <a:rPr lang="en-US" dirty="0"/>
-              <a:t>Fitted parameters give physically meaningful reservoir size</a:t>
-            </a:r>
+              <a:buFont typeface="Arial" panose="020B0604020202020204" pitchFamily="34" charset="0"/>
+              <a:buChar char="•"/>
+            </a:pPr>
+            <a:r>
+              <a:rPr lang="en-US" dirty="0"/>
+              <a:t>Well test data  fitted successfully</a:t>
+            </a:r>
+          </a:p>
+          <a:p>
+            <a:pPr>
+              <a:lnSpc>
+                <a:spcPct val="120000"/>
+              </a:lnSpc>
+              <a:buFont typeface="Arial" panose="020B0604020202020204" pitchFamily="34" charset="0"/>
+              <a:buChar char="•"/>
+            </a:pPr>
+            <a:r>
+              <a:rPr lang="en-US" dirty="0"/>
+              <a:t>Reservoir volume estimated from fitted parameters</a:t>
+            </a:r>
+          </a:p>
+          <a:p>
+            <a:pPr marL="0" indent="0">
+              <a:lnSpc>
+                <a:spcPct val="120000"/>
+              </a:lnSpc>
+              <a:buNone/>
+            </a:pPr>
+            <a:endParaRPr lang="en-US" dirty="0"/>
           </a:p>
         </p:txBody>
       </p:sp>
@@ -10168,7 +11120,7 @@
                   <a:spcPts val="600"/>
                 </a:spcAft>
               </a:pPr>
-              <a:t>14</a:t>
+              <a:t>15</a:t>
             </a:fld>
             <a:endParaRPr lang="en-US"/>
           </a:p>
@@ -10255,54 +11207,90 @@
           </a:bodyPr>
           <a:lstStyle/>
           <a:p>
-            <a:r>
-              <a:rPr lang="en-US" dirty="0"/>
-              <a:t>Numerical and Analytical Pressure Solutions in Radial Flow</a:t>
-            </a:r>
-          </a:p>
-          <a:p>
+            <a:pPr>
+              <a:buFont typeface="Arial" panose="020B0604020202020204" pitchFamily="34" charset="0"/>
+              <a:buChar char="•"/>
+            </a:pPr>
+            <a:r>
+              <a:rPr lang="en-US" dirty="0"/>
+              <a:t>Introduction</a:t>
+            </a:r>
+          </a:p>
+          <a:p>
+            <a:pPr>
+              <a:buFont typeface="Arial" panose="020B0604020202020204" pitchFamily="34" charset="0"/>
+              <a:buChar char="•"/>
+            </a:pPr>
             <a:r>
               <a:rPr lang="en-US" dirty="0"/>
               <a:t>Governing Equation &amp; Transformation</a:t>
             </a:r>
           </a:p>
           <a:p>
+            <a:pPr>
+              <a:buFont typeface="Arial" panose="020B0604020202020204" pitchFamily="34" charset="0"/>
+              <a:buChar char="•"/>
+            </a:pPr>
             <a:r>
               <a:rPr lang="en-US" dirty="0"/>
               <a:t>Ex 1: Steady-State Solution</a:t>
             </a:r>
           </a:p>
           <a:p>
+            <a:pPr>
+              <a:buFont typeface="Arial" panose="020B0604020202020204" pitchFamily="34" charset="0"/>
+              <a:buChar char="•"/>
+            </a:pPr>
             <a:r>
               <a:rPr lang="en-US" dirty="0"/>
               <a:t>Ex 2: Implicit Transient Solver</a:t>
             </a:r>
           </a:p>
           <a:p>
+            <a:pPr>
+              <a:buFont typeface="Arial" panose="020B0604020202020204" pitchFamily="34" charset="0"/>
+              <a:buChar char="•"/>
+            </a:pPr>
             <a:r>
               <a:rPr lang="en-US" dirty="0"/>
               <a:t>Ex 3: Comparison to Line-Source Solution</a:t>
             </a:r>
           </a:p>
           <a:p>
+            <a:pPr>
+              <a:buFont typeface="Arial" panose="020B0604020202020204" pitchFamily="34" charset="0"/>
+              <a:buChar char="•"/>
+            </a:pPr>
             <a:r>
               <a:rPr lang="en-US" dirty="0"/>
               <a:t>Solver Performance &amp; Scaling</a:t>
             </a:r>
           </a:p>
           <a:p>
-            <a:r>
-              <a:rPr lang="en-US" dirty="0"/>
-              <a:t>Ex 4: Well test data matching</a:t>
-            </a:r>
-          </a:p>
-          <a:p>
+            <a:pPr>
+              <a:buFont typeface="Arial" panose="020B0604020202020204" pitchFamily="34" charset="0"/>
+              <a:buChar char="•"/>
+            </a:pPr>
+            <a:r>
+              <a:rPr lang="en-US" dirty="0"/>
+              <a:t>Ex 4: Well test matching</a:t>
+            </a:r>
+          </a:p>
+          <a:p>
+            <a:pPr>
+              <a:buFont typeface="Arial" panose="020B0604020202020204" pitchFamily="34" charset="0"/>
+              <a:buChar char="•"/>
+            </a:pPr>
             <a:r>
               <a:rPr lang="en-US" dirty="0"/>
               <a:t>Project limitations &amp; Alternatives</a:t>
             </a:r>
           </a:p>
           <a:p>
+            <a:pPr>
+              <a:buFont typeface="Arial" panose="020B0604020202020204" pitchFamily="34" charset="0"/>
+              <a:buChar char="•"/>
+            </a:pPr>
             <a:r>
               <a:rPr lang="en-US" dirty="0"/>
               <a:t>Conclusions</a:t>
@@ -10392,7 +11380,7 @@
           <a:p>
             <a:r>
               <a:rPr lang="en-US" dirty="0"/>
-              <a:t>Numerical and Analytical Pressure Solutions in Radial Flow</a:t>
+              <a:t>Introduction</a:t>
             </a:r>
           </a:p>
         </p:txBody>
@@ -10418,46 +11406,60 @@
           <a:bodyPr/>
           <a:lstStyle/>
           <a:p>
-            <a:r>
-              <a:rPr lang="en-US" dirty="0"/>
-              <a:t>Modeling fluid flow around well using numerical and analytical solutions </a:t>
-            </a:r>
-          </a:p>
-          <a:p>
-            <a:r>
-              <a:rPr lang="en-US" dirty="0"/>
-              <a:t>Based on diffusivity equation in cylindrical coordinates</a:t>
-            </a:r>
-          </a:p>
-          <a:p>
+            <a:pPr>
+              <a:buFont typeface="Arial" panose="020B0604020202020204" pitchFamily="34" charset="0"/>
+              <a:buChar char="•"/>
+            </a:pPr>
+            <a:r>
+              <a:rPr lang="en-US" dirty="0"/>
+              <a:t>Objective: Model radial pressure in a reservoir</a:t>
+            </a:r>
+          </a:p>
+          <a:p>
+            <a:pPr>
+              <a:buFont typeface="Arial" panose="020B0604020202020204" pitchFamily="34" charset="0"/>
+              <a:buChar char="•"/>
+            </a:pPr>
             <a:r>
               <a:rPr lang="en-US" dirty="0"/>
               <a:t>Project structured into 4 exercises</a:t>
             </a:r>
           </a:p>
           <a:p>
-            <a:pPr lvl="1"/>
+            <a:pPr lvl="1">
+              <a:buFont typeface="Arial" panose="020B0604020202020204" pitchFamily="34" charset="0"/>
+              <a:buChar char="•"/>
+            </a:pPr>
             <a:r>
               <a:rPr lang="en-US" dirty="0"/>
               <a:t>Steady state solution</a:t>
             </a:r>
           </a:p>
           <a:p>
-            <a:pPr lvl="1"/>
+            <a:pPr lvl="1">
+              <a:buFont typeface="Arial" panose="020B0604020202020204" pitchFamily="34" charset="0"/>
+              <a:buChar char="•"/>
+            </a:pPr>
             <a:r>
               <a:rPr lang="en-US" dirty="0"/>
               <a:t>Time dependent solution</a:t>
             </a:r>
           </a:p>
           <a:p>
-            <a:pPr lvl="1"/>
+            <a:pPr lvl="1">
+              <a:buFont typeface="Arial" panose="020B0604020202020204" pitchFamily="34" charset="0"/>
+              <a:buChar char="•"/>
+            </a:pPr>
             <a:r>
               <a:rPr lang="en-US" dirty="0"/>
               <a:t>Accuracy &amp; performance</a:t>
             </a:r>
           </a:p>
           <a:p>
-            <a:pPr lvl="1"/>
+            <a:pPr lvl="1">
+              <a:buFont typeface="Arial" panose="020B0604020202020204" pitchFamily="34" charset="0"/>
+              <a:buChar char="•"/>
+            </a:pPr>
             <a:r>
               <a:rPr lang="en-US" dirty="0"/>
               <a:t>Well test data fitting</a:t>
@@ -10610,18 +11612,30 @@
           </a:bodyPr>
           <a:lstStyle/>
           <a:p>
+            <a:pPr>
+              <a:buFont typeface="Arial" panose="020B0604020202020204" pitchFamily="34" charset="0"/>
+              <a:buChar char="•"/>
+            </a:pPr>
             <a:r>
               <a:rPr lang="en-US" dirty="0"/>
               <a:t>Radial diffusivity equation</a:t>
             </a:r>
           </a:p>
           <a:p>
+            <a:pPr>
+              <a:buFont typeface="Arial" panose="020B0604020202020204" pitchFamily="34" charset="0"/>
+              <a:buChar char="•"/>
+            </a:pPr>
             <a:r>
               <a:rPr lang="en-US" dirty="0"/>
               <a:t>Logarithmic coordinate transform </a:t>
             </a:r>
           </a:p>
           <a:p>
+            <a:pPr>
+              <a:buFont typeface="Arial" panose="020B0604020202020204" pitchFamily="34" charset="0"/>
+              <a:buChar char="•"/>
+            </a:pPr>
             <a:r>
               <a:rPr lang="en-US" dirty="0"/>
               <a:t>Simplifies operator to a constant-coefficient second derivative in y</a:t>
@@ -10629,8 +11643,8 @@
           </a:p>
         </p:txBody>
       </p:sp>
-      <mc:AlternateContent xmlns:mc="http://schemas.openxmlformats.org/markup-compatibility/2006">
-        <mc:Choice xmlns:a14="http://schemas.microsoft.com/office/drawing/2010/main" Requires="a14">
+      <mc:AlternateContent xmlns:mc="http://schemas.openxmlformats.org/markup-compatibility/2006" xmlns:a14="http://schemas.microsoft.com/office/drawing/2010/main">
+        <mc:Choice Requires="a14">
           <p:sp>
             <p:nvSpPr>
               <p:cNvPr id="9" name="TekstSylinder 8">
@@ -10861,7 +11875,7 @@
             </p:txBody>
           </p:sp>
         </mc:Choice>
-        <mc:Fallback>
+        <mc:Fallback xmlns="">
           <p:sp>
             <p:nvSpPr>
               <p:cNvPr id="9" name="TekstSylinder 8">
@@ -10935,8 +11949,8 @@
           </a:p>
         </p:txBody>
       </p:sp>
-      <mc:AlternateContent xmlns:mc="http://schemas.openxmlformats.org/markup-compatibility/2006">
-        <mc:Choice xmlns:a14="http://schemas.microsoft.com/office/drawing/2010/main" Requires="a14">
+      <mc:AlternateContent xmlns:mc="http://schemas.openxmlformats.org/markup-compatibility/2006" xmlns:a14="http://schemas.microsoft.com/office/drawing/2010/main">
+        <mc:Choice Requires="a14">
           <p:sp>
             <p:nvSpPr>
               <p:cNvPr id="4" name="TekstSylinder 3">
@@ -10965,6 +11979,7 @@
               </a:bodyPr>
               <a:lstStyle/>
               <a:p>
+                <a:pPr/>
                 <a14:m>
                   <m:oMathPara xmlns:m="http://schemas.openxmlformats.org/officeDocument/2006/math">
                     <m:oMathParaPr>
@@ -11068,7 +12083,7 @@
             </p:txBody>
           </p:sp>
         </mc:Choice>
-        <mc:Fallback>
+        <mc:Fallback xmlns="">
           <p:sp>
             <p:nvSpPr>
               <p:cNvPr id="4" name="TekstSylinder 3">
@@ -11183,7 +12198,7 @@
       </p:grpSpPr>
       <p:sp useBgFill="1">
         <p:nvSpPr>
-          <p:cNvPr id="1038" name="Rectangle 1037">
+          <p:cNvPr id="2052" name="Rectangle 2054">
             <a:extLst>
               <a:ext uri="{FF2B5EF4-FFF2-40B4-BE49-F238E27FC236}">
                 <a16:creationId xmlns:a16="http://schemas.microsoft.com/office/drawing/2014/main" id="{A3B168A7-66FE-4359-9866-CBB841A729E6}"/>
@@ -11294,7 +12309,7 @@
       </p:sp>
       <p:cxnSp>
         <p:nvCxnSpPr>
-          <p:cNvPr id="1040" name="Straight Connector 1039">
+          <p:cNvPr id="2053" name="Straight Connector 2056">
             <a:extLst>
               <a:ext uri="{FF2B5EF4-FFF2-40B4-BE49-F238E27FC236}">
                 <a16:creationId xmlns:a16="http://schemas.microsoft.com/office/drawing/2014/main" id="{F0748755-DDBC-46D0-91EC-1212A8EE2B40}"/>
@@ -11364,13 +12379,13 @@
             </p:nvSpPr>
             <p:spPr>
               <a:xfrm>
-                <a:off x="1120232" y="3204755"/>
-                <a:ext cx="4147804" cy="2966043"/>
+                <a:off x="1091204" y="2800089"/>
+                <a:ext cx="4414294" cy="2966043"/>
               </a:xfrm>
             </p:spPr>
             <p:txBody>
               <a:bodyPr>
-                <a:normAutofit/>
+                <a:normAutofit fontScale="92500" lnSpcReduction="10000"/>
               </a:bodyPr>
               <a:lstStyle/>
               <a:p>
@@ -11378,11 +12393,16 @@
                   <a:lnSpc>
                     <a:spcPct val="120000"/>
                   </a:lnSpc>
+                  <a:buFont typeface="Arial" panose="020B0604020202020204" pitchFamily="34" charset="0"/>
+                  <a:buChar char="•"/>
                 </a:pPr>
                 <a:r>
-                  <a:rPr lang="en-US" sz="1700"/>
-                  <a:t>Steady state </a:t>
+                  <a:rPr lang="en-US" sz="1700" dirty="0"/>
+                  <a:t>Analytical solution for steady-state pressure </a:t>
                 </a:r>
+                <a:br>
+                  <a:rPr lang="en-US" sz="1700" dirty="0"/>
+                </a:br>
                 <a14:m>
                   <m:oMath xmlns:m="http://schemas.openxmlformats.org/officeDocument/2006/math">
                     <m:f>
@@ -11470,22 +12490,12 @@
                       </a:rPr>
                       <m:t>=0</m:t>
                     </m:r>
-                  </m:oMath>
-                </a14:m>
-                <a:endParaRPr lang="en-US" sz="1700" b="0"/>
-              </a:p>
-              <a:p>
-                <a:pPr>
-                  <a:lnSpc>
-                    <a:spcPct val="120000"/>
-                  </a:lnSpc>
-                </a:pPr>
-                <a:r>
-                  <a:rPr lang="en-US" sz="1700"/>
-                  <a:t>Analytical solution </a:t>
-                </a:r>
-                <a14:m>
-                  <m:oMath xmlns:m="http://schemas.openxmlformats.org/officeDocument/2006/math">
+                    <m:r>
+                      <a:rPr lang="en-US" sz="1700" b="0" i="1" smtClean="0">
+                        <a:latin typeface="Cambria Math" panose="02040503050406030204" pitchFamily="18" charset="0"/>
+                      </a:rPr>
+                      <m:t> →</m:t>
+                    </m:r>
                     <m:r>
                       <a:rPr lang="en-US" sz="1700" b="0" i="1" smtClean="0">
                         <a:latin typeface="Cambria Math" panose="02040503050406030204" pitchFamily="18" charset="0"/>
@@ -11536,7 +12546,7 @@
                           <a:rPr lang="en-US" sz="1700" b="0" i="1" smtClean="0">
                             <a:latin typeface="Cambria Math" panose="02040503050406030204" pitchFamily="18" charset="0"/>
                           </a:rPr>
-                          <m:t>𝑖</m:t>
+                          <m:t>𝑖𝑛𝑖𝑡</m:t>
                         </m:r>
                       </m:sub>
                     </m:sSub>
@@ -11550,7 +12560,7 @@
                       <m:rPr>
                         <m:nor/>
                       </m:rPr>
-                      <a:rPr lang="el-GR" sz="1700"/>
+                      <a:rPr lang="el-GR" sz="1600"/>
                       <m:t>α</m:t>
                     </m:r>
                     <m:r>
@@ -11604,16 +12614,18 @@
                     </m:r>
                   </m:oMath>
                 </a14:m>
-                <a:endParaRPr lang="en-US" sz="1700"/>
+                <a:endParaRPr lang="en-US" sz="1700" b="0" dirty="0"/>
               </a:p>
               <a:p>
                 <a:pPr>
                   <a:lnSpc>
                     <a:spcPct val="120000"/>
                   </a:lnSpc>
+                  <a:buFont typeface="Arial" panose="020B0604020202020204" pitchFamily="34" charset="0"/>
+                  <a:buChar char="•"/>
                 </a:pPr>
                 <a:r>
-                  <a:rPr lang="en-US" sz="1700"/>
+                  <a:rPr lang="en-US" sz="1700" dirty="0"/>
                   <a:t>Lazy vs not-so-lazy BC at </a:t>
                 </a:r>
                 <a14:m>
@@ -11657,16 +12669,18 @@
                     </m:sSub>
                   </m:oMath>
                 </a14:m>
-                <a:endParaRPr lang="en-US" sz="1700"/>
+                <a:endParaRPr lang="en-US" sz="1700" dirty="0"/>
               </a:p>
               <a:p>
                 <a:pPr lvl="1">
                   <a:lnSpc>
                     <a:spcPct val="120000"/>
                   </a:lnSpc>
+                  <a:buFont typeface="Arial" panose="020B0604020202020204" pitchFamily="34" charset="0"/>
+                  <a:buChar char="•"/>
                 </a:pPr>
                 <a:r>
-                  <a:rPr lang="en-US" sz="1700"/>
+                  <a:rPr lang="en-US" sz="1700" dirty="0"/>
                   <a:t>Lazy: 	</a:t>
                 </a:r>
                 <a14:m>
@@ -11758,17 +12772,32 @@
                     </m:d>
                   </m:oMath>
                 </a14:m>
-                <a:endParaRPr lang="en-US" sz="1700" b="0"/>
+                <a:endParaRPr lang="en-US" sz="1700" dirty="0"/>
               </a:p>
               <a:p>
                 <a:pPr lvl="1">
                   <a:lnSpc>
                     <a:spcPct val="120000"/>
                   </a:lnSpc>
+                  <a:buFont typeface="Arial" panose="020B0604020202020204" pitchFamily="34" charset="0"/>
+                  <a:buChar char="•"/>
                 </a:pPr>
                 <a:r>
-                  <a:rPr lang="en-US" sz="1700"/>
+                  <a:rPr lang="en-US" sz="1700" dirty="0"/>
                   <a:t>Not-so-lazy:	Ghost extrapolation (second order)</a:t>
+                </a:r>
+              </a:p>
+              <a:p>
+                <a:pPr>
+                  <a:lnSpc>
+                    <a:spcPct val="120000"/>
+                  </a:lnSpc>
+                  <a:buFont typeface="Arial" panose="020B0604020202020204" pitchFamily="34" charset="0"/>
+                  <a:buChar char="•"/>
+                </a:pPr>
+                <a:r>
+                  <a:rPr lang="en-US" sz="1700" dirty="0"/>
+                  <a:t>Truncation and boundary errors</a:t>
                 </a:r>
               </a:p>
             </p:txBody>
@@ -11793,13 +12822,13 @@
             </p:nvSpPr>
             <p:spPr>
               <a:xfrm>
-                <a:off x="1120232" y="3204755"/>
-                <a:ext cx="4147804" cy="2966043"/>
+                <a:off x="1091204" y="2800089"/>
+                <a:ext cx="4414294" cy="2966043"/>
               </a:xfrm>
               <a:blipFill>
                 <a:blip r:embed="rId3"/>
                 <a:stretch>
-                  <a:fillRect l="-1029" b="-617"/>
+                  <a:fillRect l="-552" t="-411" b="-2464"/>
                 </a:stretch>
               </a:blipFill>
             </p:spPr>
@@ -11820,32 +12849,48 @@
       </mc:AlternateContent>
       <p:pic>
         <p:nvPicPr>
-          <p:cNvPr id="7" name="Bilde 6">
+          <p:cNvPr id="2050" name="Picture 2" descr="Åpne bilde">
             <a:extLst>
               <a:ext uri="{FF2B5EF4-FFF2-40B4-BE49-F238E27FC236}">
-                <a16:creationId xmlns:a16="http://schemas.microsoft.com/office/drawing/2014/main" id="{31D1BAA5-E4F1-9A2E-E9DF-0918E4C5D621}"/>
+                <a16:creationId xmlns:a16="http://schemas.microsoft.com/office/drawing/2014/main" id="{50475574-C39F-3655-1F7C-5C1C1551946E}"/>
               </a:ext>
             </a:extLst>
           </p:cNvPr>
           <p:cNvPicPr>
-            <a:picLocks noChangeAspect="1"/>
+            <a:picLocks noChangeAspect="1" noChangeArrowheads="1"/>
           </p:cNvPicPr>
           <p:nvPr/>
         </p:nvPicPr>
         <p:blipFill>
-          <a:blip r:embed="rId4"/>
+          <a:blip r:embed="rId4">
+            <a:extLst>
+              <a:ext uri="{28A0092B-C50C-407E-A947-70E740481C1C}">
+                <a14:useLocalDpi xmlns:a14="http://schemas.microsoft.com/office/drawing/2010/main" val="0"/>
+              </a:ext>
+            </a:extLst>
+          </a:blip>
           <a:stretch>
             <a:fillRect/>
           </a:stretch>
         </p:blipFill>
-        <p:spPr>
+        <p:spPr bwMode="auto">
           <a:xfrm>
-            <a:off x="6096000" y="1143000"/>
-            <a:ext cx="5492377" cy="4091820"/>
+            <a:off x="6096000" y="1142999"/>
+            <a:ext cx="5864959" cy="2873829"/>
           </a:xfrm>
           <a:prstGeom prst="rect">
             <a:avLst/>
           </a:prstGeom>
+          <a:noFill/>
+          <a:extLst>
+            <a:ext uri="{909E8E84-426E-40DD-AFC4-6F175D3DCCD1}">
+              <a14:hiddenFill xmlns:a14="http://schemas.microsoft.com/office/drawing/2010/main">
+                <a:solidFill>
+                  <a:srgbClr val="FFFFFF"/>
+                </a:solidFill>
+              </a14:hiddenFill>
+            </a:ext>
+          </a:extLst>
         </p:spPr>
       </p:pic>
       <p:sp>
@@ -12125,6 +13170,10 @@
               </a:bodyPr>
               <a:lstStyle/>
               <a:p>
+                <a:pPr>
+                  <a:buFont typeface="Arial" panose="020B0604020202020204" pitchFamily="34" charset="0"/>
+                  <a:buChar char="•"/>
+                </a:pPr>
                 <a:r>
                   <a:rPr lang="en-US" dirty="0"/>
                   <a:t>Lazy BC -&gt; </a:t>
@@ -12171,6 +13220,10 @@
                 <a:endParaRPr lang="en-US" dirty="0"/>
               </a:p>
               <a:p>
+                <a:pPr>
+                  <a:buFont typeface="Arial" panose="020B0604020202020204" pitchFamily="34" charset="0"/>
+                  <a:buChar char="•"/>
+                </a:pPr>
                 <a:r>
                   <a:rPr lang="en-US" dirty="0"/>
                   <a:t>Not-so-lazy BC -&gt; </a:t>
@@ -12227,6 +13280,10 @@
                 </a:r>
               </a:p>
               <a:p>
+                <a:pPr>
+                  <a:buFont typeface="Arial" panose="020B0604020202020204" pitchFamily="34" charset="0"/>
+                  <a:buChar char="•"/>
+                </a:pPr>
                 <a:r>
                   <a:rPr lang="en-US" dirty="0"/>
                   <a:t>Convergence verified manually</a:t>
@@ -12260,7 +13317,7 @@
               <a:blipFill>
                 <a:blip r:embed="rId3"/>
                 <a:stretch>
-                  <a:fillRect l="-1324"/>
+                  <a:fillRect l="-1029"/>
                 </a:stretch>
               </a:blipFill>
             </p:spPr>
@@ -12369,232 +13426,6 @@
 </file>
 
 <file path=ppt/slides/slide7.xml><?xml version="1.0" encoding="utf-8"?>
-<p:sld xmlns:a="http://schemas.openxmlformats.org/drawingml/2006/main" xmlns:r="http://schemas.openxmlformats.org/officeDocument/2006/relationships" xmlns:p="http://schemas.openxmlformats.org/presentationml/2006/main">
-  <p:cSld>
-    <p:spTree>
-      <p:nvGrpSpPr>
-        <p:cNvPr id="1" name=""/>
-        <p:cNvGrpSpPr/>
-        <p:nvPr/>
-      </p:nvGrpSpPr>
-      <p:grpSpPr>
-        <a:xfrm>
-          <a:off x="0" y="0"/>
-          <a:ext cx="0" cy="0"/>
-          <a:chOff x="0" y="0"/>
-          <a:chExt cx="0" cy="0"/>
-        </a:xfrm>
-      </p:grpSpPr>
-      <p:sp>
-        <p:nvSpPr>
-          <p:cNvPr id="2" name="Tittel 1">
-            <a:extLst>
-              <a:ext uri="{FF2B5EF4-FFF2-40B4-BE49-F238E27FC236}">
-                <a16:creationId xmlns:a16="http://schemas.microsoft.com/office/drawing/2014/main" id="{12D29BF9-F861-778F-CCD4-CD4A15E20053}"/>
-              </a:ext>
-            </a:extLst>
-          </p:cNvPr>
-          <p:cNvSpPr>
-            <a:spLocks noGrp="1"/>
-          </p:cNvSpPr>
-          <p:nvPr>
-            <p:ph type="title"/>
-          </p:nvPr>
-        </p:nvSpPr>
-        <p:spPr/>
-        <p:txBody>
-          <a:bodyPr/>
-          <a:lstStyle/>
-          <a:p>
-            <a:r>
-              <a:rPr lang="en-US"/>
-              <a:t>Ex 2: Implicit Transient Solver</a:t>
-            </a:r>
-            <a:endParaRPr lang="en-US" dirty="0"/>
-          </a:p>
-        </p:txBody>
-      </p:sp>
-      <mc:AlternateContent xmlns:mc="http://schemas.openxmlformats.org/markup-compatibility/2006">
-        <mc:Choice xmlns:a14="http://schemas.microsoft.com/office/drawing/2010/main" Requires="a14">
-          <p:sp>
-            <p:nvSpPr>
-              <p:cNvPr id="3" name="Plassholder for innhold 2">
-                <a:extLst>
-                  <a:ext uri="{FF2B5EF4-FFF2-40B4-BE49-F238E27FC236}">
-                    <a16:creationId xmlns:a16="http://schemas.microsoft.com/office/drawing/2014/main" id="{EC9CA087-4D37-2090-B196-A4229F8C68E0}"/>
-                  </a:ext>
-                </a:extLst>
-              </p:cNvPr>
-              <p:cNvSpPr>
-                <a:spLocks noGrp="1"/>
-              </p:cNvSpPr>
-              <p:nvPr>
-                <p:ph idx="1"/>
-              </p:nvPr>
-            </p:nvSpPr>
-            <p:spPr/>
-            <p:txBody>
-              <a:bodyPr/>
-              <a:lstStyle/>
-              <a:p>
-                <a:r>
-                  <a:rPr lang="en-US" dirty="0"/>
-                  <a:t>Fully implicit time stepping of diffusivity equation</a:t>
-                </a:r>
-              </a:p>
-              <a:p>
-                <a:r>
-                  <a:rPr lang="en-US" dirty="0"/>
-                  <a:t>Discretization gives tridiagonal system per timestep</a:t>
-                </a:r>
-              </a:p>
-              <a:p>
-                <a:r>
-                  <a:rPr lang="en-US" dirty="0"/>
-                  <a:t>Matrix structure of N = 4</a:t>
-                </a:r>
-              </a:p>
-              <a:p>
-                <a:r>
-                  <a:rPr lang="en-US" dirty="0"/>
-                  <a:t>Advantages: Stable for large </a:t>
-                </a:r>
-                <a14:m>
-                  <m:oMath xmlns:m="http://schemas.openxmlformats.org/officeDocument/2006/math">
-                    <m:r>
-                      <m:rPr>
-                        <m:nor/>
-                      </m:rPr>
-                      <a:rPr lang="el-GR"/>
-                      <m:t>Δ</m:t>
-                    </m:r>
-                    <m:r>
-                      <m:rPr>
-                        <m:nor/>
-                      </m:rPr>
-                      <a:rPr lang="en-US" b="0" i="0" smtClean="0"/>
-                      <m:t>t</m:t>
-                    </m:r>
-                  </m:oMath>
-                </a14:m>
-                <a:endParaRPr lang="en-US" dirty="0"/>
-              </a:p>
-            </p:txBody>
-          </p:sp>
-        </mc:Choice>
-        <mc:Fallback>
-          <p:sp>
-            <p:nvSpPr>
-              <p:cNvPr id="3" name="Plassholder for innhold 2">
-                <a:extLst>
-                  <a:ext uri="{FF2B5EF4-FFF2-40B4-BE49-F238E27FC236}">
-                    <a16:creationId xmlns:a16="http://schemas.microsoft.com/office/drawing/2014/main" id="{EC9CA087-4D37-2090-B196-A4229F8C68E0}"/>
-                  </a:ext>
-                </a:extLst>
-              </p:cNvPr>
-              <p:cNvSpPr>
-                <a:spLocks noGrp="1" noRot="1" noChangeAspect="1" noMove="1" noResize="1" noEditPoints="1" noAdjustHandles="1" noChangeArrowheads="1" noChangeShapeType="1" noTextEdit="1"/>
-              </p:cNvSpPr>
-              <p:nvPr>
-                <p:ph idx="1"/>
-              </p:nvPr>
-            </p:nvSpPr>
-            <p:spPr>
-              <a:blipFill>
-                <a:blip r:embed="rId3"/>
-                <a:stretch>
-                  <a:fillRect l="-553"/>
-                </a:stretch>
-              </a:blipFill>
-            </p:spPr>
-            <p:txBody>
-              <a:bodyPr/>
-              <a:lstStyle/>
-              <a:p>
-                <a:r>
-                  <a:rPr lang="en-US">
-                    <a:noFill/>
-                  </a:rPr>
-                  <a:t> </a:t>
-                </a:r>
-              </a:p>
-            </p:txBody>
-          </p:sp>
-        </mc:Fallback>
-      </mc:AlternateContent>
-      <p:sp>
-        <p:nvSpPr>
-          <p:cNvPr id="4" name="Plassholder for lysbildenummer 3">
-            <a:extLst>
-              <a:ext uri="{FF2B5EF4-FFF2-40B4-BE49-F238E27FC236}">
-                <a16:creationId xmlns:a16="http://schemas.microsoft.com/office/drawing/2014/main" id="{F4BEEC2E-70DD-0878-C74D-83573BF70A4A}"/>
-              </a:ext>
-            </a:extLst>
-          </p:cNvPr>
-          <p:cNvSpPr>
-            <a:spLocks noGrp="1"/>
-          </p:cNvSpPr>
-          <p:nvPr>
-            <p:ph type="sldNum" sz="quarter" idx="12"/>
-          </p:nvPr>
-        </p:nvSpPr>
-        <p:spPr/>
-        <p:txBody>
-          <a:bodyPr/>
-          <a:lstStyle/>
-          <a:p>
-            <a:fld id="{719D7796-F675-488F-AC46-C88938C80352}" type="slidenum">
-              <a:rPr lang="en-US" smtClean="0"/>
-              <a:t>7</a:t>
-            </a:fld>
-            <a:endParaRPr lang="en-US"/>
-          </a:p>
-        </p:txBody>
-      </p:sp>
-      <p:pic>
-        <p:nvPicPr>
-          <p:cNvPr id="5" name="Bilde 4">
-            <a:extLst>
-              <a:ext uri="{FF2B5EF4-FFF2-40B4-BE49-F238E27FC236}">
-                <a16:creationId xmlns:a16="http://schemas.microsoft.com/office/drawing/2014/main" id="{C6CDF30B-F562-E802-A174-FFE16772CA26}"/>
-              </a:ext>
-            </a:extLst>
-          </p:cNvPr>
-          <p:cNvPicPr>
-            <a:picLocks noChangeAspect="1"/>
-          </p:cNvPicPr>
-          <p:nvPr/>
-        </p:nvPicPr>
-        <p:blipFill>
-          <a:blip r:embed="rId4"/>
-          <a:stretch>
-            <a:fillRect/>
-          </a:stretch>
-        </p:blipFill>
-        <p:spPr>
-          <a:xfrm>
-            <a:off x="1088136" y="4803083"/>
-            <a:ext cx="2686425" cy="1371791"/>
-          </a:xfrm>
-          <a:prstGeom prst="rect">
-            <a:avLst/>
-          </a:prstGeom>
-        </p:spPr>
-      </p:pic>
-    </p:spTree>
-    <p:extLst>
-      <p:ext uri="{BB962C8B-B14F-4D97-AF65-F5344CB8AC3E}">
-        <p14:creationId xmlns:p14="http://schemas.microsoft.com/office/powerpoint/2010/main" val="3600804934"/>
-      </p:ext>
-    </p:extLst>
-  </p:cSld>
-  <p:clrMapOvr>
-    <a:masterClrMapping/>
-  </p:clrMapOvr>
-</p:sld>
-</file>
-
-<file path=ppt/slides/slide8.xml><?xml version="1.0" encoding="utf-8"?>
 <p:sld xmlns:a="http://schemas.openxmlformats.org/drawingml/2006/main" xmlns:r="http://schemas.openxmlformats.org/officeDocument/2006/relationships" xmlns:p="http://schemas.openxmlformats.org/presentationml/2006/main">
   <p:cSld>
     <p:bg>
@@ -12621,10 +13452,10 @@
       </p:grpSpPr>
       <p:sp useBgFill="1">
         <p:nvSpPr>
-          <p:cNvPr id="11" name="Rectangle 10">
+          <p:cNvPr id="3086" name="Rectangle 3085">
             <a:extLst>
               <a:ext uri="{FF2B5EF4-FFF2-40B4-BE49-F238E27FC236}">
-                <a16:creationId xmlns:a16="http://schemas.microsoft.com/office/drawing/2014/main" id="{40DC026F-444B-46C9-BCBE-329183BF5FE0}"/>
+                <a16:creationId xmlns:a16="http://schemas.microsoft.com/office/drawing/2014/main" id="{A3B168A7-66FE-4359-9866-CBB841A729E6}"/>
               </a:ext>
               <a:ext uri="{C183D7F6-B498-43B3-948B-1728B52AA6E4}">
                 <adec:decorative xmlns:adec="http://schemas.microsoft.com/office/drawing/2017/decorative" val="1"/>
@@ -12700,7 +13531,7 @@
           <p:cNvPr id="2" name="Tittel 1">
             <a:extLst>
               <a:ext uri="{FF2B5EF4-FFF2-40B4-BE49-F238E27FC236}">
-                <a16:creationId xmlns:a16="http://schemas.microsoft.com/office/drawing/2014/main" id="{1D0EA80A-F881-BD97-D3ED-F8F18BB56FC1}"/>
+                <a16:creationId xmlns:a16="http://schemas.microsoft.com/office/drawing/2014/main" id="{12D29BF9-F861-778F-CCD4-CD4A15E20053}"/>
               </a:ext>
             </a:extLst>
           </p:cNvPr>
@@ -12713,8 +13544,8 @@
         </p:nvSpPr>
         <p:spPr>
           <a:xfrm>
-            <a:off x="1088136" y="1088136"/>
-            <a:ext cx="10270671" cy="1188720"/>
+            <a:off x="1091204" y="1091868"/>
+            <a:ext cx="4147804" cy="2042160"/>
           </a:xfrm>
         </p:spPr>
         <p:txBody>
@@ -12725,14 +13556,14 @@
           <a:p>
             <a:r>
               <a:rPr lang="en-US" sz="4000"/>
-              <a:t>Ex 3: Comparison to Line-Source Solution</a:t>
+              <a:t>Ex 2: Implicit Transient Solver</a:t>
             </a:r>
           </a:p>
         </p:txBody>
       </p:sp>
       <p:cxnSp>
         <p:nvCxnSpPr>
-          <p:cNvPr id="13" name="Straight Connector 12">
+          <p:cNvPr id="3088" name="Straight Connector 3087">
             <a:extLst>
               <a:ext uri="{FF2B5EF4-FFF2-40B4-BE49-F238E27FC236}">
                 <a16:creationId xmlns:a16="http://schemas.microsoft.com/office/drawing/2014/main" id="{F0748755-DDBC-46D0-91EC-1212A8EE2B40}"/>
@@ -12755,7 +13586,7 @@
         </p:nvCxnSpPr>
         <p:spPr>
           <a:xfrm>
-            <a:off x="0" y="1185255"/>
+            <a:off x="-12800" y="1186344"/>
             <a:ext cx="804195" cy="0"/>
           </a:xfrm>
           <a:prstGeom prst="line">
@@ -12782,103 +13613,185 @@
           </a:fontRef>
         </p:style>
       </p:cxnSp>
-      <p:sp>
-        <p:nvSpPr>
-          <p:cNvPr id="3" name="Plassholder for innhold 2">
+      <mc:AlternateContent xmlns:mc="http://schemas.openxmlformats.org/markup-compatibility/2006">
+        <mc:Choice xmlns:a14="http://schemas.microsoft.com/office/drawing/2010/main" Requires="a14">
+          <p:sp>
+            <p:nvSpPr>
+              <p:cNvPr id="3" name="Plassholder for innhold 2">
+                <a:extLst>
+                  <a:ext uri="{FF2B5EF4-FFF2-40B4-BE49-F238E27FC236}">
+                    <a16:creationId xmlns:a16="http://schemas.microsoft.com/office/drawing/2014/main" id="{EC9CA087-4D37-2090-B196-A4229F8C68E0}"/>
+                  </a:ext>
+                </a:extLst>
+              </p:cNvPr>
+              <p:cNvSpPr>
+                <a:spLocks noGrp="1"/>
+              </p:cNvSpPr>
+              <p:nvPr>
+                <p:ph idx="1"/>
+              </p:nvPr>
+            </p:nvSpPr>
+            <p:spPr>
+              <a:xfrm>
+                <a:off x="974098" y="2800089"/>
+                <a:ext cx="4147804" cy="2966043"/>
+              </a:xfrm>
+            </p:spPr>
+            <p:txBody>
+              <a:bodyPr>
+                <a:normAutofit/>
+              </a:bodyPr>
+              <a:lstStyle/>
+              <a:p>
+                <a:pPr>
+                  <a:buFont typeface="Arial" panose="020B0604020202020204" pitchFamily="34" charset="0"/>
+                  <a:buChar char="•"/>
+                </a:pPr>
+                <a:r>
+                  <a:rPr lang="en-US" dirty="0"/>
+                  <a:t>Fully implicit time stepping of diffusivity equation</a:t>
+                </a:r>
+              </a:p>
+              <a:p>
+                <a:pPr>
+                  <a:buFont typeface="Arial" panose="020B0604020202020204" pitchFamily="34" charset="0"/>
+                  <a:buChar char="•"/>
+                </a:pPr>
+                <a:r>
+                  <a:rPr lang="en-US" dirty="0"/>
+                  <a:t>Discretization gives tridiagonal system per timestep</a:t>
+                </a:r>
+              </a:p>
+              <a:p>
+                <a:pPr>
+                  <a:buFont typeface="Arial" panose="020B0604020202020204" pitchFamily="34" charset="0"/>
+                  <a:buChar char="•"/>
+                </a:pPr>
+                <a:r>
+                  <a:rPr lang="en-US" dirty="0"/>
+                  <a:t>Matrix structure of N = 4</a:t>
+                </a:r>
+              </a:p>
+              <a:p>
+                <a:pPr>
+                  <a:buFont typeface="Arial" panose="020B0604020202020204" pitchFamily="34" charset="0"/>
+                  <a:buChar char="•"/>
+                </a:pPr>
+                <a:r>
+                  <a:rPr lang="en-US" dirty="0"/>
+                  <a:t>Advantages: Stable for large </a:t>
+                </a:r>
+                <a14:m>
+                  <m:oMath xmlns:m="http://schemas.openxmlformats.org/officeDocument/2006/math">
+                    <m:r>
+                      <m:rPr>
+                        <m:nor/>
+                      </m:rPr>
+                      <a:rPr lang="el-GR"/>
+                      <m:t>Δ</m:t>
+                    </m:r>
+                    <m:r>
+                      <m:rPr>
+                        <m:nor/>
+                      </m:rPr>
+                      <a:rPr lang="en-US" b="0" i="0" smtClean="0"/>
+                      <m:t>t</m:t>
+                    </m:r>
+                  </m:oMath>
+                </a14:m>
+                <a:endParaRPr lang="en-US" dirty="0"/>
+              </a:p>
+            </p:txBody>
+          </p:sp>
+        </mc:Choice>
+        <mc:Fallback>
+          <p:sp>
+            <p:nvSpPr>
+              <p:cNvPr id="3" name="Plassholder for innhold 2">
+                <a:extLst>
+                  <a:ext uri="{FF2B5EF4-FFF2-40B4-BE49-F238E27FC236}">
+                    <a16:creationId xmlns:a16="http://schemas.microsoft.com/office/drawing/2014/main" id="{EC9CA087-4D37-2090-B196-A4229F8C68E0}"/>
+                  </a:ext>
+                </a:extLst>
+              </p:cNvPr>
+              <p:cNvSpPr>
+                <a:spLocks noGrp="1" noRot="1" noChangeAspect="1" noMove="1" noResize="1" noEditPoints="1" noAdjustHandles="1" noChangeArrowheads="1" noChangeShapeType="1" noTextEdit="1"/>
+              </p:cNvSpPr>
+              <p:nvPr>
+                <p:ph idx="1"/>
+              </p:nvPr>
+            </p:nvSpPr>
+            <p:spPr>
+              <a:xfrm>
+                <a:off x="974098" y="2800089"/>
+                <a:ext cx="4147804" cy="2966043"/>
+              </a:xfrm>
+              <a:blipFill>
+                <a:blip r:embed="rId3"/>
+                <a:stretch>
+                  <a:fillRect l="-1029"/>
+                </a:stretch>
+              </a:blipFill>
+            </p:spPr>
+            <p:txBody>
+              <a:bodyPr/>
+              <a:lstStyle/>
+              <a:p>
+                <a:r>
+                  <a:rPr lang="en-US">
+                    <a:noFill/>
+                  </a:rPr>
+                  <a:t> </a:t>
+                </a:r>
+              </a:p>
+            </p:txBody>
+          </p:sp>
+        </mc:Fallback>
+      </mc:AlternateContent>
+      <p:pic>
+        <p:nvPicPr>
+          <p:cNvPr id="3076" name="Picture 4" descr="Åpne bilde">
             <a:extLst>
               <a:ext uri="{FF2B5EF4-FFF2-40B4-BE49-F238E27FC236}">
-                <a16:creationId xmlns:a16="http://schemas.microsoft.com/office/drawing/2014/main" id="{51EED449-8CBD-615D-EECB-A63C71E402B7}"/>
-              </a:ext>
-            </a:extLst>
-          </p:cNvPr>
-          <p:cNvSpPr>
-            <a:spLocks noGrp="1"/>
-          </p:cNvSpPr>
-          <p:nvPr>
-            <p:ph idx="1"/>
-          </p:nvPr>
-        </p:nvSpPr>
-        <p:spPr>
-          <a:xfrm>
-            <a:off x="1096684" y="2593181"/>
-            <a:ext cx="4868347" cy="3693319"/>
-          </a:xfrm>
-        </p:spPr>
-        <p:txBody>
-          <a:bodyPr>
-            <a:normAutofit/>
-          </a:bodyPr>
-          <a:lstStyle/>
-          <a:p>
-            <a:r>
-              <a:rPr lang="en-US" dirty="0"/>
-              <a:t>Theis (line-source) solution valid in intermediate time</a:t>
-            </a:r>
-          </a:p>
-          <a:p>
-            <a:r>
-              <a:rPr lang="en-US" dirty="0"/>
-              <a:t>Numerical vs analytical</a:t>
-            </a:r>
-          </a:p>
-          <a:p>
-            <a:pPr lvl="1"/>
-            <a:r>
-              <a:rPr lang="en-US" dirty="0"/>
-              <a:t>Discretization effect at early times</a:t>
-            </a:r>
-          </a:p>
-          <a:p>
-            <a:pPr lvl="1"/>
-            <a:r>
-              <a:rPr lang="en-US" dirty="0"/>
-              <a:t>Excellent match at intermediate times</a:t>
-            </a:r>
-          </a:p>
-          <a:p>
-            <a:pPr lvl="1"/>
-            <a:r>
-              <a:rPr lang="en-US" dirty="0"/>
-              <a:t>Boundary effects at late times</a:t>
-            </a:r>
-          </a:p>
-          <a:p>
-            <a:r>
-              <a:rPr lang="en-US" dirty="0"/>
-              <a:t>Increasing N improves early/intermediate accuracy</a:t>
-            </a:r>
-          </a:p>
-        </p:txBody>
-      </p:sp>
-      <p:pic>
-        <p:nvPicPr>
-          <p:cNvPr id="6" name="Bilde 5">
-            <a:extLst>
-              <a:ext uri="{FF2B5EF4-FFF2-40B4-BE49-F238E27FC236}">
-                <a16:creationId xmlns:a16="http://schemas.microsoft.com/office/drawing/2014/main" id="{AFCAA087-FEED-785C-4707-7E324CFC6396}"/>
+                <a16:creationId xmlns:a16="http://schemas.microsoft.com/office/drawing/2014/main" id="{93EE8E10-0C51-5ADF-CC90-1B973B0D5379}"/>
               </a:ext>
             </a:extLst>
           </p:cNvPr>
           <p:cNvPicPr>
-            <a:picLocks noChangeAspect="1"/>
+            <a:picLocks noChangeAspect="1" noChangeArrowheads="1"/>
           </p:cNvPicPr>
           <p:nvPr/>
         </p:nvPicPr>
         <p:blipFill>
-          <a:blip r:embed="rId3"/>
-          <a:srcRect l="82" r="-2" b="-2"/>
+          <a:blip r:embed="rId4">
+            <a:extLst>
+              <a:ext uri="{28A0092B-C50C-407E-A947-70E740481C1C}">
+                <a14:useLocalDpi xmlns:a14="http://schemas.microsoft.com/office/drawing/2010/main" val="0"/>
+              </a:ext>
+            </a:extLst>
+          </a:blip>
           <a:stretch>
             <a:fillRect/>
           </a:stretch>
         </p:blipFill>
-        <p:spPr>
+        <p:spPr bwMode="auto">
           <a:xfrm>
-            <a:off x="6705600" y="2657475"/>
-            <a:ext cx="5486401" cy="4200526"/>
+            <a:off x="5538818" y="297941"/>
+            <a:ext cx="6166666" cy="4871665"/>
           </a:xfrm>
           <a:prstGeom prst="rect">
             <a:avLst/>
           </a:prstGeom>
+          <a:noFill/>
+          <a:extLst>
+            <a:ext uri="{909E8E84-426E-40DD-AFC4-6F175D3DCCD1}">
+              <a14:hiddenFill xmlns:a14="http://schemas.microsoft.com/office/drawing/2010/main">
+                <a:solidFill>
+                  <a:srgbClr val="FFFFFF"/>
+                </a:solidFill>
+              </a14:hiddenFill>
+            </a:ext>
+          </a:extLst>
         </p:spPr>
       </p:pic>
       <p:sp>
@@ -12886,7 +13799,7 @@
           <p:cNvPr id="4" name="Plassholder for lysbildenummer 3">
             <a:extLst>
               <a:ext uri="{FF2B5EF4-FFF2-40B4-BE49-F238E27FC236}">
-                <a16:creationId xmlns:a16="http://schemas.microsoft.com/office/drawing/2014/main" id="{F955AF24-D136-E3A4-CEBE-8F6C2E1DAB81}"/>
+                <a16:creationId xmlns:a16="http://schemas.microsoft.com/office/drawing/2014/main" id="{F4BEEC2E-70DD-0878-C74D-83573BF70A4A}"/>
               </a:ext>
             </a:extLst>
           </p:cNvPr>
@@ -12915,30 +13828,204 @@
               </a:spcAft>
             </a:pPr>
             <a:fld id="{719D7796-F675-488F-AC46-C88938C80352}" type="slidenum">
-              <a:rPr lang="en-US">
-                <a:solidFill>
-                  <a:srgbClr val="FFFFFF"/>
-                </a:solidFill>
-              </a:rPr>
+              <a:rPr lang="en-US" smtClean="0"/>
               <a:pPr>
                 <a:spcAft>
                   <a:spcPts val="600"/>
                 </a:spcAft>
               </a:pPr>
-              <a:t>8</a:t>
+              <a:t>7</a:t>
             </a:fld>
-            <a:endParaRPr lang="en-US">
-              <a:solidFill>
-                <a:srgbClr val="FFFFFF"/>
-              </a:solidFill>
-            </a:endParaRPr>
+            <a:endParaRPr lang="en-US"/>
           </a:p>
         </p:txBody>
       </p:sp>
+      <p:pic>
+        <p:nvPicPr>
+          <p:cNvPr id="3078" name="Picture 6" descr="Åpne bilde">
+            <a:extLst>
+              <a:ext uri="{FF2B5EF4-FFF2-40B4-BE49-F238E27FC236}">
+                <a16:creationId xmlns:a16="http://schemas.microsoft.com/office/drawing/2014/main" id="{11BB4904-D049-B246-60AE-033BB6DEB6CF}"/>
+              </a:ext>
+            </a:extLst>
+          </p:cNvPr>
+          <p:cNvPicPr>
+            <a:picLocks noChangeAspect="1" noChangeArrowheads="1"/>
+          </p:cNvPicPr>
+          <p:nvPr/>
+        </p:nvPicPr>
+        <p:blipFill>
+          <a:blip r:embed="rId5">
+            <a:extLst>
+              <a:ext uri="{28A0092B-C50C-407E-A947-70E740481C1C}">
+                <a14:useLocalDpi xmlns:a14="http://schemas.microsoft.com/office/drawing/2010/main" val="0"/>
+              </a:ext>
+            </a:extLst>
+          </a:blip>
+          <a:srcRect/>
+          <a:stretch>
+            <a:fillRect/>
+          </a:stretch>
+        </p:blipFill>
+        <p:spPr bwMode="auto">
+          <a:xfrm>
+            <a:off x="6269476" y="5256213"/>
+            <a:ext cx="4705350" cy="1133475"/>
+          </a:xfrm>
+          <a:prstGeom prst="rect">
+            <a:avLst/>
+          </a:prstGeom>
+          <a:noFill/>
+          <a:extLst>
+            <a:ext uri="{909E8E84-426E-40DD-AFC4-6F175D3DCCD1}">
+              <a14:hiddenFill xmlns:a14="http://schemas.microsoft.com/office/drawing/2010/main">
+                <a:solidFill>
+                  <a:srgbClr val="FFFFFF"/>
+                </a:solidFill>
+              </a14:hiddenFill>
+            </a:ext>
+          </a:extLst>
+        </p:spPr>
+      </p:pic>
     </p:spTree>
     <p:extLst>
       <p:ext uri="{BB962C8B-B14F-4D97-AF65-F5344CB8AC3E}">
-        <p14:creationId xmlns:p14="http://schemas.microsoft.com/office/powerpoint/2010/main" val="1558475132"/>
+        <p14:creationId xmlns:p14="http://schemas.microsoft.com/office/powerpoint/2010/main" val="3600804934"/>
+      </p:ext>
+    </p:extLst>
+  </p:cSld>
+  <p:clrMapOvr>
+    <a:masterClrMapping/>
+  </p:clrMapOvr>
+</p:sld>
+</file>
+
+<file path=ppt/slides/slide8.xml><?xml version="1.0" encoding="utf-8"?>
+<p:sld xmlns:a="http://schemas.openxmlformats.org/drawingml/2006/main" xmlns:r="http://schemas.openxmlformats.org/officeDocument/2006/relationships" xmlns:p="http://schemas.openxmlformats.org/presentationml/2006/main">
+  <p:cSld>
+    <p:spTree>
+      <p:nvGrpSpPr>
+        <p:cNvPr id="1" name=""/>
+        <p:cNvGrpSpPr/>
+        <p:nvPr/>
+      </p:nvGrpSpPr>
+      <p:grpSpPr>
+        <a:xfrm>
+          <a:off x="0" y="0"/>
+          <a:ext cx="0" cy="0"/>
+          <a:chOff x="0" y="0"/>
+          <a:chExt cx="0" cy="0"/>
+        </a:xfrm>
+      </p:grpSpPr>
+      <p:sp>
+        <p:nvSpPr>
+          <p:cNvPr id="2" name="Tittel 1">
+            <a:extLst>
+              <a:ext uri="{FF2B5EF4-FFF2-40B4-BE49-F238E27FC236}">
+                <a16:creationId xmlns:a16="http://schemas.microsoft.com/office/drawing/2014/main" id="{4E45BE1F-157A-31CD-E5D8-2E3F9B805FF0}"/>
+              </a:ext>
+            </a:extLst>
+          </p:cNvPr>
+          <p:cNvSpPr>
+            <a:spLocks noGrp="1"/>
+          </p:cNvSpPr>
+          <p:nvPr>
+            <p:ph type="title"/>
+          </p:nvPr>
+        </p:nvSpPr>
+        <p:spPr/>
+        <p:txBody>
+          <a:bodyPr/>
+          <a:lstStyle/>
+          <a:p>
+            <a:r>
+              <a:rPr lang="en-US" dirty="0"/>
+              <a:t>Implicit Transient Solver Code</a:t>
+            </a:r>
+          </a:p>
+        </p:txBody>
+      </p:sp>
+      <p:sp>
+        <p:nvSpPr>
+          <p:cNvPr id="4" name="Plassholder for lysbildenummer 3">
+            <a:extLst>
+              <a:ext uri="{FF2B5EF4-FFF2-40B4-BE49-F238E27FC236}">
+                <a16:creationId xmlns:a16="http://schemas.microsoft.com/office/drawing/2014/main" id="{3911C0F7-BC3D-9625-E565-6C4C49F75E42}"/>
+              </a:ext>
+            </a:extLst>
+          </p:cNvPr>
+          <p:cNvSpPr>
+            <a:spLocks noGrp="1"/>
+          </p:cNvSpPr>
+          <p:nvPr>
+            <p:ph type="sldNum" sz="quarter" idx="12"/>
+          </p:nvPr>
+        </p:nvSpPr>
+        <p:spPr/>
+        <p:txBody>
+          <a:bodyPr/>
+          <a:lstStyle/>
+          <a:p>
+            <a:fld id="{719D7796-F675-488F-AC46-C88938C80352}" type="slidenum">
+              <a:rPr lang="en-US" smtClean="0"/>
+              <a:t>8</a:t>
+            </a:fld>
+            <a:endParaRPr lang="en-US"/>
+          </a:p>
+        </p:txBody>
+      </p:sp>
+      <p:pic>
+        <p:nvPicPr>
+          <p:cNvPr id="1026" name="Picture 2" descr="Åpne bilde">
+            <a:extLst>
+              <a:ext uri="{FF2B5EF4-FFF2-40B4-BE49-F238E27FC236}">
+                <a16:creationId xmlns:a16="http://schemas.microsoft.com/office/drawing/2014/main" id="{5389500D-9BCF-6277-DC8D-C3FEC64BCB13}"/>
+              </a:ext>
+            </a:extLst>
+          </p:cNvPr>
+          <p:cNvPicPr>
+            <a:picLocks noGrp="1" noChangeAspect="1" noChangeArrowheads="1"/>
+          </p:cNvPicPr>
+          <p:nvPr>
+            <p:ph idx="1"/>
+          </p:nvPr>
+        </p:nvPicPr>
+        <p:blipFill>
+          <a:blip r:embed="rId2">
+            <a:extLst>
+              <a:ext uri="{28A0092B-C50C-407E-A947-70E740481C1C}">
+                <a14:useLocalDpi xmlns:a14="http://schemas.microsoft.com/office/drawing/2010/main" val="0"/>
+              </a:ext>
+            </a:extLst>
+          </a:blip>
+          <a:stretch>
+            <a:fillRect/>
+          </a:stretch>
+        </p:blipFill>
+        <p:spPr bwMode="auto">
+          <a:xfrm>
+            <a:off x="3119168" y="1953759"/>
+            <a:ext cx="5953664" cy="4435929"/>
+          </a:xfrm>
+          <a:prstGeom prst="rect">
+            <a:avLst/>
+          </a:prstGeom>
+          <a:noFill/>
+          <a:extLst>
+            <a:ext uri="{909E8E84-426E-40DD-AFC4-6F175D3DCCD1}">
+              <a14:hiddenFill xmlns:a14="http://schemas.microsoft.com/office/drawing/2010/main">
+                <a:solidFill>
+                  <a:srgbClr val="FFFFFF"/>
+                </a:solidFill>
+              </a14:hiddenFill>
+            </a:ext>
+          </a:extLst>
+        </p:spPr>
+      </p:pic>
+    </p:spTree>
+    <p:extLst>
+      <p:ext uri="{BB962C8B-B14F-4D97-AF65-F5344CB8AC3E}">
+        <p14:creationId xmlns:p14="http://schemas.microsoft.com/office/powerpoint/2010/main" val="217160031"/>
       </p:ext>
     </p:extLst>
   </p:cSld>
@@ -12975,10 +14062,10 @@
       </p:grpSpPr>
       <p:sp useBgFill="1">
         <p:nvSpPr>
-          <p:cNvPr id="3083" name="Rectangle 3085">
+          <p:cNvPr id="11" name="Rectangle 10">
             <a:extLst>
               <a:ext uri="{FF2B5EF4-FFF2-40B4-BE49-F238E27FC236}">
-                <a16:creationId xmlns:a16="http://schemas.microsoft.com/office/drawing/2014/main" id="{A3B168A7-66FE-4359-9866-CBB841A729E6}"/>
+                <a16:creationId xmlns:a16="http://schemas.microsoft.com/office/drawing/2014/main" id="{40DC026F-444B-46C9-BCBE-329183BF5FE0}"/>
               </a:ext>
               <a:ext uri="{C183D7F6-B498-43B3-948B-1728B52AA6E4}">
                 <adec:decorative xmlns:adec="http://schemas.microsoft.com/office/drawing/2017/decorative" val="1"/>
@@ -13054,7 +14141,7 @@
           <p:cNvPr id="2" name="Tittel 1">
             <a:extLst>
               <a:ext uri="{FF2B5EF4-FFF2-40B4-BE49-F238E27FC236}">
-                <a16:creationId xmlns:a16="http://schemas.microsoft.com/office/drawing/2014/main" id="{33DC3E9E-F546-CA37-11F9-3DF754126349}"/>
+                <a16:creationId xmlns:a16="http://schemas.microsoft.com/office/drawing/2014/main" id="{1D0EA80A-F881-BD97-D3ED-F8F18BB56FC1}"/>
               </a:ext>
             </a:extLst>
           </p:cNvPr>
@@ -13067,8 +14154,8 @@
         </p:nvSpPr>
         <p:spPr>
           <a:xfrm>
-            <a:off x="1091203" y="1091868"/>
-            <a:ext cx="5077479" cy="2042160"/>
+            <a:off x="1088136" y="1088136"/>
+            <a:ext cx="10270671" cy="1188720"/>
           </a:xfrm>
         </p:spPr>
         <p:txBody>
@@ -13079,17 +14166,17 @@
           <a:p>
             <a:r>
               <a:rPr lang="en-US" sz="4000"/>
-              <a:t>Solver Performance &amp; Scaling</a:t>
+              <a:t>Ex 3: Comparison to Line-Source Solution</a:t>
             </a:r>
           </a:p>
         </p:txBody>
       </p:sp>
       <p:cxnSp>
         <p:nvCxnSpPr>
-          <p:cNvPr id="3084" name="Straight Connector 3087">
+          <p:cNvPr id="13" name="Straight Connector 12">
             <a:extLst>
               <a:ext uri="{FF2B5EF4-FFF2-40B4-BE49-F238E27FC236}">
-                <a16:creationId xmlns:a16="http://schemas.microsoft.com/office/drawing/2014/main" id="{E55FB8EA-5471-4074-88CA-98AA3AD98101}"/>
+                <a16:creationId xmlns:a16="http://schemas.microsoft.com/office/drawing/2014/main" id="{F0748755-DDBC-46D0-91EC-1212A8EE2B40}"/>
               </a:ext>
               <a:ext uri="{C183D7F6-B498-43B3-948B-1728B52AA6E4}">
                 <adec:decorative xmlns:adec="http://schemas.microsoft.com/office/drawing/2017/decorative" val="1"/>
@@ -13109,7 +14196,7 @@
         </p:nvCxnSpPr>
         <p:spPr>
           <a:xfrm>
-            <a:off x="-2112" y="1185205"/>
+            <a:off x="0" y="1185255"/>
             <a:ext cx="804195" cy="0"/>
           </a:xfrm>
           <a:prstGeom prst="line">
@@ -13141,7 +14228,7 @@
           <p:cNvPr id="3" name="Plassholder for innhold 2">
             <a:extLst>
               <a:ext uri="{FF2B5EF4-FFF2-40B4-BE49-F238E27FC236}">
-                <a16:creationId xmlns:a16="http://schemas.microsoft.com/office/drawing/2014/main" id="{0B9E11A0-C1F7-7276-A7AF-811CEB7E9126}"/>
+                <a16:creationId xmlns:a16="http://schemas.microsoft.com/office/drawing/2014/main" id="{51EED449-8CBD-615D-EECB-A63C71E402B7}"/>
               </a:ext>
             </a:extLst>
           </p:cNvPr>
@@ -13154,8 +14241,8 @@
         </p:nvSpPr>
         <p:spPr>
           <a:xfrm>
-            <a:off x="1120232" y="3204755"/>
-            <a:ext cx="4975768" cy="3028704"/>
+            <a:off x="1096684" y="2593181"/>
+            <a:ext cx="4868347" cy="3693319"/>
           </a:xfrm>
         </p:spPr>
         <p:txBody>
@@ -13164,125 +14251,96 @@
           </a:bodyPr>
           <a:lstStyle/>
           <a:p>
-            <a:r>
-              <a:rPr lang="en-US" dirty="0"/>
-              <a:t>Solvers</a:t>
-            </a:r>
-          </a:p>
-          <a:p>
-            <a:pPr lvl="1"/>
-            <a:r>
-              <a:rPr lang="en-US" dirty="0"/>
-              <a:t>Dense (NumPy) -&gt; Cubic scaling</a:t>
-            </a:r>
-          </a:p>
-          <a:p>
-            <a:pPr lvl="1"/>
-            <a:r>
-              <a:rPr lang="en-US" dirty="0"/>
-              <a:t>Sparse (SciPy) -&gt; Better at mid range N</a:t>
-            </a:r>
-          </a:p>
-          <a:p>
-            <a:pPr lvl="1"/>
-            <a:r>
-              <a:rPr lang="en-US" dirty="0"/>
-              <a:t>Thomas algorithm -&gt; Linear scaling, best overall</a:t>
+            <a:pPr>
+              <a:buFont typeface="Arial" panose="020B0604020202020204" pitchFamily="34" charset="0"/>
+              <a:buChar char="•"/>
+            </a:pPr>
+            <a:r>
+              <a:rPr lang="en-US" dirty="0"/>
+              <a:t>Numerical vs analytical</a:t>
+            </a:r>
+          </a:p>
+          <a:p>
+            <a:pPr lvl="1">
+              <a:buFont typeface="Arial" panose="020B0604020202020204" pitchFamily="34" charset="0"/>
+              <a:buChar char="•"/>
+            </a:pPr>
+            <a:r>
+              <a:rPr lang="en-US" dirty="0"/>
+              <a:t>Discretization effect at early times</a:t>
+            </a:r>
+          </a:p>
+          <a:p>
+            <a:pPr lvl="1">
+              <a:buFont typeface="Arial" panose="020B0604020202020204" pitchFamily="34" charset="0"/>
+              <a:buChar char="•"/>
+            </a:pPr>
+            <a:r>
+              <a:rPr lang="en-US" dirty="0"/>
+              <a:t>Excellent match at intermediate times</a:t>
+            </a:r>
+          </a:p>
+          <a:p>
+            <a:pPr lvl="1">
+              <a:buFont typeface="Arial" panose="020B0604020202020204" pitchFamily="34" charset="0"/>
+              <a:buChar char="•"/>
+            </a:pPr>
+            <a:r>
+              <a:rPr lang="en-US" dirty="0"/>
+              <a:t>Boundary effects at late times</a:t>
+            </a:r>
+          </a:p>
+          <a:p>
+            <a:pPr>
+              <a:buFont typeface="Arial" panose="020B0604020202020204" pitchFamily="34" charset="0"/>
+              <a:buChar char="•"/>
+            </a:pPr>
+            <a:r>
+              <a:rPr lang="en-US" dirty="0"/>
+              <a:t>Increasing N improves early/intermediate accuracy</a:t>
+            </a:r>
+          </a:p>
+          <a:p>
+            <a:pPr>
+              <a:buFont typeface="Arial" panose="020B0604020202020204" pitchFamily="34" charset="0"/>
+              <a:buChar char="•"/>
+            </a:pPr>
+            <a:r>
+              <a:rPr lang="en-US" dirty="0"/>
+              <a:t>Increasing grid resolution improves accuracy</a:t>
             </a:r>
           </a:p>
         </p:txBody>
       </p:sp>
       <p:pic>
         <p:nvPicPr>
-          <p:cNvPr id="3074" name="Picture 2" descr="Et bilde som inneholder tekst, Plottdiagram, line, diagram&#10;&#10;KI-generert innhold kan være feil.">
+          <p:cNvPr id="6" name="Bilde 5">
             <a:extLst>
               <a:ext uri="{FF2B5EF4-FFF2-40B4-BE49-F238E27FC236}">
-                <a16:creationId xmlns:a16="http://schemas.microsoft.com/office/drawing/2014/main" id="{B227A7A2-18E7-57A8-8434-314F48D5A0D7}"/>
+                <a16:creationId xmlns:a16="http://schemas.microsoft.com/office/drawing/2014/main" id="{AFCAA087-FEED-785C-4707-7E324CFC6396}"/>
               </a:ext>
             </a:extLst>
           </p:cNvPr>
           <p:cNvPicPr>
-            <a:picLocks noChangeAspect="1" noChangeArrowheads="1"/>
+            <a:picLocks noChangeAspect="1"/>
           </p:cNvPicPr>
           <p:nvPr/>
         </p:nvPicPr>
         <p:blipFill>
-          <a:blip r:embed="rId3">
-            <a:extLst>
-              <a:ext uri="{28A0092B-C50C-407E-A947-70E740481C1C}">
-                <a14:useLocalDpi xmlns:a14="http://schemas.microsoft.com/office/drawing/2010/main" val="0"/>
-              </a:ext>
-            </a:extLst>
-          </a:blip>
-          <a:srcRect r="-4" b="6678"/>
+          <a:blip r:embed="rId3"/>
+          <a:srcRect l="82" r="-2" b="-2"/>
           <a:stretch>
             <a:fillRect/>
           </a:stretch>
         </p:blipFill>
-        <p:spPr bwMode="auto">
+        <p:spPr>
           <a:xfrm>
-            <a:off x="7385539" y="1143000"/>
-            <a:ext cx="3615765" cy="2286000"/>
+            <a:off x="6705600" y="2657475"/>
+            <a:ext cx="5486401" cy="4200526"/>
           </a:xfrm>
           <a:prstGeom prst="rect">
             <a:avLst/>
           </a:prstGeom>
-          <a:noFill/>
-          <a:extLst>
-            <a:ext uri="{909E8E84-426E-40DD-AFC4-6F175D3DCCD1}">
-              <a14:hiddenFill xmlns:a14="http://schemas.microsoft.com/office/drawing/2010/main">
-                <a:solidFill>
-                  <a:srgbClr val="FFFFFF"/>
-                </a:solidFill>
-              </a14:hiddenFill>
-            </a:ext>
-          </a:extLst>
-        </p:spPr>
-      </p:pic>
-      <p:pic>
-        <p:nvPicPr>
-          <p:cNvPr id="5" name="Picture 4" descr="Et bilde som inneholder line, tekst, Plottdiagram, diagram&#10;&#10;KI-generert innhold kan være feil.">
-            <a:extLst>
-              <a:ext uri="{FF2B5EF4-FFF2-40B4-BE49-F238E27FC236}">
-                <a16:creationId xmlns:a16="http://schemas.microsoft.com/office/drawing/2014/main" id="{09F7510B-29AB-DDC6-6A8D-59B79099DEC4}"/>
-              </a:ext>
-            </a:extLst>
-          </p:cNvPr>
-          <p:cNvPicPr>
-            <a:picLocks noChangeAspect="1" noChangeArrowheads="1"/>
-          </p:cNvPicPr>
-          <p:nvPr/>
-        </p:nvPicPr>
-        <p:blipFill>
-          <a:blip r:embed="rId4">
-            <a:extLst>
-              <a:ext uri="{28A0092B-C50C-407E-A947-70E740481C1C}">
-                <a14:useLocalDpi xmlns:a14="http://schemas.microsoft.com/office/drawing/2010/main" val="0"/>
-              </a:ext>
-            </a:extLst>
-          </a:blip>
-          <a:stretch>
-            <a:fillRect/>
-          </a:stretch>
-        </p:blipFill>
-        <p:spPr bwMode="auto">
-          <a:xfrm>
-            <a:off x="7385538" y="3760306"/>
-            <a:ext cx="3854547" cy="1011818"/>
-          </a:xfrm>
-          <a:prstGeom prst="rect">
-            <a:avLst/>
-          </a:prstGeom>
-          <a:noFill/>
-          <a:extLst>
-            <a:ext uri="{909E8E84-426E-40DD-AFC4-6F175D3DCCD1}">
-              <a14:hiddenFill xmlns:a14="http://schemas.microsoft.com/office/drawing/2010/main">
-                <a:solidFill>
-                  <a:srgbClr val="FFFFFF"/>
-                </a:solidFill>
-              </a14:hiddenFill>
-            </a:ext>
-          </a:extLst>
         </p:spPr>
       </p:pic>
       <p:sp>
@@ -13290,7 +14348,7 @@
           <p:cNvPr id="4" name="Plassholder for lysbildenummer 3">
             <a:extLst>
               <a:ext uri="{FF2B5EF4-FFF2-40B4-BE49-F238E27FC236}">
-                <a16:creationId xmlns:a16="http://schemas.microsoft.com/office/drawing/2014/main" id="{3D5F19FA-BE47-83C7-236E-05401B7423AB}"/>
+                <a16:creationId xmlns:a16="http://schemas.microsoft.com/office/drawing/2014/main" id="{F955AF24-D136-E3A4-CEBE-8F6C2E1DAB81}"/>
               </a:ext>
             </a:extLst>
           </p:cNvPr>
@@ -13319,7 +14377,11 @@
               </a:spcAft>
             </a:pPr>
             <a:fld id="{719D7796-F675-488F-AC46-C88938C80352}" type="slidenum">
-              <a:rPr lang="en-US"/>
+              <a:rPr lang="en-US">
+                <a:solidFill>
+                  <a:srgbClr val="FFFFFF"/>
+                </a:solidFill>
+              </a:rPr>
               <a:pPr>
                 <a:spcAft>
                   <a:spcPts val="600"/>
@@ -13327,14 +14389,18 @@
               </a:pPr>
               <a:t>9</a:t>
             </a:fld>
-            <a:endParaRPr lang="en-US"/>
+            <a:endParaRPr lang="en-US">
+              <a:solidFill>
+                <a:srgbClr val="FFFFFF"/>
+              </a:solidFill>
+            </a:endParaRPr>
           </a:p>
         </p:txBody>
       </p:sp>
     </p:spTree>
     <p:extLst>
       <p:ext uri="{BB962C8B-B14F-4D97-AF65-F5344CB8AC3E}">
-        <p14:creationId xmlns:p14="http://schemas.microsoft.com/office/powerpoint/2010/main" val="3022873501"/>
+        <p14:creationId xmlns:p14="http://schemas.microsoft.com/office/powerpoint/2010/main" val="1558475132"/>
       </p:ext>
     </p:extLst>
   </p:cSld>
